--- a/Lecture_12.pptx
+++ b/Lecture_12.pptx
@@ -33,6 +33,17 @@
     <p:sldId id="281" r:id="rId27"/>
     <p:sldId id="280" r:id="rId28"/>
     <p:sldId id="283" r:id="rId29"/>
+    <p:sldId id="284" r:id="rId30"/>
+    <p:sldId id="285" r:id="rId31"/>
+    <p:sldId id="286" r:id="rId32"/>
+    <p:sldId id="287" r:id="rId33"/>
+    <p:sldId id="288" r:id="rId34"/>
+    <p:sldId id="290" r:id="rId35"/>
+    <p:sldId id="291" r:id="rId36"/>
+    <p:sldId id="292" r:id="rId37"/>
+    <p:sldId id="293" r:id="rId38"/>
+    <p:sldId id="294" r:id="rId39"/>
+    <p:sldId id="295" r:id="rId40"/>
   </p:sldIdLst>
   <p:sldSz cx="12192000" cy="6858000"/>
   <p:notesSz cx="6858000" cy="9144000"/>
@@ -14723,7 +14734,40 @@
           <a:p>
             <a:r>
               <a:rPr lang="en-US" dirty="0"/>
-              <a:t>Retrieve list of contacts</a:t>
+              <a:t>Retrieve list of contacts using </a:t>
+            </a:r>
+            <a:r>
+              <a:rPr lang="en-US" dirty="0" err="1"/>
+              <a:t>ContactsContract</a:t>
+            </a:r>
+            <a:r>
+              <a:rPr lang="en-US" dirty="0"/>
+              <a:t> class</a:t>
+            </a:r>
+          </a:p>
+          <a:p>
+            <a:r>
+              <a:rPr lang="en-US" dirty="0"/>
+              <a:t>Display the results using a </a:t>
+            </a:r>
+            <a:r>
+              <a:rPr lang="en-US" dirty="0" err="1"/>
+              <a:t>ListView</a:t>
+            </a:r>
+            <a:endParaRPr lang="en-US" dirty="0"/>
+          </a:p>
+          <a:p>
+            <a:r>
+              <a:rPr lang="en-US" dirty="0"/>
+              <a:t>Bonus (0.5%) retrieve and display contacts details when user clicks </a:t>
+            </a:r>
+            <a:r>
+              <a:rPr lang="en-US" dirty="0" err="1"/>
+              <a:t>ListView</a:t>
+            </a:r>
+            <a:r>
+              <a:rPr lang="en-US" dirty="0"/>
+              <a:t> item</a:t>
             </a:r>
           </a:p>
         </p:txBody>
@@ -14732,6 +14776,188 @@
     <p:extLst>
       <p:ext uri="{BB962C8B-B14F-4D97-AF65-F5344CB8AC3E}">
         <p14:creationId xmlns:p14="http://schemas.microsoft.com/office/powerpoint/2010/main" val="2616006479"/>
+      </p:ext>
+    </p:extLst>
+  </p:cSld>
+  <p:clrMapOvr>
+    <a:masterClrMapping/>
+  </p:clrMapOvr>
+</p:sld>
+</file>
+
+<file path=ppt/slides/slide29.xml><?xml version="1.0" encoding="utf-8"?>
+<p:sld xmlns:a="http://schemas.openxmlformats.org/drawingml/2006/main" xmlns:r="http://schemas.openxmlformats.org/officeDocument/2006/relationships" xmlns:p="http://schemas.openxmlformats.org/presentationml/2006/main">
+  <p:cSld>
+    <p:spTree>
+      <p:nvGrpSpPr>
+        <p:cNvPr id="1" name=""/>
+        <p:cNvGrpSpPr/>
+        <p:nvPr/>
+      </p:nvGrpSpPr>
+      <p:grpSpPr>
+        <a:xfrm>
+          <a:off x="0" y="0"/>
+          <a:ext cx="0" cy="0"/>
+          <a:chOff x="0" y="0"/>
+          <a:chExt cx="0" cy="0"/>
+        </a:xfrm>
+      </p:grpSpPr>
+      <p:sp>
+        <p:nvSpPr>
+          <p:cNvPr id="2" name="Title 1">
+            <a:extLst>
+              <a:ext uri="{FF2B5EF4-FFF2-40B4-BE49-F238E27FC236}">
+                <a16:creationId xmlns:a16="http://schemas.microsoft.com/office/drawing/2014/main" id="{C8A0B070-A7DB-4CF6-97A7-15AA2FEF5A2D}"/>
+              </a:ext>
+            </a:extLst>
+          </p:cNvPr>
+          <p:cNvSpPr>
+            <a:spLocks noGrp="1"/>
+          </p:cNvSpPr>
+          <p:nvPr>
+            <p:ph type="title"/>
+          </p:nvPr>
+        </p:nvSpPr>
+        <p:spPr>
+          <a:xfrm>
+            <a:off x="0" y="18256"/>
+            <a:ext cx="10515600" cy="732516"/>
+          </a:xfrm>
+        </p:spPr>
+        <p:txBody>
+          <a:bodyPr/>
+          <a:lstStyle/>
+          <a:p>
+            <a:r>
+              <a:rPr lang="en-US" dirty="0"/>
+              <a:t>Contacts provider</a:t>
+            </a:r>
+          </a:p>
+        </p:txBody>
+      </p:sp>
+      <p:sp>
+        <p:nvSpPr>
+          <p:cNvPr id="3" name="Content Placeholder 2">
+            <a:extLst>
+              <a:ext uri="{FF2B5EF4-FFF2-40B4-BE49-F238E27FC236}">
+                <a16:creationId xmlns:a16="http://schemas.microsoft.com/office/drawing/2014/main" id="{D5C65E4A-A8AA-485C-A84F-4800809AC51A}"/>
+              </a:ext>
+            </a:extLst>
+          </p:cNvPr>
+          <p:cNvSpPr>
+            <a:spLocks noGrp="1"/>
+          </p:cNvSpPr>
+          <p:nvPr>
+            <p:ph idx="1"/>
+          </p:nvPr>
+        </p:nvSpPr>
+        <p:spPr>
+          <a:xfrm>
+            <a:off x="0" y="750772"/>
+            <a:ext cx="12192000" cy="5688529"/>
+          </a:xfrm>
+        </p:spPr>
+        <p:txBody>
+          <a:bodyPr/>
+          <a:lstStyle/>
+          <a:p>
+            <a:r>
+              <a:rPr lang="en-US" dirty="0"/>
+              <a:t>Contacts provider manages devices central repository of data about people</a:t>
+            </a:r>
+          </a:p>
+          <a:p>
+            <a:r>
+              <a:rPr lang="en-US" dirty="0"/>
+              <a:t>Source of data you see in device’s contacts app</a:t>
+            </a:r>
+          </a:p>
+          <a:p>
+            <a:r>
+              <a:rPr lang="en-US" dirty="0"/>
+              <a:t>You can access its data in your own app</a:t>
+            </a:r>
+          </a:p>
+          <a:p>
+            <a:r>
+              <a:rPr lang="en-US" dirty="0"/>
+              <a:t>Contact provider is complex and its API include an extensive set of contract classes and interfaces facilitating data retrieval/modification</a:t>
+            </a:r>
+          </a:p>
+          <a:p>
+            <a:r>
+              <a:rPr lang="en-US" i="1" dirty="0"/>
+              <a:t>We will look at:</a:t>
+            </a:r>
+          </a:p>
+          <a:p>
+            <a:r>
+              <a:rPr lang="en-US" b="1" dirty="0"/>
+              <a:t>Basic contacts provider structure</a:t>
+            </a:r>
+          </a:p>
+          <a:p>
+            <a:r>
+              <a:rPr lang="en-US" b="1" dirty="0"/>
+              <a:t>How to retrieve data from contacts provider</a:t>
+            </a:r>
+          </a:p>
+          <a:p>
+            <a:r>
+              <a:rPr lang="en-US" dirty="0"/>
+              <a:t>How to modify data in the provider</a:t>
+            </a:r>
+          </a:p>
+          <a:p>
+            <a:r>
+              <a:rPr lang="en-US" dirty="0"/>
+              <a:t>How to write sync adapter for synchronizing data from your server to provider</a:t>
+            </a:r>
+          </a:p>
+        </p:txBody>
+      </p:sp>
+      <p:sp>
+        <p:nvSpPr>
+          <p:cNvPr id="4" name="TextBox 3">
+            <a:extLst>
+              <a:ext uri="{FF2B5EF4-FFF2-40B4-BE49-F238E27FC236}">
+                <a16:creationId xmlns:a16="http://schemas.microsoft.com/office/drawing/2014/main" id="{485A1586-8E44-4D0E-8C95-2290C3E0E248}"/>
+              </a:ext>
+            </a:extLst>
+          </p:cNvPr>
+          <p:cNvSpPr txBox="1"/>
+          <p:nvPr/>
+        </p:nvSpPr>
+        <p:spPr>
+          <a:xfrm>
+            <a:off x="0" y="6439301"/>
+            <a:ext cx="7575082" cy="369332"/>
+          </a:xfrm>
+          <a:prstGeom prst="rect">
+            <a:avLst/>
+          </a:prstGeom>
+          <a:noFill/>
+        </p:spPr>
+        <p:txBody>
+          <a:bodyPr wrap="square" rtlCol="0">
+            <a:spAutoFit/>
+          </a:bodyPr>
+          <a:lstStyle/>
+          <a:p>
+            <a:r>
+              <a:rPr lang="en-US" dirty="0">
+                <a:hlinkClick r:id="rId2"/>
+              </a:rPr>
+              <a:t>https://developer.android.com/guide/topics/providers/contacts-provider</a:t>
+            </a:r>
+            <a:endParaRPr lang="en-US" dirty="0"/>
+          </a:p>
+        </p:txBody>
+      </p:sp>
+    </p:spTree>
+    <p:extLst>
+      <p:ext uri="{BB962C8B-B14F-4D97-AF65-F5344CB8AC3E}">
+        <p14:creationId xmlns:p14="http://schemas.microsoft.com/office/powerpoint/2010/main" val="3962180411"/>
       </p:ext>
     </p:extLst>
   </p:cSld>
@@ -14931,6 +15157,4686 @@
     <p:extLst>
       <p:ext uri="{BB962C8B-B14F-4D97-AF65-F5344CB8AC3E}">
         <p14:creationId xmlns:p14="http://schemas.microsoft.com/office/powerpoint/2010/main" val="3020710423"/>
+      </p:ext>
+    </p:extLst>
+  </p:cSld>
+  <p:clrMapOvr>
+    <a:masterClrMapping/>
+  </p:clrMapOvr>
+</p:sld>
+</file>
+
+<file path=ppt/slides/slide30.xml><?xml version="1.0" encoding="utf-8"?>
+<p:sld xmlns:a="http://schemas.openxmlformats.org/drawingml/2006/main" xmlns:r="http://schemas.openxmlformats.org/officeDocument/2006/relationships" xmlns:p="http://schemas.openxmlformats.org/presentationml/2006/main">
+  <p:cSld>
+    <p:spTree>
+      <p:nvGrpSpPr>
+        <p:cNvPr id="1" name=""/>
+        <p:cNvGrpSpPr/>
+        <p:nvPr/>
+      </p:nvGrpSpPr>
+      <p:grpSpPr>
+        <a:xfrm>
+          <a:off x="0" y="0"/>
+          <a:ext cx="0" cy="0"/>
+          <a:chOff x="0" y="0"/>
+          <a:chExt cx="0" cy="0"/>
+        </a:xfrm>
+      </p:grpSpPr>
+      <p:sp>
+        <p:nvSpPr>
+          <p:cNvPr id="2" name="Title 1">
+            <a:extLst>
+              <a:ext uri="{FF2B5EF4-FFF2-40B4-BE49-F238E27FC236}">
+                <a16:creationId xmlns:a16="http://schemas.microsoft.com/office/drawing/2014/main" id="{C8A0B070-A7DB-4CF6-97A7-15AA2FEF5A2D}"/>
+              </a:ext>
+            </a:extLst>
+          </p:cNvPr>
+          <p:cNvSpPr>
+            <a:spLocks noGrp="1"/>
+          </p:cNvSpPr>
+          <p:nvPr>
+            <p:ph type="title"/>
+          </p:nvPr>
+        </p:nvSpPr>
+        <p:spPr>
+          <a:xfrm>
+            <a:off x="0" y="18256"/>
+            <a:ext cx="10515600" cy="732516"/>
+          </a:xfrm>
+        </p:spPr>
+        <p:txBody>
+          <a:bodyPr/>
+          <a:lstStyle/>
+          <a:p>
+            <a:r>
+              <a:rPr lang="en-US" dirty="0"/>
+              <a:t>Contacts provide organization</a:t>
+            </a:r>
+          </a:p>
+        </p:txBody>
+      </p:sp>
+      <p:sp>
+        <p:nvSpPr>
+          <p:cNvPr id="3" name="Content Placeholder 2">
+            <a:extLst>
+              <a:ext uri="{FF2B5EF4-FFF2-40B4-BE49-F238E27FC236}">
+                <a16:creationId xmlns:a16="http://schemas.microsoft.com/office/drawing/2014/main" id="{D5C65E4A-A8AA-485C-A84F-4800809AC51A}"/>
+              </a:ext>
+            </a:extLst>
+          </p:cNvPr>
+          <p:cNvSpPr>
+            <a:spLocks noGrp="1"/>
+          </p:cNvSpPr>
+          <p:nvPr>
+            <p:ph idx="1"/>
+          </p:nvPr>
+        </p:nvSpPr>
+        <p:spPr>
+          <a:xfrm>
+            <a:off x="0" y="750772"/>
+            <a:ext cx="6458552" cy="5688529"/>
+          </a:xfrm>
+        </p:spPr>
+        <p:txBody>
+          <a:bodyPr/>
+          <a:lstStyle/>
+          <a:p>
+            <a:r>
+              <a:rPr lang="en-US" dirty="0"/>
+              <a:t>Contact provider maintains three types of data about a person, each corresponding to a table offered by the provider</a:t>
+            </a:r>
+          </a:p>
+          <a:p>
+            <a:r>
+              <a:rPr lang="en-US" dirty="0"/>
+              <a:t>1) </a:t>
+            </a:r>
+            <a:r>
+              <a:rPr lang="en-US" dirty="0" err="1"/>
+              <a:t>ContactsContract.Contacts</a:t>
+            </a:r>
+            <a:r>
+              <a:rPr lang="en-US" dirty="0"/>
+              <a:t> table</a:t>
+            </a:r>
+          </a:p>
+          <a:p>
+            <a:pPr lvl="1"/>
+            <a:r>
+              <a:rPr lang="en-US" dirty="0"/>
+              <a:t>Row representing different people based on aggregation of raw contact rows</a:t>
+            </a:r>
+          </a:p>
+          <a:p>
+            <a:r>
+              <a:rPr lang="en-US" dirty="0"/>
+              <a:t>2) </a:t>
+            </a:r>
+            <a:r>
+              <a:rPr lang="en-US" dirty="0" err="1"/>
+              <a:t>ContactsContract.RawContacts</a:t>
+            </a:r>
+            <a:r>
+              <a:rPr lang="en-US" dirty="0"/>
+              <a:t> table</a:t>
+            </a:r>
+          </a:p>
+          <a:p>
+            <a:pPr lvl="1"/>
+            <a:r>
+              <a:rPr lang="en-US" dirty="0"/>
+              <a:t>Rows containing summary of a person’s data specific to a user account and type</a:t>
+            </a:r>
+          </a:p>
+          <a:p>
+            <a:r>
+              <a:rPr lang="en-US" dirty="0"/>
+              <a:t>3) </a:t>
+            </a:r>
+            <a:r>
+              <a:rPr lang="en-US" dirty="0" err="1"/>
+              <a:t>ConctactsContract.Data</a:t>
+            </a:r>
+            <a:r>
+              <a:rPr lang="en-US" dirty="0"/>
+              <a:t> table</a:t>
+            </a:r>
+          </a:p>
+          <a:p>
+            <a:pPr lvl="1"/>
+            <a:r>
+              <a:rPr lang="en-US" dirty="0"/>
+              <a:t>Rows containing details for a raw contact, such as email addresses and phone numbers</a:t>
+            </a:r>
+          </a:p>
+        </p:txBody>
+      </p:sp>
+      <p:sp>
+        <p:nvSpPr>
+          <p:cNvPr id="4" name="TextBox 3">
+            <a:extLst>
+              <a:ext uri="{FF2B5EF4-FFF2-40B4-BE49-F238E27FC236}">
+                <a16:creationId xmlns:a16="http://schemas.microsoft.com/office/drawing/2014/main" id="{485A1586-8E44-4D0E-8C95-2290C3E0E248}"/>
+              </a:ext>
+            </a:extLst>
+          </p:cNvPr>
+          <p:cNvSpPr txBox="1"/>
+          <p:nvPr/>
+        </p:nvSpPr>
+        <p:spPr>
+          <a:xfrm>
+            <a:off x="0" y="6439301"/>
+            <a:ext cx="7575082" cy="369332"/>
+          </a:xfrm>
+          <a:prstGeom prst="rect">
+            <a:avLst/>
+          </a:prstGeom>
+          <a:noFill/>
+        </p:spPr>
+        <p:txBody>
+          <a:bodyPr wrap="square" rtlCol="0">
+            <a:spAutoFit/>
+          </a:bodyPr>
+          <a:lstStyle/>
+          <a:p>
+            <a:r>
+              <a:rPr lang="en-US" dirty="0">
+                <a:hlinkClick r:id="rId2"/>
+              </a:rPr>
+              <a:t>https://developer.android.com/guide/topics/providers/contacts-provider</a:t>
+            </a:r>
+            <a:endParaRPr lang="en-US" dirty="0"/>
+          </a:p>
+        </p:txBody>
+      </p:sp>
+      <p:pic>
+        <p:nvPicPr>
+          <p:cNvPr id="1026" name="Picture 2">
+            <a:extLst>
+              <a:ext uri="{FF2B5EF4-FFF2-40B4-BE49-F238E27FC236}">
+                <a16:creationId xmlns:a16="http://schemas.microsoft.com/office/drawing/2014/main" id="{5A664640-C76B-460E-A645-07180B8602DC}"/>
+              </a:ext>
+            </a:extLst>
+          </p:cNvPr>
+          <p:cNvPicPr>
+            <a:picLocks noChangeAspect="1" noChangeArrowheads="1"/>
+          </p:cNvPicPr>
+          <p:nvPr/>
+        </p:nvPicPr>
+        <p:blipFill>
+          <a:blip r:embed="rId3">
+            <a:extLst>
+              <a:ext uri="{28A0092B-C50C-407E-A947-70E740481C1C}">
+                <a14:useLocalDpi xmlns:a14="http://schemas.microsoft.com/office/drawing/2010/main" val="0"/>
+              </a:ext>
+            </a:extLst>
+          </a:blip>
+          <a:srcRect/>
+          <a:stretch>
+            <a:fillRect/>
+          </a:stretch>
+        </p:blipFill>
+        <p:spPr bwMode="auto">
+          <a:xfrm>
+            <a:off x="6365508" y="1017969"/>
+            <a:ext cx="5444691" cy="4822062"/>
+          </a:xfrm>
+          <a:prstGeom prst="rect">
+            <a:avLst/>
+          </a:prstGeom>
+          <a:noFill/>
+          <a:extLst>
+            <a:ext uri="{909E8E84-426E-40DD-AFC4-6F175D3DCCD1}">
+              <a14:hiddenFill xmlns:a14="http://schemas.microsoft.com/office/drawing/2010/main">
+                <a:solidFill>
+                  <a:srgbClr val="FFFFFF"/>
+                </a:solidFill>
+              </a14:hiddenFill>
+            </a:ext>
+          </a:extLst>
+        </p:spPr>
+      </p:pic>
+    </p:spTree>
+    <p:extLst>
+      <p:ext uri="{BB962C8B-B14F-4D97-AF65-F5344CB8AC3E}">
+        <p14:creationId xmlns:p14="http://schemas.microsoft.com/office/powerpoint/2010/main" val="2128468399"/>
+      </p:ext>
+    </p:extLst>
+  </p:cSld>
+  <p:clrMapOvr>
+    <a:masterClrMapping/>
+  </p:clrMapOvr>
+</p:sld>
+</file>
+
+<file path=ppt/slides/slide31.xml><?xml version="1.0" encoding="utf-8"?>
+<p:sld xmlns:a="http://schemas.openxmlformats.org/drawingml/2006/main" xmlns:r="http://schemas.openxmlformats.org/officeDocument/2006/relationships" xmlns:p="http://schemas.openxmlformats.org/presentationml/2006/main">
+  <p:cSld>
+    <p:spTree>
+      <p:nvGrpSpPr>
+        <p:cNvPr id="1" name=""/>
+        <p:cNvGrpSpPr/>
+        <p:nvPr/>
+      </p:nvGrpSpPr>
+      <p:grpSpPr>
+        <a:xfrm>
+          <a:off x="0" y="0"/>
+          <a:ext cx="0" cy="0"/>
+          <a:chOff x="0" y="0"/>
+          <a:chExt cx="0" cy="0"/>
+        </a:xfrm>
+      </p:grpSpPr>
+      <p:sp>
+        <p:nvSpPr>
+          <p:cNvPr id="2" name="Title 1">
+            <a:extLst>
+              <a:ext uri="{FF2B5EF4-FFF2-40B4-BE49-F238E27FC236}">
+                <a16:creationId xmlns:a16="http://schemas.microsoft.com/office/drawing/2014/main" id="{C8A0B070-A7DB-4CF6-97A7-15AA2FEF5A2D}"/>
+              </a:ext>
+            </a:extLst>
+          </p:cNvPr>
+          <p:cNvSpPr>
+            <a:spLocks noGrp="1"/>
+          </p:cNvSpPr>
+          <p:nvPr>
+            <p:ph type="title"/>
+          </p:nvPr>
+        </p:nvSpPr>
+        <p:spPr>
+          <a:xfrm>
+            <a:off x="0" y="18256"/>
+            <a:ext cx="10515600" cy="732516"/>
+          </a:xfrm>
+        </p:spPr>
+        <p:txBody>
+          <a:bodyPr/>
+          <a:lstStyle/>
+          <a:p>
+            <a:r>
+              <a:rPr lang="en-US" dirty="0"/>
+              <a:t>Raw contacts</a:t>
+            </a:r>
+          </a:p>
+        </p:txBody>
+      </p:sp>
+      <p:sp>
+        <p:nvSpPr>
+          <p:cNvPr id="3" name="Content Placeholder 2">
+            <a:extLst>
+              <a:ext uri="{FF2B5EF4-FFF2-40B4-BE49-F238E27FC236}">
+                <a16:creationId xmlns:a16="http://schemas.microsoft.com/office/drawing/2014/main" id="{D5C65E4A-A8AA-485C-A84F-4800809AC51A}"/>
+              </a:ext>
+            </a:extLst>
+          </p:cNvPr>
+          <p:cNvSpPr>
+            <a:spLocks noGrp="1"/>
+          </p:cNvSpPr>
+          <p:nvPr>
+            <p:ph idx="1"/>
+          </p:nvPr>
+        </p:nvSpPr>
+        <p:spPr>
+          <a:xfrm>
+            <a:off x="0" y="750772"/>
+            <a:ext cx="12192000" cy="5688529"/>
+          </a:xfrm>
+        </p:spPr>
+        <p:txBody>
+          <a:bodyPr>
+            <a:normAutofit fontScale="85000" lnSpcReduction="20000"/>
+          </a:bodyPr>
+          <a:lstStyle/>
+          <a:p>
+            <a:r>
+              <a:rPr lang="en-US" dirty="0"/>
+              <a:t>Represents a person’s data coming from single account type and account name</a:t>
+            </a:r>
+          </a:p>
+          <a:p>
+            <a:r>
+              <a:rPr lang="en-US" dirty="0"/>
+              <a:t>Can have multiple raw contacts for the same person</a:t>
+            </a:r>
+          </a:p>
+          <a:p>
+            <a:r>
+              <a:rPr lang="en-US" dirty="0"/>
+              <a:t>To understand how raw contacts work, consider user ‘Emily Dickenson’ who has following three user accounts defined on her device:</a:t>
+            </a:r>
+          </a:p>
+          <a:p>
+            <a:r>
+              <a:rPr lang="en-US" dirty="0"/>
+              <a:t>1) </a:t>
+            </a:r>
+            <a:r>
+              <a:rPr lang="en-US" dirty="0">
+                <a:hlinkClick r:id="rId2"/>
+              </a:rPr>
+              <a:t>Emily.dickinson@gmail.com</a:t>
+            </a:r>
+            <a:endParaRPr lang="en-US" dirty="0"/>
+          </a:p>
+          <a:p>
+            <a:r>
+              <a:rPr lang="en-US" dirty="0"/>
+              <a:t>2) </a:t>
+            </a:r>
+            <a:r>
+              <a:rPr lang="en-US" dirty="0">
+                <a:hlinkClick r:id="rId3"/>
+              </a:rPr>
+              <a:t>emilyd@gmail.com</a:t>
+            </a:r>
+            <a:endParaRPr lang="en-US" dirty="0"/>
+          </a:p>
+          <a:p>
+            <a:r>
+              <a:rPr lang="en-US" dirty="0"/>
+              <a:t>3) twitter account “</a:t>
+            </a:r>
+            <a:r>
+              <a:rPr lang="en-US" dirty="0" err="1"/>
+              <a:t>belle_of_amherst</a:t>
+            </a:r>
+            <a:r>
+              <a:rPr lang="en-US" dirty="0"/>
+              <a:t>”</a:t>
+            </a:r>
+          </a:p>
+          <a:p>
+            <a:r>
+              <a:rPr lang="en-US" dirty="0"/>
+              <a:t>The user has enabled sync contacts for all three accounts in </a:t>
+            </a:r>
+            <a:r>
+              <a:rPr lang="en-US" i="1" dirty="0"/>
+              <a:t>Accounts </a:t>
+            </a:r>
+            <a:r>
+              <a:rPr lang="en-US" dirty="0"/>
+              <a:t>settings</a:t>
+            </a:r>
+          </a:p>
+          <a:p>
+            <a:r>
+              <a:rPr lang="en-US" dirty="0"/>
+              <a:t>Suppose Emily opens browser and logs into </a:t>
+            </a:r>
+            <a:r>
+              <a:rPr lang="en-US" dirty="0" err="1"/>
+              <a:t>gmail</a:t>
+            </a:r>
+            <a:r>
+              <a:rPr lang="en-US" dirty="0"/>
+              <a:t> as (1), opens contacts, and adds “Thomas Higginson”. Later, she logs into </a:t>
+            </a:r>
+            <a:r>
+              <a:rPr lang="en-US" dirty="0" err="1"/>
+              <a:t>gmail</a:t>
+            </a:r>
+            <a:r>
+              <a:rPr lang="en-US" dirty="0"/>
+              <a:t> as (2), and sends an email to “Thomas Higginson”, which automatically adds him as a contact. She also follows “</a:t>
+            </a:r>
+            <a:r>
+              <a:rPr lang="en-US" dirty="0" err="1"/>
+              <a:t>colonel_tom</a:t>
+            </a:r>
+            <a:r>
+              <a:rPr lang="en-US" dirty="0"/>
+              <a:t>” (Thomas </a:t>
+            </a:r>
+            <a:r>
+              <a:rPr lang="en-US" dirty="0" err="1"/>
+              <a:t>Higgonson’s</a:t>
+            </a:r>
+            <a:r>
+              <a:rPr lang="en-US" dirty="0"/>
+              <a:t> twitter ID) on Twitter</a:t>
+            </a:r>
+          </a:p>
+          <a:p>
+            <a:r>
+              <a:rPr lang="en-US" dirty="0"/>
+              <a:t>Contacts Provider creates three raw contacts as a result of this work:</a:t>
+            </a:r>
+          </a:p>
+          <a:p>
+            <a:r>
+              <a:rPr lang="en-US" dirty="0"/>
+              <a:t>A) raw contact for Thomas Higginson associated to </a:t>
+            </a:r>
+            <a:r>
+              <a:rPr lang="en-US" dirty="0">
+                <a:hlinkClick r:id="rId2"/>
+              </a:rPr>
+              <a:t>Emily.dickinson@gmail.com</a:t>
+            </a:r>
+            <a:endParaRPr lang="en-US" dirty="0"/>
+          </a:p>
+          <a:p>
+            <a:r>
+              <a:rPr lang="en-US" dirty="0"/>
+              <a:t>B) a second raw contact for Thomas Higginson associated to </a:t>
+            </a:r>
+            <a:r>
+              <a:rPr lang="en-US" dirty="0">
+                <a:hlinkClick r:id="rId3"/>
+              </a:rPr>
+              <a:t>emilyd@gmail.com</a:t>
+            </a:r>
+            <a:endParaRPr lang="en-US" dirty="0"/>
+          </a:p>
+          <a:p>
+            <a:r>
+              <a:rPr lang="en-US" dirty="0"/>
+              <a:t>C) a third contact for Thomas </a:t>
+            </a:r>
+            <a:r>
+              <a:rPr lang="en-US" dirty="0" err="1"/>
+              <a:t>Higgonson</a:t>
+            </a:r>
+            <a:r>
+              <a:rPr lang="en-US" dirty="0"/>
+              <a:t> associated with </a:t>
+            </a:r>
+            <a:r>
+              <a:rPr lang="en-US" dirty="0" err="1"/>
+              <a:t>belle_of_amherst</a:t>
+            </a:r>
+            <a:endParaRPr lang="en-US" dirty="0"/>
+          </a:p>
+        </p:txBody>
+      </p:sp>
+      <p:sp>
+        <p:nvSpPr>
+          <p:cNvPr id="4" name="TextBox 3">
+            <a:extLst>
+              <a:ext uri="{FF2B5EF4-FFF2-40B4-BE49-F238E27FC236}">
+                <a16:creationId xmlns:a16="http://schemas.microsoft.com/office/drawing/2014/main" id="{485A1586-8E44-4D0E-8C95-2290C3E0E248}"/>
+              </a:ext>
+            </a:extLst>
+          </p:cNvPr>
+          <p:cNvSpPr txBox="1"/>
+          <p:nvPr/>
+        </p:nvSpPr>
+        <p:spPr>
+          <a:xfrm>
+            <a:off x="0" y="6439301"/>
+            <a:ext cx="7575082" cy="369332"/>
+          </a:xfrm>
+          <a:prstGeom prst="rect">
+            <a:avLst/>
+          </a:prstGeom>
+          <a:noFill/>
+        </p:spPr>
+        <p:txBody>
+          <a:bodyPr wrap="square" rtlCol="0">
+            <a:spAutoFit/>
+          </a:bodyPr>
+          <a:lstStyle/>
+          <a:p>
+            <a:r>
+              <a:rPr lang="en-US" dirty="0">
+                <a:hlinkClick r:id="rId4"/>
+              </a:rPr>
+              <a:t>https://developer.android.com/guide/topics/providers/contacts-provider</a:t>
+            </a:r>
+            <a:endParaRPr lang="en-US" dirty="0"/>
+          </a:p>
+        </p:txBody>
+      </p:sp>
+    </p:spTree>
+    <p:extLst>
+      <p:ext uri="{BB962C8B-B14F-4D97-AF65-F5344CB8AC3E}">
+        <p14:creationId xmlns:p14="http://schemas.microsoft.com/office/powerpoint/2010/main" val="3152992981"/>
+      </p:ext>
+    </p:extLst>
+  </p:cSld>
+  <p:clrMapOvr>
+    <a:masterClrMapping/>
+  </p:clrMapOvr>
+</p:sld>
+</file>
+
+<file path=ppt/slides/slide32.xml><?xml version="1.0" encoding="utf-8"?>
+<p:sld xmlns:a="http://schemas.openxmlformats.org/drawingml/2006/main" xmlns:r="http://schemas.openxmlformats.org/officeDocument/2006/relationships" xmlns:p="http://schemas.openxmlformats.org/presentationml/2006/main">
+  <p:cSld>
+    <p:spTree>
+      <p:nvGrpSpPr>
+        <p:cNvPr id="1" name=""/>
+        <p:cNvGrpSpPr/>
+        <p:nvPr/>
+      </p:nvGrpSpPr>
+      <p:grpSpPr>
+        <a:xfrm>
+          <a:off x="0" y="0"/>
+          <a:ext cx="0" cy="0"/>
+          <a:chOff x="0" y="0"/>
+          <a:chExt cx="0" cy="0"/>
+        </a:xfrm>
+      </p:grpSpPr>
+      <p:sp>
+        <p:nvSpPr>
+          <p:cNvPr id="2" name="Title 1">
+            <a:extLst>
+              <a:ext uri="{FF2B5EF4-FFF2-40B4-BE49-F238E27FC236}">
+                <a16:creationId xmlns:a16="http://schemas.microsoft.com/office/drawing/2014/main" id="{C8A0B070-A7DB-4CF6-97A7-15AA2FEF5A2D}"/>
+              </a:ext>
+            </a:extLst>
+          </p:cNvPr>
+          <p:cNvSpPr>
+            <a:spLocks noGrp="1"/>
+          </p:cNvSpPr>
+          <p:nvPr>
+            <p:ph type="title"/>
+          </p:nvPr>
+        </p:nvSpPr>
+        <p:spPr>
+          <a:xfrm>
+            <a:off x="0" y="18256"/>
+            <a:ext cx="10515600" cy="732516"/>
+          </a:xfrm>
+        </p:spPr>
+        <p:txBody>
+          <a:bodyPr/>
+          <a:lstStyle/>
+          <a:p>
+            <a:r>
+              <a:rPr lang="en-US" dirty="0"/>
+              <a:t>Data</a:t>
+            </a:r>
+          </a:p>
+        </p:txBody>
+      </p:sp>
+      <p:sp>
+        <p:nvSpPr>
+          <p:cNvPr id="3" name="Content Placeholder 2">
+            <a:extLst>
+              <a:ext uri="{FF2B5EF4-FFF2-40B4-BE49-F238E27FC236}">
+                <a16:creationId xmlns:a16="http://schemas.microsoft.com/office/drawing/2014/main" id="{D5C65E4A-A8AA-485C-A84F-4800809AC51A}"/>
+              </a:ext>
+            </a:extLst>
+          </p:cNvPr>
+          <p:cNvSpPr>
+            <a:spLocks noGrp="1"/>
+          </p:cNvSpPr>
+          <p:nvPr>
+            <p:ph idx="1"/>
+          </p:nvPr>
+        </p:nvSpPr>
+        <p:spPr>
+          <a:xfrm>
+            <a:off x="0" y="750772"/>
+            <a:ext cx="12192000" cy="5688529"/>
+          </a:xfrm>
+        </p:spPr>
+        <p:txBody>
+          <a:bodyPr/>
+          <a:lstStyle/>
+          <a:p>
+            <a:r>
+              <a:rPr lang="en-US" dirty="0"/>
+              <a:t>Data for raw contact is stored in </a:t>
+            </a:r>
+            <a:r>
+              <a:rPr lang="en-US" dirty="0" err="1"/>
+              <a:t>ContactsContract.Data</a:t>
+            </a:r>
+            <a:r>
+              <a:rPr lang="en-US" dirty="0"/>
+              <a:t> row, that is linked to raw contact’s _ID value</a:t>
+            </a:r>
+          </a:p>
+          <a:p>
+            <a:r>
+              <a:rPr lang="en-US" dirty="0"/>
+              <a:t>This allows single raw contacts to have multiple instances of the same type of data such as emails or phone numbers</a:t>
+            </a:r>
+          </a:p>
+          <a:p>
+            <a:r>
+              <a:rPr lang="en-US" dirty="0"/>
+              <a:t>Different types of data are stored in this single table:</a:t>
+            </a:r>
+          </a:p>
+          <a:p>
+            <a:pPr lvl="1"/>
+            <a:r>
+              <a:rPr lang="en-US" dirty="0"/>
+              <a:t>Display name, phone number, email, postal address, photo, website details, etc.</a:t>
+            </a:r>
+          </a:p>
+          <a:p>
+            <a:r>
+              <a:rPr lang="en-US" dirty="0"/>
+              <a:t>To help manage this, </a:t>
+            </a:r>
+            <a:r>
+              <a:rPr lang="en-US" dirty="0" err="1"/>
+              <a:t>ContactsContract.Data</a:t>
+            </a:r>
+            <a:r>
+              <a:rPr lang="en-US" dirty="0"/>
+              <a:t> table has some columns with descriptive names and others with generic names</a:t>
+            </a:r>
+          </a:p>
+          <a:p>
+            <a:r>
+              <a:rPr lang="en-US" dirty="0"/>
+              <a:t>Descriptive column name examples:</a:t>
+            </a:r>
+          </a:p>
+          <a:p>
+            <a:pPr lvl="1"/>
+            <a:r>
+              <a:rPr lang="en-US" dirty="0"/>
+              <a:t>RAW_CONTACT_ID – the value of _ID column of raw contact for this data</a:t>
+            </a:r>
+          </a:p>
+          <a:p>
+            <a:pPr lvl="1"/>
+            <a:r>
+              <a:rPr lang="en-US" dirty="0"/>
+              <a:t>MIMETPYE – type of data stored in this row expressed as custom MIME type</a:t>
+            </a:r>
+          </a:p>
+          <a:p>
+            <a:pPr lvl="1"/>
+            <a:r>
+              <a:rPr lang="en-US" dirty="0"/>
+              <a:t>IS_PRIMARY – if this type of data row can occur more than once for raw contact, flags the data row that contains primary data for the type</a:t>
+            </a:r>
+          </a:p>
+        </p:txBody>
+      </p:sp>
+      <p:sp>
+        <p:nvSpPr>
+          <p:cNvPr id="4" name="TextBox 3">
+            <a:extLst>
+              <a:ext uri="{FF2B5EF4-FFF2-40B4-BE49-F238E27FC236}">
+                <a16:creationId xmlns:a16="http://schemas.microsoft.com/office/drawing/2014/main" id="{485A1586-8E44-4D0E-8C95-2290C3E0E248}"/>
+              </a:ext>
+            </a:extLst>
+          </p:cNvPr>
+          <p:cNvSpPr txBox="1"/>
+          <p:nvPr/>
+        </p:nvSpPr>
+        <p:spPr>
+          <a:xfrm>
+            <a:off x="0" y="6439301"/>
+            <a:ext cx="7575082" cy="369332"/>
+          </a:xfrm>
+          <a:prstGeom prst="rect">
+            <a:avLst/>
+          </a:prstGeom>
+          <a:noFill/>
+        </p:spPr>
+        <p:txBody>
+          <a:bodyPr wrap="square" rtlCol="0">
+            <a:spAutoFit/>
+          </a:bodyPr>
+          <a:lstStyle/>
+          <a:p>
+            <a:r>
+              <a:rPr lang="en-US" dirty="0">
+                <a:hlinkClick r:id="rId2"/>
+              </a:rPr>
+              <a:t>https://developer.android.com/guide/topics/providers/contacts-provider</a:t>
+            </a:r>
+            <a:endParaRPr lang="en-US" dirty="0"/>
+          </a:p>
+        </p:txBody>
+      </p:sp>
+    </p:spTree>
+    <p:extLst>
+      <p:ext uri="{BB962C8B-B14F-4D97-AF65-F5344CB8AC3E}">
+        <p14:creationId xmlns:p14="http://schemas.microsoft.com/office/powerpoint/2010/main" val="3812107640"/>
+      </p:ext>
+    </p:extLst>
+  </p:cSld>
+  <p:clrMapOvr>
+    <a:masterClrMapping/>
+  </p:clrMapOvr>
+</p:sld>
+</file>
+
+<file path=ppt/slides/slide33.xml><?xml version="1.0" encoding="utf-8"?>
+<p:sld xmlns:a="http://schemas.openxmlformats.org/drawingml/2006/main" xmlns:r="http://schemas.openxmlformats.org/officeDocument/2006/relationships" xmlns:p="http://schemas.openxmlformats.org/presentationml/2006/main">
+  <p:cSld>
+    <p:spTree>
+      <p:nvGrpSpPr>
+        <p:cNvPr id="1" name=""/>
+        <p:cNvGrpSpPr/>
+        <p:nvPr/>
+      </p:nvGrpSpPr>
+      <p:grpSpPr>
+        <a:xfrm>
+          <a:off x="0" y="0"/>
+          <a:ext cx="0" cy="0"/>
+          <a:chOff x="0" y="0"/>
+          <a:chExt cx="0" cy="0"/>
+        </a:xfrm>
+      </p:grpSpPr>
+      <p:sp>
+        <p:nvSpPr>
+          <p:cNvPr id="2" name="Title 1">
+            <a:extLst>
+              <a:ext uri="{FF2B5EF4-FFF2-40B4-BE49-F238E27FC236}">
+                <a16:creationId xmlns:a16="http://schemas.microsoft.com/office/drawing/2014/main" id="{C8A0B070-A7DB-4CF6-97A7-15AA2FEF5A2D}"/>
+              </a:ext>
+            </a:extLst>
+          </p:cNvPr>
+          <p:cNvSpPr>
+            <a:spLocks noGrp="1"/>
+          </p:cNvSpPr>
+          <p:nvPr>
+            <p:ph type="title"/>
+          </p:nvPr>
+        </p:nvSpPr>
+        <p:spPr>
+          <a:xfrm>
+            <a:off x="0" y="18256"/>
+            <a:ext cx="10515600" cy="732516"/>
+          </a:xfrm>
+        </p:spPr>
+        <p:txBody>
+          <a:bodyPr/>
+          <a:lstStyle/>
+          <a:p>
+            <a:r>
+              <a:rPr lang="en-US" dirty="0"/>
+              <a:t>Contacts</a:t>
+            </a:r>
+          </a:p>
+        </p:txBody>
+      </p:sp>
+      <p:sp>
+        <p:nvSpPr>
+          <p:cNvPr id="3" name="Content Placeholder 2">
+            <a:extLst>
+              <a:ext uri="{FF2B5EF4-FFF2-40B4-BE49-F238E27FC236}">
+                <a16:creationId xmlns:a16="http://schemas.microsoft.com/office/drawing/2014/main" id="{D5C65E4A-A8AA-485C-A84F-4800809AC51A}"/>
+              </a:ext>
+            </a:extLst>
+          </p:cNvPr>
+          <p:cNvSpPr>
+            <a:spLocks noGrp="1"/>
+          </p:cNvSpPr>
+          <p:nvPr>
+            <p:ph idx="1"/>
+          </p:nvPr>
+        </p:nvSpPr>
+        <p:spPr>
+          <a:xfrm>
+            <a:off x="0" y="750772"/>
+            <a:ext cx="5755907" cy="5688529"/>
+          </a:xfrm>
+        </p:spPr>
+        <p:txBody>
+          <a:bodyPr>
+            <a:normAutofit fontScale="85000" lnSpcReduction="10000"/>
+          </a:bodyPr>
+          <a:lstStyle/>
+          <a:p>
+            <a:r>
+              <a:rPr lang="en-US" dirty="0"/>
+              <a:t>Contacts provider combines raw contact rows across all account types and account names to form a </a:t>
+            </a:r>
+            <a:r>
+              <a:rPr lang="en-US" b="1" dirty="0"/>
+              <a:t>contact</a:t>
+            </a:r>
+          </a:p>
+          <a:p>
+            <a:r>
+              <a:rPr lang="en-US" dirty="0"/>
+              <a:t>This facilitates displaying and modifying all data a user has collected for a person</a:t>
+            </a:r>
+          </a:p>
+          <a:p>
+            <a:r>
+              <a:rPr lang="en-US" dirty="0"/>
+              <a:t>Contacts provider manages creation of new contact rows, and aggregation of raw contacts with an existing contact row</a:t>
+            </a:r>
+          </a:p>
+          <a:p>
+            <a:r>
+              <a:rPr lang="en-US" dirty="0"/>
+              <a:t>Apps are not allowed to add contacts, some columns in contact row are read-only</a:t>
+            </a:r>
+          </a:p>
+          <a:p>
+            <a:r>
+              <a:rPr lang="en-US" dirty="0"/>
+              <a:t>Contacts provider creates new contact upon addition of new raw contact that doesn’t match any existing contacts</a:t>
+            </a:r>
+          </a:p>
+          <a:p>
+            <a:r>
+              <a:rPr lang="en-US" dirty="0"/>
+              <a:t>Contacts provider links a contact row to its raw contact rows with the contact row’s _ID column in the Contacts table</a:t>
+            </a:r>
+          </a:p>
+          <a:p>
+            <a:endParaRPr lang="en-US" dirty="0"/>
+          </a:p>
+        </p:txBody>
+      </p:sp>
+      <p:sp>
+        <p:nvSpPr>
+          <p:cNvPr id="4" name="TextBox 3">
+            <a:extLst>
+              <a:ext uri="{FF2B5EF4-FFF2-40B4-BE49-F238E27FC236}">
+                <a16:creationId xmlns:a16="http://schemas.microsoft.com/office/drawing/2014/main" id="{485A1586-8E44-4D0E-8C95-2290C3E0E248}"/>
+              </a:ext>
+            </a:extLst>
+          </p:cNvPr>
+          <p:cNvSpPr txBox="1"/>
+          <p:nvPr/>
+        </p:nvSpPr>
+        <p:spPr>
+          <a:xfrm>
+            <a:off x="0" y="6439301"/>
+            <a:ext cx="7575082" cy="369332"/>
+          </a:xfrm>
+          <a:prstGeom prst="rect">
+            <a:avLst/>
+          </a:prstGeom>
+          <a:noFill/>
+        </p:spPr>
+        <p:txBody>
+          <a:bodyPr wrap="square" rtlCol="0">
+            <a:spAutoFit/>
+          </a:bodyPr>
+          <a:lstStyle/>
+          <a:p>
+            <a:r>
+              <a:rPr lang="en-US" dirty="0">
+                <a:hlinkClick r:id="rId2"/>
+              </a:rPr>
+              <a:t>https://developer.android.com/guide/topics/providers/contacts-provider</a:t>
+            </a:r>
+            <a:endParaRPr lang="en-US" dirty="0"/>
+          </a:p>
+        </p:txBody>
+      </p:sp>
+      <p:pic>
+        <p:nvPicPr>
+          <p:cNvPr id="5" name="Picture 2" descr="Contacts provider main tables">
+            <a:extLst>
+              <a:ext uri="{FF2B5EF4-FFF2-40B4-BE49-F238E27FC236}">
+                <a16:creationId xmlns:a16="http://schemas.microsoft.com/office/drawing/2014/main" id="{DBCD062B-29AC-4B8E-8CBB-41D300811B67}"/>
+              </a:ext>
+            </a:extLst>
+          </p:cNvPr>
+          <p:cNvPicPr>
+            <a:picLocks noChangeAspect="1" noChangeArrowheads="1"/>
+          </p:cNvPicPr>
+          <p:nvPr/>
+        </p:nvPicPr>
+        <p:blipFill>
+          <a:blip r:embed="rId3">
+            <a:extLst>
+              <a:ext uri="{28A0092B-C50C-407E-A947-70E740481C1C}">
+                <a14:useLocalDpi xmlns:a14="http://schemas.microsoft.com/office/drawing/2010/main" val="0"/>
+              </a:ext>
+            </a:extLst>
+          </a:blip>
+          <a:srcRect/>
+          <a:stretch>
+            <a:fillRect/>
+          </a:stretch>
+        </p:blipFill>
+        <p:spPr bwMode="auto">
+          <a:xfrm>
+            <a:off x="7174882" y="148776"/>
+            <a:ext cx="4173303" cy="6690968"/>
+          </a:xfrm>
+          <a:prstGeom prst="rect">
+            <a:avLst/>
+          </a:prstGeom>
+          <a:noFill/>
+          <a:extLst>
+            <a:ext uri="{909E8E84-426E-40DD-AFC4-6F175D3DCCD1}">
+              <a14:hiddenFill xmlns:a14="http://schemas.microsoft.com/office/drawing/2010/main">
+                <a:solidFill>
+                  <a:srgbClr val="FFFFFF"/>
+                </a:solidFill>
+              </a14:hiddenFill>
+            </a:ext>
+          </a:extLst>
+        </p:spPr>
+      </p:pic>
+    </p:spTree>
+    <p:extLst>
+      <p:ext uri="{BB962C8B-B14F-4D97-AF65-F5344CB8AC3E}">
+        <p14:creationId xmlns:p14="http://schemas.microsoft.com/office/powerpoint/2010/main" val="971127544"/>
+      </p:ext>
+    </p:extLst>
+  </p:cSld>
+  <p:clrMapOvr>
+    <a:masterClrMapping/>
+  </p:clrMapOvr>
+</p:sld>
+</file>
+
+<file path=ppt/slides/slide34.xml><?xml version="1.0" encoding="utf-8"?>
+<p:sld xmlns:a="http://schemas.openxmlformats.org/drawingml/2006/main" xmlns:r="http://schemas.openxmlformats.org/officeDocument/2006/relationships" xmlns:p="http://schemas.openxmlformats.org/presentationml/2006/main">
+  <p:cSld>
+    <p:spTree>
+      <p:nvGrpSpPr>
+        <p:cNvPr id="1" name=""/>
+        <p:cNvGrpSpPr/>
+        <p:nvPr/>
+      </p:nvGrpSpPr>
+      <p:grpSpPr>
+        <a:xfrm>
+          <a:off x="0" y="0"/>
+          <a:ext cx="0" cy="0"/>
+          <a:chOff x="0" y="0"/>
+          <a:chExt cx="0" cy="0"/>
+        </a:xfrm>
+      </p:grpSpPr>
+      <p:sp>
+        <p:nvSpPr>
+          <p:cNvPr id="2" name="Title 1">
+            <a:extLst>
+              <a:ext uri="{FF2B5EF4-FFF2-40B4-BE49-F238E27FC236}">
+                <a16:creationId xmlns:a16="http://schemas.microsoft.com/office/drawing/2014/main" id="{C8A0B070-A7DB-4CF6-97A7-15AA2FEF5A2D}"/>
+              </a:ext>
+            </a:extLst>
+          </p:cNvPr>
+          <p:cNvSpPr>
+            <a:spLocks noGrp="1"/>
+          </p:cNvSpPr>
+          <p:nvPr>
+            <p:ph type="title"/>
+          </p:nvPr>
+        </p:nvSpPr>
+        <p:spPr>
+          <a:xfrm>
+            <a:off x="0" y="18256"/>
+            <a:ext cx="10515600" cy="732516"/>
+          </a:xfrm>
+        </p:spPr>
+        <p:txBody>
+          <a:bodyPr/>
+          <a:lstStyle/>
+          <a:p>
+            <a:r>
+              <a:rPr lang="en-US" dirty="0"/>
+              <a:t>Retrieving a list of contacts</a:t>
+            </a:r>
+          </a:p>
+        </p:txBody>
+      </p:sp>
+      <p:sp>
+        <p:nvSpPr>
+          <p:cNvPr id="3" name="Content Placeholder 2">
+            <a:extLst>
+              <a:ext uri="{FF2B5EF4-FFF2-40B4-BE49-F238E27FC236}">
+                <a16:creationId xmlns:a16="http://schemas.microsoft.com/office/drawing/2014/main" id="{D5C65E4A-A8AA-485C-A84F-4800809AC51A}"/>
+              </a:ext>
+            </a:extLst>
+          </p:cNvPr>
+          <p:cNvSpPr>
+            <a:spLocks noGrp="1"/>
+          </p:cNvSpPr>
+          <p:nvPr>
+            <p:ph idx="1"/>
+          </p:nvPr>
+        </p:nvSpPr>
+        <p:spPr>
+          <a:xfrm>
+            <a:off x="0" y="750772"/>
+            <a:ext cx="12192000" cy="5688529"/>
+          </a:xfrm>
+        </p:spPr>
+        <p:txBody>
+          <a:bodyPr/>
+          <a:lstStyle/>
+          <a:p>
+            <a:r>
+              <a:rPr lang="en-US" dirty="0"/>
+              <a:t>We will retrieve a list of contacts whose data matches all or part of a search string</a:t>
+            </a:r>
+          </a:p>
+          <a:p>
+            <a:r>
+              <a:rPr lang="en-US" dirty="0"/>
+              <a:t>Multiple techniques:</a:t>
+            </a:r>
+          </a:p>
+          <a:p>
+            <a:r>
+              <a:rPr lang="en-US" dirty="0"/>
+              <a:t>1) match contact names</a:t>
+            </a:r>
+          </a:p>
+          <a:p>
+            <a:r>
+              <a:rPr lang="en-US" dirty="0"/>
+              <a:t>2) match a specific type of data such as a phone number</a:t>
+            </a:r>
+          </a:p>
+          <a:p>
+            <a:r>
+              <a:rPr lang="en-US" dirty="0"/>
+              <a:t>3) match any type of data</a:t>
+            </a:r>
+          </a:p>
+          <a:p>
+            <a:r>
+              <a:rPr lang="en-US" dirty="0"/>
+              <a:t>To do any type of search of the Contacts Provider, your app must have the READ_CONTACTS permission:</a:t>
+            </a:r>
+          </a:p>
+          <a:p>
+            <a:endParaRPr lang="en-US" dirty="0"/>
+          </a:p>
+          <a:p>
+            <a:r>
+              <a:rPr lang="en-US" dirty="0"/>
+              <a:t>We will now see how to match a contact by name and list the results (lab 7)</a:t>
+            </a:r>
+            <a:br>
+              <a:rPr lang="en-US" dirty="0"/>
+            </a:br>
+            <a:endParaRPr lang="en-US" dirty="0"/>
+          </a:p>
+          <a:p>
+            <a:endParaRPr lang="en-US" dirty="0"/>
+          </a:p>
+        </p:txBody>
+      </p:sp>
+      <p:sp>
+        <p:nvSpPr>
+          <p:cNvPr id="4" name="TextBox 3">
+            <a:extLst>
+              <a:ext uri="{FF2B5EF4-FFF2-40B4-BE49-F238E27FC236}">
+                <a16:creationId xmlns:a16="http://schemas.microsoft.com/office/drawing/2014/main" id="{485A1586-8E44-4D0E-8C95-2290C3E0E248}"/>
+              </a:ext>
+            </a:extLst>
+          </p:cNvPr>
+          <p:cNvSpPr txBox="1"/>
+          <p:nvPr/>
+        </p:nvSpPr>
+        <p:spPr>
+          <a:xfrm>
+            <a:off x="0" y="6439301"/>
+            <a:ext cx="7575082" cy="369332"/>
+          </a:xfrm>
+          <a:prstGeom prst="rect">
+            <a:avLst/>
+          </a:prstGeom>
+          <a:noFill/>
+        </p:spPr>
+        <p:txBody>
+          <a:bodyPr wrap="square" rtlCol="0">
+            <a:spAutoFit/>
+          </a:bodyPr>
+          <a:lstStyle/>
+          <a:p>
+            <a:r>
+              <a:rPr lang="en-US" dirty="0">
+                <a:hlinkClick r:id="rId2"/>
+              </a:rPr>
+              <a:t>https://developer.android.com/training/contacts-provider/retrieve-names</a:t>
+            </a:r>
+            <a:endParaRPr lang="en-US" dirty="0"/>
+          </a:p>
+        </p:txBody>
+      </p:sp>
+      <p:sp>
+        <p:nvSpPr>
+          <p:cNvPr id="6" name="Rectangle 2">
+            <a:extLst>
+              <a:ext uri="{FF2B5EF4-FFF2-40B4-BE49-F238E27FC236}">
+                <a16:creationId xmlns:a16="http://schemas.microsoft.com/office/drawing/2014/main" id="{EC0176B5-63F6-4BA7-BC60-E937975689A0}"/>
+              </a:ext>
+            </a:extLst>
+          </p:cNvPr>
+          <p:cNvSpPr>
+            <a:spLocks noChangeArrowheads="1"/>
+          </p:cNvSpPr>
+          <p:nvPr/>
+        </p:nvSpPr>
+        <p:spPr bwMode="auto">
+          <a:xfrm>
+            <a:off x="327259" y="4321384"/>
+            <a:ext cx="7917552" cy="323165"/>
+          </a:xfrm>
+          <a:prstGeom prst="rect">
+            <a:avLst/>
+          </a:prstGeom>
+          <a:solidFill>
+            <a:srgbClr val="FFFFFF"/>
+          </a:solidFill>
+          <a:ln>
+            <a:noFill/>
+          </a:ln>
+          <a:effectLst/>
+          <a:extLst>
+            <a:ext uri="{91240B29-F687-4F45-9708-019B960494DF}">
+              <a14:hiddenLine xmlns:a14="http://schemas.microsoft.com/office/drawing/2010/main" w="9525">
+                <a:solidFill>
+                  <a:schemeClr val="tx1"/>
+                </a:solidFill>
+                <a:miter lim="800000"/>
+                <a:headEnd/>
+                <a:tailEnd/>
+              </a14:hiddenLine>
+            </a:ext>
+            <a:ext uri="{AF507438-7753-43E0-B8FC-AC1667EBCBE1}">
+              <a14:hiddenEffects xmlns:a14="http://schemas.microsoft.com/office/drawing/2010/main">
+                <a:effectLst>
+                  <a:outerShdw dist="35921" dir="2700000" algn="ctr" rotWithShape="0">
+                    <a:schemeClr val="bg2"/>
+                  </a:outerShdw>
+                </a:effectLst>
+              </a14:hiddenEffects>
+            </a:ext>
+          </a:extLst>
+        </p:spPr>
+        <p:txBody>
+          <a:bodyPr vert="horz" wrap="none" lIns="91440" tIns="45720" rIns="91440" bIns="45720" numCol="1" anchor="ctr" anchorCtr="0" compatLnSpc="1">
+            <a:prstTxWarp prst="textNoShape">
+              <a:avLst/>
+            </a:prstTxWarp>
+            <a:spAutoFit/>
+          </a:bodyPr>
+          <a:lstStyle/>
+          <a:p>
+            <a:pPr marL="0" marR="0" lvl="0" indent="0" algn="l" defTabSz="914400" rtl="0" eaLnBrk="0" fontAlgn="base" latinLnBrk="0" hangingPunct="0">
+              <a:lnSpc>
+                <a:spcPct val="100000"/>
+              </a:lnSpc>
+              <a:spcBef>
+                <a:spcPct val="0"/>
+              </a:spcBef>
+              <a:spcAft>
+                <a:spcPct val="0"/>
+              </a:spcAft>
+              <a:buClrTx/>
+              <a:buSzTx/>
+              <a:buFontTx/>
+              <a:buNone/>
+              <a:tabLst/>
+            </a:pPr>
+            <a:r>
+              <a:rPr kumimoji="0" lang="en-US" altLang="en-US" sz="1500" b="0" i="0" u="none" strike="noStrike" cap="none" normalizeH="0" baseline="0">
+                <a:ln>
+                  <a:noFill/>
+                </a:ln>
+                <a:solidFill>
+                  <a:srgbClr val="000000"/>
+                </a:solidFill>
+                <a:effectLst/>
+                <a:latin typeface="Courier New" panose="02070309020205020404" pitchFamily="49" charset="0"/>
+                <a:cs typeface="Courier New" panose="02070309020205020404" pitchFamily="49" charset="0"/>
+              </a:rPr>
+              <a:t>&lt;</a:t>
+            </a:r>
+            <a:r>
+              <a:rPr kumimoji="0" lang="en-US" altLang="en-US" sz="1500" b="1" i="0" u="none" strike="noStrike" cap="none" normalizeH="0" baseline="0">
+                <a:ln>
+                  <a:noFill/>
+                </a:ln>
+                <a:solidFill>
+                  <a:srgbClr val="000080"/>
+                </a:solidFill>
+                <a:effectLst/>
+                <a:latin typeface="Courier New" panose="02070309020205020404" pitchFamily="49" charset="0"/>
+                <a:cs typeface="Courier New" panose="02070309020205020404" pitchFamily="49" charset="0"/>
+              </a:rPr>
+              <a:t>uses-permission </a:t>
+            </a:r>
+            <a:r>
+              <a:rPr kumimoji="0" lang="en-US" altLang="en-US" sz="1500" b="1" i="0" u="none" strike="noStrike" cap="none" normalizeH="0" baseline="0">
+                <a:ln>
+                  <a:noFill/>
+                </a:ln>
+                <a:solidFill>
+                  <a:srgbClr val="660E7A"/>
+                </a:solidFill>
+                <a:effectLst/>
+                <a:latin typeface="Courier New" panose="02070309020205020404" pitchFamily="49" charset="0"/>
+                <a:cs typeface="Courier New" panose="02070309020205020404" pitchFamily="49" charset="0"/>
+              </a:rPr>
+              <a:t>android</a:t>
+            </a:r>
+            <a:r>
+              <a:rPr kumimoji="0" lang="en-US" altLang="en-US" sz="1500" b="1" i="0" u="none" strike="noStrike" cap="none" normalizeH="0" baseline="0">
+                <a:ln>
+                  <a:noFill/>
+                </a:ln>
+                <a:solidFill>
+                  <a:srgbClr val="0000FF"/>
+                </a:solidFill>
+                <a:effectLst/>
+                <a:latin typeface="Courier New" panose="02070309020205020404" pitchFamily="49" charset="0"/>
+                <a:cs typeface="Courier New" panose="02070309020205020404" pitchFamily="49" charset="0"/>
+              </a:rPr>
+              <a:t>:name</a:t>
+            </a:r>
+            <a:r>
+              <a:rPr kumimoji="0" lang="en-US" altLang="en-US" sz="1500" b="1" i="0" u="none" strike="noStrike" cap="none" normalizeH="0" baseline="0">
+                <a:ln>
+                  <a:noFill/>
+                </a:ln>
+                <a:solidFill>
+                  <a:srgbClr val="008000"/>
+                </a:solidFill>
+                <a:effectLst/>
+                <a:latin typeface="Courier New" panose="02070309020205020404" pitchFamily="49" charset="0"/>
+                <a:cs typeface="Courier New" panose="02070309020205020404" pitchFamily="49" charset="0"/>
+              </a:rPr>
+              <a:t>="android.permission.READ_CONTACTS" </a:t>
+            </a:r>
+            <a:r>
+              <a:rPr kumimoji="0" lang="en-US" altLang="en-US" sz="1500" b="0" i="0" u="none" strike="noStrike" cap="none" normalizeH="0" baseline="0">
+                <a:ln>
+                  <a:noFill/>
+                </a:ln>
+                <a:solidFill>
+                  <a:srgbClr val="000000"/>
+                </a:solidFill>
+                <a:effectLst/>
+                <a:latin typeface="Courier New" panose="02070309020205020404" pitchFamily="49" charset="0"/>
+                <a:cs typeface="Courier New" panose="02070309020205020404" pitchFamily="49" charset="0"/>
+              </a:rPr>
+              <a:t>/&gt;</a:t>
+            </a:r>
+            <a:endParaRPr kumimoji="0" lang="en-US" altLang="en-US" sz="1500" b="0" i="0" u="none" strike="noStrike" cap="none" normalizeH="0" baseline="0">
+              <a:ln>
+                <a:noFill/>
+              </a:ln>
+              <a:solidFill>
+                <a:schemeClr val="tx1"/>
+              </a:solidFill>
+              <a:effectLst/>
+              <a:latin typeface="Arial" panose="020B0604020202020204" pitchFamily="34" charset="0"/>
+            </a:endParaRPr>
+          </a:p>
+        </p:txBody>
+      </p:sp>
+    </p:spTree>
+    <p:extLst>
+      <p:ext uri="{BB962C8B-B14F-4D97-AF65-F5344CB8AC3E}">
+        <p14:creationId xmlns:p14="http://schemas.microsoft.com/office/powerpoint/2010/main" val="2330594289"/>
+      </p:ext>
+    </p:extLst>
+  </p:cSld>
+  <p:clrMapOvr>
+    <a:masterClrMapping/>
+  </p:clrMapOvr>
+</p:sld>
+</file>
+
+<file path=ppt/slides/slide35.xml><?xml version="1.0" encoding="utf-8"?>
+<p:sld xmlns:a="http://schemas.openxmlformats.org/drawingml/2006/main" xmlns:r="http://schemas.openxmlformats.org/officeDocument/2006/relationships" xmlns:p="http://schemas.openxmlformats.org/presentationml/2006/main">
+  <p:cSld>
+    <p:spTree>
+      <p:nvGrpSpPr>
+        <p:cNvPr id="1" name=""/>
+        <p:cNvGrpSpPr/>
+        <p:nvPr/>
+      </p:nvGrpSpPr>
+      <p:grpSpPr>
+        <a:xfrm>
+          <a:off x="0" y="0"/>
+          <a:ext cx="0" cy="0"/>
+          <a:chOff x="0" y="0"/>
+          <a:chExt cx="0" cy="0"/>
+        </a:xfrm>
+      </p:grpSpPr>
+      <p:sp>
+        <p:nvSpPr>
+          <p:cNvPr id="2" name="Title 1">
+            <a:extLst>
+              <a:ext uri="{FF2B5EF4-FFF2-40B4-BE49-F238E27FC236}">
+                <a16:creationId xmlns:a16="http://schemas.microsoft.com/office/drawing/2014/main" id="{C8A0B070-A7DB-4CF6-97A7-15AA2FEF5A2D}"/>
+              </a:ext>
+            </a:extLst>
+          </p:cNvPr>
+          <p:cNvSpPr>
+            <a:spLocks noGrp="1"/>
+          </p:cNvSpPr>
+          <p:nvPr>
+            <p:ph type="title"/>
+          </p:nvPr>
+        </p:nvSpPr>
+        <p:spPr>
+          <a:xfrm>
+            <a:off x="0" y="18256"/>
+            <a:ext cx="10515600" cy="732516"/>
+          </a:xfrm>
+        </p:spPr>
+        <p:txBody>
+          <a:bodyPr/>
+          <a:lstStyle/>
+          <a:p>
+            <a:r>
+              <a:rPr lang="en-US" dirty="0"/>
+              <a:t>Match a contact by name and list the results</a:t>
+            </a:r>
+          </a:p>
+        </p:txBody>
+      </p:sp>
+      <p:sp>
+        <p:nvSpPr>
+          <p:cNvPr id="3" name="Content Placeholder 2">
+            <a:extLst>
+              <a:ext uri="{FF2B5EF4-FFF2-40B4-BE49-F238E27FC236}">
+                <a16:creationId xmlns:a16="http://schemas.microsoft.com/office/drawing/2014/main" id="{D5C65E4A-A8AA-485C-A84F-4800809AC51A}"/>
+              </a:ext>
+            </a:extLst>
+          </p:cNvPr>
+          <p:cNvSpPr>
+            <a:spLocks noGrp="1"/>
+          </p:cNvSpPr>
+          <p:nvPr>
+            <p:ph idx="1"/>
+          </p:nvPr>
+        </p:nvSpPr>
+        <p:spPr>
+          <a:xfrm>
+            <a:off x="0" y="750772"/>
+            <a:ext cx="12192000" cy="5688529"/>
+          </a:xfrm>
+        </p:spPr>
+        <p:txBody>
+          <a:bodyPr/>
+          <a:lstStyle/>
+          <a:p>
+            <a:r>
+              <a:rPr lang="en-US" dirty="0"/>
+              <a:t>This technique tries to match a search string to the name of a contact or contacts in the Contact Provider’s </a:t>
+            </a:r>
+            <a:r>
+              <a:rPr lang="en-US" dirty="0" err="1"/>
+              <a:t>ContactsContract.Contacts</a:t>
+            </a:r>
+            <a:r>
+              <a:rPr lang="en-US" dirty="0"/>
+              <a:t> table</a:t>
+            </a:r>
+          </a:p>
+          <a:p>
+            <a:r>
+              <a:rPr lang="en-US" dirty="0"/>
+              <a:t>Display the results in a </a:t>
+            </a:r>
+            <a:r>
+              <a:rPr lang="en-US" dirty="0" err="1"/>
+              <a:t>ListView</a:t>
+            </a:r>
+            <a:r>
+              <a:rPr lang="en-US" dirty="0"/>
+              <a:t>, to allow user to choose among matched contacts</a:t>
+            </a:r>
+          </a:p>
+          <a:p>
+            <a:pPr lvl="1"/>
+            <a:r>
+              <a:rPr lang="en-US" dirty="0"/>
+              <a:t>Can also use </a:t>
+            </a:r>
+            <a:r>
+              <a:rPr lang="en-US" dirty="0" err="1"/>
+              <a:t>recyclerView</a:t>
+            </a:r>
+            <a:r>
+              <a:rPr lang="en-US" dirty="0"/>
+              <a:t> or any type of display you want</a:t>
+            </a:r>
+          </a:p>
+          <a:p>
+            <a:r>
+              <a:rPr lang="en-US" dirty="0"/>
+              <a:t>Android provides a contracts class called </a:t>
+            </a:r>
+            <a:r>
+              <a:rPr lang="en-US" dirty="0" err="1"/>
+              <a:t>ContactsContract</a:t>
+            </a:r>
+            <a:r>
+              <a:rPr lang="en-US" dirty="0"/>
+              <a:t>, which defines useful contacts and methods for accessing the provider</a:t>
+            </a:r>
+          </a:p>
+          <a:p>
+            <a:r>
+              <a:rPr lang="en-US" dirty="0"/>
+              <a:t>When you use </a:t>
+            </a:r>
+            <a:r>
+              <a:rPr lang="en-US" dirty="0" err="1"/>
+              <a:t>ContactsContract</a:t>
+            </a:r>
+            <a:r>
+              <a:rPr lang="en-US" dirty="0"/>
+              <a:t>, you don’t have to define your own constants for content URIs, table names, or columns</a:t>
+            </a:r>
+          </a:p>
+          <a:p>
+            <a:endParaRPr lang="en-US" dirty="0"/>
+          </a:p>
+          <a:p>
+            <a:endParaRPr lang="en-US" dirty="0"/>
+          </a:p>
+          <a:p>
+            <a:endParaRPr lang="en-US" dirty="0"/>
+          </a:p>
+        </p:txBody>
+      </p:sp>
+      <p:sp>
+        <p:nvSpPr>
+          <p:cNvPr id="4" name="TextBox 3">
+            <a:extLst>
+              <a:ext uri="{FF2B5EF4-FFF2-40B4-BE49-F238E27FC236}">
+                <a16:creationId xmlns:a16="http://schemas.microsoft.com/office/drawing/2014/main" id="{485A1586-8E44-4D0E-8C95-2290C3E0E248}"/>
+              </a:ext>
+            </a:extLst>
+          </p:cNvPr>
+          <p:cNvSpPr txBox="1"/>
+          <p:nvPr/>
+        </p:nvSpPr>
+        <p:spPr>
+          <a:xfrm>
+            <a:off x="0" y="6439301"/>
+            <a:ext cx="7575082" cy="369332"/>
+          </a:xfrm>
+          <a:prstGeom prst="rect">
+            <a:avLst/>
+          </a:prstGeom>
+          <a:noFill/>
+        </p:spPr>
+        <p:txBody>
+          <a:bodyPr wrap="square" rtlCol="0">
+            <a:spAutoFit/>
+          </a:bodyPr>
+          <a:lstStyle/>
+          <a:p>
+            <a:r>
+              <a:rPr lang="en-US" dirty="0">
+                <a:hlinkClick r:id="rId2"/>
+              </a:rPr>
+              <a:t>https://developer.android.com/training/contacts-provider/retrieve-names</a:t>
+            </a:r>
+            <a:endParaRPr lang="en-US" dirty="0"/>
+          </a:p>
+        </p:txBody>
+      </p:sp>
+      <p:sp>
+        <p:nvSpPr>
+          <p:cNvPr id="5" name="Rectangle 1">
+            <a:extLst>
+              <a:ext uri="{FF2B5EF4-FFF2-40B4-BE49-F238E27FC236}">
+                <a16:creationId xmlns:a16="http://schemas.microsoft.com/office/drawing/2014/main" id="{AE29AA93-7DE5-4DF7-99A4-3A7FABE41ACB}"/>
+              </a:ext>
+            </a:extLst>
+          </p:cNvPr>
+          <p:cNvSpPr>
+            <a:spLocks noChangeArrowheads="1"/>
+          </p:cNvSpPr>
+          <p:nvPr/>
+        </p:nvSpPr>
+        <p:spPr bwMode="auto">
+          <a:xfrm>
+            <a:off x="1179269" y="4321383"/>
+            <a:ext cx="4916731" cy="323165"/>
+          </a:xfrm>
+          <a:prstGeom prst="rect">
+            <a:avLst/>
+          </a:prstGeom>
+          <a:solidFill>
+            <a:srgbClr val="FFFFFF"/>
+          </a:solidFill>
+          <a:ln>
+            <a:noFill/>
+          </a:ln>
+          <a:effectLst/>
+          <a:extLst>
+            <a:ext uri="{91240B29-F687-4F45-9708-019B960494DF}">
+              <a14:hiddenLine xmlns:a14="http://schemas.microsoft.com/office/drawing/2010/main" w="9525">
+                <a:solidFill>
+                  <a:schemeClr val="tx1"/>
+                </a:solidFill>
+                <a:miter lim="800000"/>
+                <a:headEnd/>
+                <a:tailEnd/>
+              </a14:hiddenLine>
+            </a:ext>
+            <a:ext uri="{AF507438-7753-43E0-B8FC-AC1667EBCBE1}">
+              <a14:hiddenEffects xmlns:a14="http://schemas.microsoft.com/office/drawing/2010/main">
+                <a:effectLst>
+                  <a:outerShdw dist="35921" dir="2700000" algn="ctr" rotWithShape="0">
+                    <a:schemeClr val="bg2"/>
+                  </a:outerShdw>
+                </a:effectLst>
+              </a14:hiddenEffects>
+            </a:ext>
+          </a:extLst>
+        </p:spPr>
+        <p:txBody>
+          <a:bodyPr vert="horz" wrap="none" lIns="91440" tIns="45720" rIns="91440" bIns="45720" numCol="1" anchor="ctr" anchorCtr="0" compatLnSpc="1">
+            <a:prstTxWarp prst="textNoShape">
+              <a:avLst/>
+            </a:prstTxWarp>
+            <a:spAutoFit/>
+          </a:bodyPr>
+          <a:lstStyle/>
+          <a:p>
+            <a:pPr marL="0" marR="0" lvl="0" indent="0" algn="l" defTabSz="914400" rtl="0" eaLnBrk="0" fontAlgn="base" latinLnBrk="0" hangingPunct="0">
+              <a:lnSpc>
+                <a:spcPct val="100000"/>
+              </a:lnSpc>
+              <a:spcBef>
+                <a:spcPct val="0"/>
+              </a:spcBef>
+              <a:spcAft>
+                <a:spcPct val="0"/>
+              </a:spcAft>
+              <a:buClrTx/>
+              <a:buSzTx/>
+              <a:buFontTx/>
+              <a:buNone/>
+              <a:tabLst/>
+            </a:pPr>
+            <a:r>
+              <a:rPr kumimoji="0" lang="en-US" altLang="en-US" sz="1500" b="1" i="0" u="none" strike="noStrike" cap="none" normalizeH="0" baseline="0">
+                <a:ln>
+                  <a:noFill/>
+                </a:ln>
+                <a:solidFill>
+                  <a:srgbClr val="000080"/>
+                </a:solidFill>
+                <a:effectLst/>
+                <a:latin typeface="Courier New" panose="02070309020205020404" pitchFamily="49" charset="0"/>
+                <a:cs typeface="Courier New" panose="02070309020205020404" pitchFamily="49" charset="0"/>
+              </a:rPr>
+              <a:t>import </a:t>
+            </a:r>
+            <a:r>
+              <a:rPr kumimoji="0" lang="en-US" altLang="en-US" sz="1500" b="0" i="0" u="none" strike="noStrike" cap="none" normalizeH="0" baseline="0">
+                <a:ln>
+                  <a:noFill/>
+                </a:ln>
+                <a:solidFill>
+                  <a:srgbClr val="000000"/>
+                </a:solidFill>
+                <a:effectLst/>
+                <a:latin typeface="Courier New" panose="02070309020205020404" pitchFamily="49" charset="0"/>
+                <a:cs typeface="Courier New" panose="02070309020205020404" pitchFamily="49" charset="0"/>
+              </a:rPr>
+              <a:t>android.provider.ContactsContract;</a:t>
+            </a:r>
+            <a:endParaRPr kumimoji="0" lang="en-US" altLang="en-US" sz="1500" b="0" i="0" u="none" strike="noStrike" cap="none" normalizeH="0" baseline="0">
+              <a:ln>
+                <a:noFill/>
+              </a:ln>
+              <a:solidFill>
+                <a:schemeClr val="tx1"/>
+              </a:solidFill>
+              <a:effectLst/>
+              <a:latin typeface="Arial" panose="020B0604020202020204" pitchFamily="34" charset="0"/>
+            </a:endParaRPr>
+          </a:p>
+        </p:txBody>
+      </p:sp>
+    </p:spTree>
+    <p:extLst>
+      <p:ext uri="{BB962C8B-B14F-4D97-AF65-F5344CB8AC3E}">
+        <p14:creationId xmlns:p14="http://schemas.microsoft.com/office/powerpoint/2010/main" val="1230159901"/>
+      </p:ext>
+    </p:extLst>
+  </p:cSld>
+  <p:clrMapOvr>
+    <a:masterClrMapping/>
+  </p:clrMapOvr>
+</p:sld>
+</file>
+
+<file path=ppt/slides/slide36.xml><?xml version="1.0" encoding="utf-8"?>
+<p:sld xmlns:a="http://schemas.openxmlformats.org/drawingml/2006/main" xmlns:r="http://schemas.openxmlformats.org/officeDocument/2006/relationships" xmlns:p="http://schemas.openxmlformats.org/presentationml/2006/main">
+  <p:cSld>
+    <p:spTree>
+      <p:nvGrpSpPr>
+        <p:cNvPr id="1" name=""/>
+        <p:cNvGrpSpPr/>
+        <p:nvPr/>
+      </p:nvGrpSpPr>
+      <p:grpSpPr>
+        <a:xfrm>
+          <a:off x="0" y="0"/>
+          <a:ext cx="0" cy="0"/>
+          <a:chOff x="0" y="0"/>
+          <a:chExt cx="0" cy="0"/>
+        </a:xfrm>
+      </p:grpSpPr>
+      <p:sp>
+        <p:nvSpPr>
+          <p:cNvPr id="2" name="Title 1">
+            <a:extLst>
+              <a:ext uri="{FF2B5EF4-FFF2-40B4-BE49-F238E27FC236}">
+                <a16:creationId xmlns:a16="http://schemas.microsoft.com/office/drawing/2014/main" id="{C8A0B070-A7DB-4CF6-97A7-15AA2FEF5A2D}"/>
+              </a:ext>
+            </a:extLst>
+          </p:cNvPr>
+          <p:cNvSpPr>
+            <a:spLocks noGrp="1"/>
+          </p:cNvSpPr>
+          <p:nvPr>
+            <p:ph type="title"/>
+          </p:nvPr>
+        </p:nvSpPr>
+        <p:spPr>
+          <a:xfrm>
+            <a:off x="0" y="18256"/>
+            <a:ext cx="10515600" cy="732516"/>
+          </a:xfrm>
+        </p:spPr>
+        <p:txBody>
+          <a:bodyPr/>
+          <a:lstStyle/>
+          <a:p>
+            <a:r>
+              <a:rPr lang="en-US" dirty="0"/>
+              <a:t>Define a projection</a:t>
+            </a:r>
+          </a:p>
+        </p:txBody>
+      </p:sp>
+      <p:sp>
+        <p:nvSpPr>
+          <p:cNvPr id="3" name="Content Placeholder 2">
+            <a:extLst>
+              <a:ext uri="{FF2B5EF4-FFF2-40B4-BE49-F238E27FC236}">
+                <a16:creationId xmlns:a16="http://schemas.microsoft.com/office/drawing/2014/main" id="{D5C65E4A-A8AA-485C-A84F-4800809AC51A}"/>
+              </a:ext>
+            </a:extLst>
+          </p:cNvPr>
+          <p:cNvSpPr>
+            <a:spLocks noGrp="1"/>
+          </p:cNvSpPr>
+          <p:nvPr>
+            <p:ph idx="1"/>
+          </p:nvPr>
+        </p:nvSpPr>
+        <p:spPr>
+          <a:xfrm>
+            <a:off x="-1" y="750772"/>
+            <a:ext cx="4302493" cy="5688529"/>
+          </a:xfrm>
+        </p:spPr>
+        <p:txBody>
+          <a:bodyPr>
+            <a:normAutofit fontScale="92500" lnSpcReduction="10000"/>
+          </a:bodyPr>
+          <a:lstStyle/>
+          <a:p>
+            <a:r>
+              <a:rPr lang="en-US" dirty="0"/>
+              <a:t>Define a constant that contains the columns you want to return from your query</a:t>
+            </a:r>
+          </a:p>
+          <a:p>
+            <a:r>
+              <a:rPr lang="en-US" dirty="0"/>
+              <a:t>Each item in your </a:t>
+            </a:r>
+            <a:r>
+              <a:rPr lang="en-US" dirty="0" err="1"/>
+              <a:t>ListView</a:t>
+            </a:r>
+            <a:r>
+              <a:rPr lang="en-US" dirty="0"/>
+              <a:t> displays the contact’s display name, containing the main form of the contact’s name</a:t>
+            </a:r>
+          </a:p>
+          <a:p>
+            <a:r>
+              <a:rPr lang="en-US" dirty="0"/>
+              <a:t>In Android 11 and later, this is DISPLAY_NAME_PRIMARY</a:t>
+            </a:r>
+          </a:p>
+          <a:p>
+            <a:r>
+              <a:rPr lang="en-US" dirty="0"/>
+              <a:t>Column </a:t>
+            </a:r>
+            <a:r>
+              <a:rPr lang="en-US" dirty="0" err="1"/>
+              <a:t>Contacts._ID</a:t>
+            </a:r>
+            <a:r>
+              <a:rPr lang="en-US" dirty="0"/>
+              <a:t> is used together with LOOKUP_KEY to construct a content URI for the contact the user selects</a:t>
+            </a:r>
+          </a:p>
+          <a:p>
+            <a:endParaRPr lang="en-US" dirty="0"/>
+          </a:p>
+        </p:txBody>
+      </p:sp>
+      <p:sp>
+        <p:nvSpPr>
+          <p:cNvPr id="4" name="TextBox 3">
+            <a:extLst>
+              <a:ext uri="{FF2B5EF4-FFF2-40B4-BE49-F238E27FC236}">
+                <a16:creationId xmlns:a16="http://schemas.microsoft.com/office/drawing/2014/main" id="{485A1586-8E44-4D0E-8C95-2290C3E0E248}"/>
+              </a:ext>
+            </a:extLst>
+          </p:cNvPr>
+          <p:cNvSpPr txBox="1"/>
+          <p:nvPr/>
+        </p:nvSpPr>
+        <p:spPr>
+          <a:xfrm>
+            <a:off x="0" y="6439301"/>
+            <a:ext cx="7575082" cy="369332"/>
+          </a:xfrm>
+          <a:prstGeom prst="rect">
+            <a:avLst/>
+          </a:prstGeom>
+          <a:noFill/>
+        </p:spPr>
+        <p:txBody>
+          <a:bodyPr wrap="square" rtlCol="0">
+            <a:spAutoFit/>
+          </a:bodyPr>
+          <a:lstStyle/>
+          <a:p>
+            <a:r>
+              <a:rPr lang="en-US" dirty="0">
+                <a:hlinkClick r:id="rId2"/>
+              </a:rPr>
+              <a:t>https://developer.android.com/training/contacts-provider/retrieve-names</a:t>
+            </a:r>
+            <a:endParaRPr lang="en-US" dirty="0"/>
+          </a:p>
+        </p:txBody>
+      </p:sp>
+      <p:sp>
+        <p:nvSpPr>
+          <p:cNvPr id="5" name="Rectangle 1">
+            <a:extLst>
+              <a:ext uri="{FF2B5EF4-FFF2-40B4-BE49-F238E27FC236}">
+                <a16:creationId xmlns:a16="http://schemas.microsoft.com/office/drawing/2014/main" id="{8F591C19-188F-4606-9F5F-E041B37BD1A0}"/>
+              </a:ext>
+            </a:extLst>
+          </p:cNvPr>
+          <p:cNvSpPr>
+            <a:spLocks noChangeArrowheads="1"/>
+          </p:cNvSpPr>
+          <p:nvPr/>
+        </p:nvSpPr>
+        <p:spPr bwMode="auto">
+          <a:xfrm>
+            <a:off x="4159032" y="963546"/>
+            <a:ext cx="8032968" cy="2631490"/>
+          </a:xfrm>
+          <a:prstGeom prst="rect">
+            <a:avLst/>
+          </a:prstGeom>
+          <a:solidFill>
+            <a:srgbClr val="FFFFFF"/>
+          </a:solidFill>
+          <a:ln>
+            <a:noFill/>
+          </a:ln>
+          <a:effectLst/>
+          <a:extLst>
+            <a:ext uri="{91240B29-F687-4F45-9708-019B960494DF}">
+              <a14:hiddenLine xmlns:a14="http://schemas.microsoft.com/office/drawing/2010/main" w="9525">
+                <a:solidFill>
+                  <a:schemeClr val="tx1"/>
+                </a:solidFill>
+                <a:miter lim="800000"/>
+                <a:headEnd/>
+                <a:tailEnd/>
+              </a14:hiddenLine>
+            </a:ext>
+            <a:ext uri="{AF507438-7753-43E0-B8FC-AC1667EBCBE1}">
+              <a14:hiddenEffects xmlns:a14="http://schemas.microsoft.com/office/drawing/2010/main">
+                <a:effectLst>
+                  <a:outerShdw dist="35921" dir="2700000" algn="ctr" rotWithShape="0">
+                    <a:schemeClr val="bg2"/>
+                  </a:outerShdw>
+                </a:effectLst>
+              </a14:hiddenEffects>
+            </a:ext>
+          </a:extLst>
+        </p:spPr>
+        <p:txBody>
+          <a:bodyPr vert="horz" wrap="none" lIns="91440" tIns="45720" rIns="91440" bIns="45720" numCol="1" anchor="ctr" anchorCtr="0" compatLnSpc="1">
+            <a:prstTxWarp prst="textNoShape">
+              <a:avLst/>
+            </a:prstTxWarp>
+            <a:spAutoFit/>
+          </a:bodyPr>
+          <a:lstStyle/>
+          <a:p>
+            <a:pPr marL="0" marR="0" lvl="0" indent="0" algn="l" defTabSz="914400" rtl="0" eaLnBrk="0" fontAlgn="base" latinLnBrk="0" hangingPunct="0">
+              <a:lnSpc>
+                <a:spcPct val="100000"/>
+              </a:lnSpc>
+              <a:spcBef>
+                <a:spcPct val="0"/>
+              </a:spcBef>
+              <a:spcAft>
+                <a:spcPct val="0"/>
+              </a:spcAft>
+              <a:buClrTx/>
+              <a:buSzTx/>
+              <a:buFontTx/>
+              <a:buNone/>
+              <a:tabLst/>
+            </a:pPr>
+            <a:r>
+              <a:rPr kumimoji="0" lang="en-US" altLang="en-US" sz="1500" b="0" i="0" u="none" strike="noStrike" cap="none" normalizeH="0" baseline="0" dirty="0">
+                <a:ln>
+                  <a:noFill/>
+                </a:ln>
+                <a:solidFill>
+                  <a:srgbClr val="808000"/>
+                </a:solidFill>
+                <a:effectLst/>
+                <a:latin typeface="Courier New" panose="02070309020205020404" pitchFamily="49" charset="0"/>
+                <a:cs typeface="Courier New" panose="02070309020205020404" pitchFamily="49" charset="0"/>
+              </a:rPr>
+              <a:t>@</a:t>
+            </a:r>
+            <a:r>
+              <a:rPr kumimoji="0" lang="en-US" altLang="en-US" sz="1500" b="0" i="0" u="none" strike="noStrike" cap="none" normalizeH="0" baseline="0" dirty="0" err="1">
+                <a:ln>
+                  <a:noFill/>
+                </a:ln>
+                <a:solidFill>
+                  <a:srgbClr val="808000"/>
+                </a:solidFill>
+                <a:effectLst/>
+                <a:latin typeface="Courier New" panose="02070309020205020404" pitchFamily="49" charset="0"/>
+                <a:cs typeface="Courier New" panose="02070309020205020404" pitchFamily="49" charset="0"/>
+              </a:rPr>
+              <a:t>SuppressLint</a:t>
+            </a:r>
+            <a:r>
+              <a:rPr kumimoji="0" lang="en-US" altLang="en-US" sz="1500" b="0" i="0" u="none" strike="noStrike" cap="none" normalizeH="0" baseline="0" dirty="0">
+                <a:ln>
+                  <a:noFill/>
+                </a:ln>
+                <a:solidFill>
+                  <a:srgbClr val="000000"/>
+                </a:solidFill>
+                <a:effectLst/>
+                <a:latin typeface="Courier New" panose="02070309020205020404" pitchFamily="49" charset="0"/>
+                <a:cs typeface="Courier New" panose="02070309020205020404" pitchFamily="49" charset="0"/>
+              </a:rPr>
+              <a:t>(</a:t>
+            </a:r>
+            <a:r>
+              <a:rPr kumimoji="0" lang="en-US" altLang="en-US" sz="1500" b="1" i="0" u="none" strike="noStrike" cap="none" normalizeH="0" baseline="0" dirty="0">
+                <a:ln>
+                  <a:noFill/>
+                </a:ln>
+                <a:solidFill>
+                  <a:srgbClr val="008000"/>
+                </a:solidFill>
+                <a:effectLst/>
+                <a:latin typeface="Courier New" panose="02070309020205020404" pitchFamily="49" charset="0"/>
+                <a:cs typeface="Courier New" panose="02070309020205020404" pitchFamily="49" charset="0"/>
+              </a:rPr>
+              <a:t>"</a:t>
+            </a:r>
+            <a:r>
+              <a:rPr kumimoji="0" lang="en-US" altLang="en-US" sz="1500" b="1" i="0" u="none" strike="noStrike" cap="none" normalizeH="0" baseline="0" dirty="0" err="1">
+                <a:ln>
+                  <a:noFill/>
+                </a:ln>
+                <a:solidFill>
+                  <a:srgbClr val="008000"/>
+                </a:solidFill>
+                <a:effectLst/>
+                <a:latin typeface="Courier New" panose="02070309020205020404" pitchFamily="49" charset="0"/>
+                <a:cs typeface="Courier New" panose="02070309020205020404" pitchFamily="49" charset="0"/>
+              </a:rPr>
+              <a:t>InlinedApi</a:t>
+            </a:r>
+            <a:r>
+              <a:rPr kumimoji="0" lang="en-US" altLang="en-US" sz="1500" b="1" i="0" u="none" strike="noStrike" cap="none" normalizeH="0" baseline="0" dirty="0">
+                <a:ln>
+                  <a:noFill/>
+                </a:ln>
+                <a:solidFill>
+                  <a:srgbClr val="008000"/>
+                </a:solidFill>
+                <a:effectLst/>
+                <a:latin typeface="Courier New" panose="02070309020205020404" pitchFamily="49" charset="0"/>
+                <a:cs typeface="Courier New" panose="02070309020205020404" pitchFamily="49" charset="0"/>
+              </a:rPr>
+              <a:t>"</a:t>
+            </a:r>
+            <a:r>
+              <a:rPr kumimoji="0" lang="en-US" altLang="en-US" sz="1500" b="0" i="0" u="none" strike="noStrike" cap="none" normalizeH="0" baseline="0" dirty="0">
+                <a:ln>
+                  <a:noFill/>
+                </a:ln>
+                <a:solidFill>
+                  <a:srgbClr val="000000"/>
+                </a:solidFill>
+                <a:effectLst/>
+                <a:latin typeface="Courier New" panose="02070309020205020404" pitchFamily="49" charset="0"/>
+                <a:cs typeface="Courier New" panose="02070309020205020404" pitchFamily="49" charset="0"/>
+              </a:rPr>
+              <a:t>)</a:t>
+            </a:r>
+            <a:br>
+              <a:rPr kumimoji="0" lang="en-US" altLang="en-US" sz="1500" b="0" i="0" u="none" strike="noStrike" cap="none" normalizeH="0" baseline="0" dirty="0">
+                <a:ln>
+                  <a:noFill/>
+                </a:ln>
+                <a:solidFill>
+                  <a:srgbClr val="000000"/>
+                </a:solidFill>
+                <a:effectLst/>
+                <a:latin typeface="Courier New" panose="02070309020205020404" pitchFamily="49" charset="0"/>
+                <a:cs typeface="Courier New" panose="02070309020205020404" pitchFamily="49" charset="0"/>
+              </a:rPr>
+            </a:br>
+            <a:r>
+              <a:rPr kumimoji="0" lang="en-US" altLang="en-US" sz="1500" b="1" i="0" u="none" strike="noStrike" cap="none" normalizeH="0" baseline="0" dirty="0">
+                <a:ln>
+                  <a:noFill/>
+                </a:ln>
+                <a:solidFill>
+                  <a:srgbClr val="000080"/>
+                </a:solidFill>
+                <a:effectLst/>
+                <a:latin typeface="Courier New" panose="02070309020205020404" pitchFamily="49" charset="0"/>
+                <a:cs typeface="Courier New" panose="02070309020205020404" pitchFamily="49" charset="0"/>
+              </a:rPr>
+              <a:t>private static final </a:t>
+            </a:r>
+            <a:r>
+              <a:rPr kumimoji="0" lang="en-US" altLang="en-US" sz="1500" b="0" i="0" u="none" strike="noStrike" cap="none" normalizeH="0" baseline="0" dirty="0">
+                <a:ln>
+                  <a:noFill/>
+                </a:ln>
+                <a:solidFill>
+                  <a:srgbClr val="000000"/>
+                </a:solidFill>
+                <a:effectLst/>
+                <a:latin typeface="Courier New" panose="02070309020205020404" pitchFamily="49" charset="0"/>
+                <a:cs typeface="Courier New" panose="02070309020205020404" pitchFamily="49" charset="0"/>
+              </a:rPr>
+              <a:t>String[] </a:t>
+            </a:r>
+            <a:r>
+              <a:rPr kumimoji="0" lang="en-US" altLang="en-US" sz="1500" b="1" i="1" u="none" strike="noStrike" cap="none" normalizeH="0" baseline="0" dirty="0">
+                <a:ln>
+                  <a:noFill/>
+                </a:ln>
+                <a:solidFill>
+                  <a:srgbClr val="660E7A"/>
+                </a:solidFill>
+                <a:effectLst/>
+                <a:latin typeface="Courier New" panose="02070309020205020404" pitchFamily="49" charset="0"/>
+                <a:cs typeface="Courier New" panose="02070309020205020404" pitchFamily="49" charset="0"/>
+              </a:rPr>
+              <a:t>PROJECTION </a:t>
+            </a:r>
+            <a:r>
+              <a:rPr kumimoji="0" lang="en-US" altLang="en-US" sz="1500" b="0" i="0" u="none" strike="noStrike" cap="none" normalizeH="0" baseline="0" dirty="0">
+                <a:ln>
+                  <a:noFill/>
+                </a:ln>
+                <a:solidFill>
+                  <a:srgbClr val="000000"/>
+                </a:solidFill>
+                <a:effectLst/>
+                <a:latin typeface="Courier New" panose="02070309020205020404" pitchFamily="49" charset="0"/>
+                <a:cs typeface="Courier New" panose="02070309020205020404" pitchFamily="49" charset="0"/>
+              </a:rPr>
+              <a:t>=</a:t>
+            </a:r>
+            <a:br>
+              <a:rPr kumimoji="0" lang="en-US" altLang="en-US" sz="1500" b="0" i="0" u="none" strike="noStrike" cap="none" normalizeH="0" baseline="0" dirty="0">
+                <a:ln>
+                  <a:noFill/>
+                </a:ln>
+                <a:solidFill>
+                  <a:srgbClr val="000000"/>
+                </a:solidFill>
+                <a:effectLst/>
+                <a:latin typeface="Courier New" panose="02070309020205020404" pitchFamily="49" charset="0"/>
+                <a:cs typeface="Courier New" panose="02070309020205020404" pitchFamily="49" charset="0"/>
+              </a:rPr>
+            </a:br>
+            <a:r>
+              <a:rPr kumimoji="0" lang="en-US" altLang="en-US" sz="1500" b="0" i="0" u="none" strike="noStrike" cap="none" normalizeH="0" baseline="0" dirty="0">
+                <a:ln>
+                  <a:noFill/>
+                </a:ln>
+                <a:solidFill>
+                  <a:srgbClr val="000000"/>
+                </a:solidFill>
+                <a:effectLst/>
+                <a:latin typeface="Courier New" panose="02070309020205020404" pitchFamily="49" charset="0"/>
+                <a:cs typeface="Courier New" panose="02070309020205020404" pitchFamily="49" charset="0"/>
+              </a:rPr>
+              <a:t>    {</a:t>
+            </a:r>
+            <a:br>
+              <a:rPr kumimoji="0" lang="en-US" altLang="en-US" sz="1500" b="0" i="0" u="none" strike="noStrike" cap="none" normalizeH="0" baseline="0" dirty="0">
+                <a:ln>
+                  <a:noFill/>
+                </a:ln>
+                <a:solidFill>
+                  <a:srgbClr val="000000"/>
+                </a:solidFill>
+                <a:effectLst/>
+                <a:latin typeface="Courier New" panose="02070309020205020404" pitchFamily="49" charset="0"/>
+                <a:cs typeface="Courier New" panose="02070309020205020404" pitchFamily="49" charset="0"/>
+              </a:rPr>
+            </a:br>
+            <a:r>
+              <a:rPr kumimoji="0" lang="en-US" altLang="en-US" sz="1500" b="0" i="0" u="none" strike="noStrike" cap="none" normalizeH="0" baseline="0" dirty="0">
+                <a:ln>
+                  <a:noFill/>
+                </a:ln>
+                <a:solidFill>
+                  <a:srgbClr val="000000"/>
+                </a:solidFill>
+                <a:effectLst/>
+                <a:latin typeface="Courier New" panose="02070309020205020404" pitchFamily="49" charset="0"/>
+                <a:cs typeface="Courier New" panose="02070309020205020404" pitchFamily="49" charset="0"/>
+              </a:rPr>
+              <a:t>            </a:t>
+            </a:r>
+            <a:r>
+              <a:rPr kumimoji="0" lang="en-US" altLang="en-US" sz="1500" b="0" i="0" u="none" strike="noStrike" cap="none" normalizeH="0" baseline="0" dirty="0" err="1">
+                <a:ln>
+                  <a:noFill/>
+                </a:ln>
+                <a:solidFill>
+                  <a:srgbClr val="000000"/>
+                </a:solidFill>
+                <a:effectLst/>
+                <a:latin typeface="Courier New" panose="02070309020205020404" pitchFamily="49" charset="0"/>
+                <a:cs typeface="Courier New" panose="02070309020205020404" pitchFamily="49" charset="0"/>
+              </a:rPr>
+              <a:t>Contacts._ID</a:t>
+            </a:r>
+            <a:r>
+              <a:rPr kumimoji="0" lang="en-US" altLang="en-US" sz="1500" b="0" i="0" u="none" strike="noStrike" cap="none" normalizeH="0" baseline="0" dirty="0">
+                <a:ln>
+                  <a:noFill/>
+                </a:ln>
+                <a:solidFill>
+                  <a:srgbClr val="000000"/>
+                </a:solidFill>
+                <a:effectLst/>
+                <a:latin typeface="Courier New" panose="02070309020205020404" pitchFamily="49" charset="0"/>
+                <a:cs typeface="Courier New" panose="02070309020205020404" pitchFamily="49" charset="0"/>
+              </a:rPr>
+              <a:t>,</a:t>
+            </a:r>
+            <a:br>
+              <a:rPr kumimoji="0" lang="en-US" altLang="en-US" sz="1500" b="0" i="0" u="none" strike="noStrike" cap="none" normalizeH="0" baseline="0" dirty="0">
+                <a:ln>
+                  <a:noFill/>
+                </a:ln>
+                <a:solidFill>
+                  <a:srgbClr val="000000"/>
+                </a:solidFill>
+                <a:effectLst/>
+                <a:latin typeface="Courier New" panose="02070309020205020404" pitchFamily="49" charset="0"/>
+                <a:cs typeface="Courier New" panose="02070309020205020404" pitchFamily="49" charset="0"/>
+              </a:rPr>
+            </a:br>
+            <a:r>
+              <a:rPr kumimoji="0" lang="en-US" altLang="en-US" sz="1500" b="0" i="0" u="none" strike="noStrike" cap="none" normalizeH="0" baseline="0" dirty="0">
+                <a:ln>
+                  <a:noFill/>
+                </a:ln>
+                <a:solidFill>
+                  <a:srgbClr val="000000"/>
+                </a:solidFill>
+                <a:effectLst/>
+                <a:latin typeface="Courier New" panose="02070309020205020404" pitchFamily="49" charset="0"/>
+                <a:cs typeface="Courier New" panose="02070309020205020404" pitchFamily="49" charset="0"/>
+              </a:rPr>
+              <a:t>            </a:t>
+            </a:r>
+            <a:r>
+              <a:rPr kumimoji="0" lang="en-US" altLang="en-US" sz="1500" b="0" i="0" u="none" strike="noStrike" cap="none" normalizeH="0" baseline="0" dirty="0" err="1">
+                <a:ln>
+                  <a:noFill/>
+                </a:ln>
+                <a:solidFill>
+                  <a:srgbClr val="000000"/>
+                </a:solidFill>
+                <a:effectLst/>
+                <a:latin typeface="Courier New" panose="02070309020205020404" pitchFamily="49" charset="0"/>
+                <a:cs typeface="Courier New" panose="02070309020205020404" pitchFamily="49" charset="0"/>
+              </a:rPr>
+              <a:t>Contacts.LOOKUP_KEY</a:t>
+            </a:r>
+            <a:r>
+              <a:rPr kumimoji="0" lang="en-US" altLang="en-US" sz="1500" b="0" i="0" u="none" strike="noStrike" cap="none" normalizeH="0" baseline="0" dirty="0">
+                <a:ln>
+                  <a:noFill/>
+                </a:ln>
+                <a:solidFill>
+                  <a:srgbClr val="000000"/>
+                </a:solidFill>
+                <a:effectLst/>
+                <a:latin typeface="Courier New" panose="02070309020205020404" pitchFamily="49" charset="0"/>
+                <a:cs typeface="Courier New" panose="02070309020205020404" pitchFamily="49" charset="0"/>
+              </a:rPr>
+              <a:t>,</a:t>
+            </a:r>
+            <a:br>
+              <a:rPr kumimoji="0" lang="en-US" altLang="en-US" sz="1500" b="0" i="0" u="none" strike="noStrike" cap="none" normalizeH="0" baseline="0" dirty="0">
+                <a:ln>
+                  <a:noFill/>
+                </a:ln>
+                <a:solidFill>
+                  <a:srgbClr val="000000"/>
+                </a:solidFill>
+                <a:effectLst/>
+                <a:latin typeface="Courier New" panose="02070309020205020404" pitchFamily="49" charset="0"/>
+                <a:cs typeface="Courier New" panose="02070309020205020404" pitchFamily="49" charset="0"/>
+              </a:rPr>
+            </a:br>
+            <a:r>
+              <a:rPr kumimoji="0" lang="en-US" altLang="en-US" sz="1500" b="0" i="0" u="none" strike="noStrike" cap="none" normalizeH="0" baseline="0" dirty="0">
+                <a:ln>
+                  <a:noFill/>
+                </a:ln>
+                <a:solidFill>
+                  <a:srgbClr val="000000"/>
+                </a:solidFill>
+                <a:effectLst/>
+                <a:latin typeface="Courier New" panose="02070309020205020404" pitchFamily="49" charset="0"/>
+                <a:cs typeface="Courier New" panose="02070309020205020404" pitchFamily="49" charset="0"/>
+              </a:rPr>
+              <a:t>            </a:t>
+            </a:r>
+            <a:r>
+              <a:rPr kumimoji="0" lang="en-US" altLang="en-US" sz="1500" b="0" i="0" u="none" strike="noStrike" cap="none" normalizeH="0" baseline="0" dirty="0" err="1">
+                <a:ln>
+                  <a:noFill/>
+                </a:ln>
+                <a:solidFill>
+                  <a:srgbClr val="000000"/>
+                </a:solidFill>
+                <a:effectLst/>
+                <a:latin typeface="Courier New" panose="02070309020205020404" pitchFamily="49" charset="0"/>
+                <a:cs typeface="Courier New" panose="02070309020205020404" pitchFamily="49" charset="0"/>
+              </a:rPr>
+              <a:t>Build.VERSION.</a:t>
+            </a:r>
+            <a:r>
+              <a:rPr kumimoji="0" lang="en-US" altLang="en-US" sz="1500" b="1" i="1" u="none" strike="noStrike" cap="none" normalizeH="0" baseline="0" dirty="0" err="1">
+                <a:ln>
+                  <a:noFill/>
+                </a:ln>
+                <a:solidFill>
+                  <a:srgbClr val="660E7A"/>
+                </a:solidFill>
+                <a:effectLst/>
+                <a:latin typeface="Courier New" panose="02070309020205020404" pitchFamily="49" charset="0"/>
+                <a:cs typeface="Courier New" panose="02070309020205020404" pitchFamily="49" charset="0"/>
+              </a:rPr>
+              <a:t>SDK_INT</a:t>
+            </a:r>
+            <a:br>
+              <a:rPr kumimoji="0" lang="en-US" altLang="en-US" sz="1500" b="1" i="1" u="none" strike="noStrike" cap="none" normalizeH="0" baseline="0" dirty="0">
+                <a:ln>
+                  <a:noFill/>
+                </a:ln>
+                <a:solidFill>
+                  <a:srgbClr val="660E7A"/>
+                </a:solidFill>
+                <a:effectLst/>
+                <a:latin typeface="Courier New" panose="02070309020205020404" pitchFamily="49" charset="0"/>
+                <a:cs typeface="Courier New" panose="02070309020205020404" pitchFamily="49" charset="0"/>
+              </a:rPr>
+            </a:br>
+            <a:r>
+              <a:rPr kumimoji="0" lang="en-US" altLang="en-US" sz="1500" b="1" i="1" u="none" strike="noStrike" cap="none" normalizeH="0" baseline="0" dirty="0">
+                <a:ln>
+                  <a:noFill/>
+                </a:ln>
+                <a:solidFill>
+                  <a:srgbClr val="660E7A"/>
+                </a:solidFill>
+                <a:effectLst/>
+                <a:latin typeface="Courier New" panose="02070309020205020404" pitchFamily="49" charset="0"/>
+                <a:cs typeface="Courier New" panose="02070309020205020404" pitchFamily="49" charset="0"/>
+              </a:rPr>
+              <a:t>                    </a:t>
+            </a:r>
+            <a:r>
+              <a:rPr kumimoji="0" lang="en-US" altLang="en-US" sz="1500" b="0" i="0" u="none" strike="noStrike" cap="none" normalizeH="0" baseline="0" dirty="0">
+                <a:ln>
+                  <a:noFill/>
+                </a:ln>
+                <a:solidFill>
+                  <a:srgbClr val="000000"/>
+                </a:solidFill>
+                <a:effectLst/>
+                <a:latin typeface="Courier New" panose="02070309020205020404" pitchFamily="49" charset="0"/>
+                <a:cs typeface="Courier New" panose="02070309020205020404" pitchFamily="49" charset="0"/>
+              </a:rPr>
+              <a:t>&gt;= </a:t>
+            </a:r>
+            <a:r>
+              <a:rPr kumimoji="0" lang="en-US" altLang="en-US" sz="1500" b="0" i="0" u="none" strike="noStrike" cap="none" normalizeH="0" baseline="0" dirty="0" err="1">
+                <a:ln>
+                  <a:noFill/>
+                </a:ln>
+                <a:solidFill>
+                  <a:srgbClr val="000000"/>
+                </a:solidFill>
+                <a:effectLst/>
+                <a:latin typeface="Courier New" panose="02070309020205020404" pitchFamily="49" charset="0"/>
+                <a:cs typeface="Courier New" panose="02070309020205020404" pitchFamily="49" charset="0"/>
+              </a:rPr>
+              <a:t>Build.VERSION_CODES.</a:t>
+            </a:r>
+            <a:r>
+              <a:rPr kumimoji="0" lang="en-US" altLang="en-US" sz="1500" b="1" i="1" u="none" strike="noStrike" cap="none" normalizeH="0" baseline="0" dirty="0" err="1">
+                <a:ln>
+                  <a:noFill/>
+                </a:ln>
+                <a:solidFill>
+                  <a:srgbClr val="660E7A"/>
+                </a:solidFill>
+                <a:effectLst/>
+                <a:latin typeface="Courier New" panose="02070309020205020404" pitchFamily="49" charset="0"/>
+                <a:cs typeface="Courier New" panose="02070309020205020404" pitchFamily="49" charset="0"/>
+              </a:rPr>
+              <a:t>HONEYCOMB</a:t>
+            </a:r>
+            <a:r>
+              <a:rPr kumimoji="0" lang="en-US" altLang="en-US" sz="1500" b="1" i="1" u="none" strike="noStrike" cap="none" normalizeH="0" baseline="0" dirty="0">
+                <a:ln>
+                  <a:noFill/>
+                </a:ln>
+                <a:solidFill>
+                  <a:srgbClr val="660E7A"/>
+                </a:solidFill>
+                <a:effectLst/>
+                <a:latin typeface="Courier New" panose="02070309020205020404" pitchFamily="49" charset="0"/>
+                <a:cs typeface="Courier New" panose="02070309020205020404" pitchFamily="49" charset="0"/>
+              </a:rPr>
+              <a:t> </a:t>
+            </a:r>
+            <a:r>
+              <a:rPr kumimoji="0" lang="en-US" altLang="en-US" sz="1500" b="0" i="0" u="none" strike="noStrike" cap="none" normalizeH="0" baseline="0" dirty="0">
+                <a:ln>
+                  <a:noFill/>
+                </a:ln>
+                <a:solidFill>
+                  <a:srgbClr val="000000"/>
+                </a:solidFill>
+                <a:effectLst/>
+                <a:latin typeface="Courier New" panose="02070309020205020404" pitchFamily="49" charset="0"/>
+                <a:cs typeface="Courier New" panose="02070309020205020404" pitchFamily="49" charset="0"/>
+              </a:rPr>
+              <a:t>?</a:t>
+            </a:r>
+            <a:br>
+              <a:rPr kumimoji="0" lang="en-US" altLang="en-US" sz="1500" b="0" i="0" u="none" strike="noStrike" cap="none" normalizeH="0" baseline="0" dirty="0">
+                <a:ln>
+                  <a:noFill/>
+                </a:ln>
+                <a:solidFill>
+                  <a:srgbClr val="000000"/>
+                </a:solidFill>
+                <a:effectLst/>
+                <a:latin typeface="Courier New" panose="02070309020205020404" pitchFamily="49" charset="0"/>
+                <a:cs typeface="Courier New" panose="02070309020205020404" pitchFamily="49" charset="0"/>
+              </a:rPr>
+            </a:br>
+            <a:r>
+              <a:rPr kumimoji="0" lang="en-US" altLang="en-US" sz="1500" b="0" i="0" u="none" strike="noStrike" cap="none" normalizeH="0" baseline="0" dirty="0">
+                <a:ln>
+                  <a:noFill/>
+                </a:ln>
+                <a:solidFill>
+                  <a:srgbClr val="000000"/>
+                </a:solidFill>
+                <a:effectLst/>
+                <a:latin typeface="Courier New" panose="02070309020205020404" pitchFamily="49" charset="0"/>
+                <a:cs typeface="Courier New" panose="02070309020205020404" pitchFamily="49" charset="0"/>
+              </a:rPr>
+              <a:t>                    </a:t>
+            </a:r>
+            <a:r>
+              <a:rPr kumimoji="0" lang="en-US" altLang="en-US" sz="1500" b="0" i="0" u="none" strike="noStrike" cap="none" normalizeH="0" baseline="0" dirty="0" err="1">
+                <a:ln>
+                  <a:noFill/>
+                </a:ln>
+                <a:solidFill>
+                  <a:srgbClr val="000000"/>
+                </a:solidFill>
+                <a:effectLst/>
+                <a:latin typeface="Courier New" panose="02070309020205020404" pitchFamily="49" charset="0"/>
+                <a:cs typeface="Courier New" panose="02070309020205020404" pitchFamily="49" charset="0"/>
+              </a:rPr>
+              <a:t>ContactsContract.Contacts.</a:t>
+            </a:r>
+            <a:r>
+              <a:rPr kumimoji="0" lang="en-US" altLang="en-US" sz="1500" b="1" i="1" u="none" strike="noStrike" cap="none" normalizeH="0" baseline="0" dirty="0" err="1">
+                <a:ln>
+                  <a:noFill/>
+                </a:ln>
+                <a:solidFill>
+                  <a:srgbClr val="660E7A"/>
+                </a:solidFill>
+                <a:effectLst/>
+                <a:latin typeface="Courier New" panose="02070309020205020404" pitchFamily="49" charset="0"/>
+                <a:cs typeface="Courier New" panose="02070309020205020404" pitchFamily="49" charset="0"/>
+              </a:rPr>
+              <a:t>DISPLAY_NAME_PRIMARY</a:t>
+            </a:r>
+            <a:r>
+              <a:rPr kumimoji="0" lang="en-US" altLang="en-US" sz="1500" b="1" i="1" u="none" strike="noStrike" cap="none" normalizeH="0" baseline="0" dirty="0">
+                <a:ln>
+                  <a:noFill/>
+                </a:ln>
+                <a:solidFill>
+                  <a:srgbClr val="660E7A"/>
+                </a:solidFill>
+                <a:effectLst/>
+                <a:latin typeface="Courier New" panose="02070309020205020404" pitchFamily="49" charset="0"/>
+                <a:cs typeface="Courier New" panose="02070309020205020404" pitchFamily="49" charset="0"/>
+              </a:rPr>
+              <a:t> </a:t>
+            </a:r>
+            <a:r>
+              <a:rPr kumimoji="0" lang="en-US" altLang="en-US" sz="1500" b="0" i="0" u="none" strike="noStrike" cap="none" normalizeH="0" baseline="0" dirty="0">
+                <a:ln>
+                  <a:noFill/>
+                </a:ln>
+                <a:solidFill>
+                  <a:srgbClr val="000000"/>
+                </a:solidFill>
+                <a:effectLst/>
+                <a:latin typeface="Courier New" panose="02070309020205020404" pitchFamily="49" charset="0"/>
+                <a:cs typeface="Courier New" panose="02070309020205020404" pitchFamily="49" charset="0"/>
+              </a:rPr>
+              <a:t>:</a:t>
+            </a:r>
+            <a:br>
+              <a:rPr kumimoji="0" lang="en-US" altLang="en-US" sz="1500" b="0" i="0" u="none" strike="noStrike" cap="none" normalizeH="0" baseline="0" dirty="0">
+                <a:ln>
+                  <a:noFill/>
+                </a:ln>
+                <a:solidFill>
+                  <a:srgbClr val="000000"/>
+                </a:solidFill>
+                <a:effectLst/>
+                <a:latin typeface="Courier New" panose="02070309020205020404" pitchFamily="49" charset="0"/>
+                <a:cs typeface="Courier New" panose="02070309020205020404" pitchFamily="49" charset="0"/>
+              </a:rPr>
+            </a:br>
+            <a:r>
+              <a:rPr kumimoji="0" lang="en-US" altLang="en-US" sz="1500" b="0" i="0" u="none" strike="noStrike" cap="none" normalizeH="0" baseline="0" dirty="0">
+                <a:ln>
+                  <a:noFill/>
+                </a:ln>
+                <a:solidFill>
+                  <a:srgbClr val="000000"/>
+                </a:solidFill>
+                <a:effectLst/>
+                <a:latin typeface="Courier New" panose="02070309020205020404" pitchFamily="49" charset="0"/>
+                <a:cs typeface="Courier New" panose="02070309020205020404" pitchFamily="49" charset="0"/>
+              </a:rPr>
+              <a:t>                    </a:t>
+            </a:r>
+            <a:r>
+              <a:rPr kumimoji="0" lang="en-US" altLang="en-US" sz="1500" b="0" i="0" u="none" strike="noStrike" cap="none" normalizeH="0" baseline="0" dirty="0" err="1">
+                <a:ln>
+                  <a:noFill/>
+                </a:ln>
+                <a:solidFill>
+                  <a:srgbClr val="000000"/>
+                </a:solidFill>
+                <a:effectLst/>
+                <a:latin typeface="Courier New" panose="02070309020205020404" pitchFamily="49" charset="0"/>
+                <a:cs typeface="Courier New" panose="02070309020205020404" pitchFamily="49" charset="0"/>
+              </a:rPr>
+              <a:t>ContactsContract.Contacts.</a:t>
+            </a:r>
+            <a:r>
+              <a:rPr kumimoji="0" lang="en-US" altLang="en-US" sz="1500" b="1" i="1" u="none" strike="noStrike" cap="none" normalizeH="0" baseline="0" dirty="0" err="1">
+                <a:ln>
+                  <a:noFill/>
+                </a:ln>
+                <a:solidFill>
+                  <a:srgbClr val="660E7A"/>
+                </a:solidFill>
+                <a:effectLst/>
+                <a:latin typeface="Courier New" panose="02070309020205020404" pitchFamily="49" charset="0"/>
+                <a:cs typeface="Courier New" panose="02070309020205020404" pitchFamily="49" charset="0"/>
+              </a:rPr>
+              <a:t>DISPLAY_NAME</a:t>
+            </a:r>
+            <a:br>
+              <a:rPr kumimoji="0" lang="en-US" altLang="en-US" sz="1500" b="1" i="1" u="none" strike="noStrike" cap="none" normalizeH="0" baseline="0" dirty="0">
+                <a:ln>
+                  <a:noFill/>
+                </a:ln>
+                <a:solidFill>
+                  <a:srgbClr val="660E7A"/>
+                </a:solidFill>
+                <a:effectLst/>
+                <a:latin typeface="Courier New" panose="02070309020205020404" pitchFamily="49" charset="0"/>
+                <a:cs typeface="Courier New" panose="02070309020205020404" pitchFamily="49" charset="0"/>
+              </a:rPr>
+            </a:br>
+            <a:br>
+              <a:rPr kumimoji="0" lang="en-US" altLang="en-US" sz="1500" b="1" i="1" u="none" strike="noStrike" cap="none" normalizeH="0" baseline="0" dirty="0">
+                <a:ln>
+                  <a:noFill/>
+                </a:ln>
+                <a:solidFill>
+                  <a:srgbClr val="660E7A"/>
+                </a:solidFill>
+                <a:effectLst/>
+                <a:latin typeface="Courier New" panose="02070309020205020404" pitchFamily="49" charset="0"/>
+                <a:cs typeface="Courier New" panose="02070309020205020404" pitchFamily="49" charset="0"/>
+              </a:rPr>
+            </a:br>
+            <a:r>
+              <a:rPr kumimoji="0" lang="en-US" altLang="en-US" sz="1500" b="1" i="1" u="none" strike="noStrike" cap="none" normalizeH="0" baseline="0" dirty="0">
+                <a:ln>
+                  <a:noFill/>
+                </a:ln>
+                <a:solidFill>
+                  <a:srgbClr val="660E7A"/>
+                </a:solidFill>
+                <a:effectLst/>
+                <a:latin typeface="Courier New" panose="02070309020205020404" pitchFamily="49" charset="0"/>
+                <a:cs typeface="Courier New" panose="02070309020205020404" pitchFamily="49" charset="0"/>
+              </a:rPr>
+              <a:t>    </a:t>
+            </a:r>
+            <a:r>
+              <a:rPr kumimoji="0" lang="en-US" altLang="en-US" sz="1500" b="0" i="0" u="none" strike="noStrike" cap="none" normalizeH="0" baseline="0" dirty="0">
+                <a:ln>
+                  <a:noFill/>
+                </a:ln>
+                <a:solidFill>
+                  <a:srgbClr val="000000"/>
+                </a:solidFill>
+                <a:effectLst/>
+                <a:latin typeface="Courier New" panose="02070309020205020404" pitchFamily="49" charset="0"/>
+                <a:cs typeface="Courier New" panose="02070309020205020404" pitchFamily="49" charset="0"/>
+              </a:rPr>
+              <a:t>};</a:t>
+            </a:r>
+            <a:endParaRPr kumimoji="0" lang="en-US" altLang="en-US" sz="1500" b="0" i="0" u="none" strike="noStrike" cap="none" normalizeH="0" baseline="0" dirty="0">
+              <a:ln>
+                <a:noFill/>
+              </a:ln>
+              <a:solidFill>
+                <a:schemeClr val="tx1"/>
+              </a:solidFill>
+              <a:effectLst/>
+              <a:latin typeface="Arial" panose="020B0604020202020204" pitchFamily="34" charset="0"/>
+            </a:endParaRPr>
+          </a:p>
+        </p:txBody>
+      </p:sp>
+    </p:spTree>
+    <p:extLst>
+      <p:ext uri="{BB962C8B-B14F-4D97-AF65-F5344CB8AC3E}">
+        <p14:creationId xmlns:p14="http://schemas.microsoft.com/office/powerpoint/2010/main" val="4241241096"/>
+      </p:ext>
+    </p:extLst>
+  </p:cSld>
+  <p:clrMapOvr>
+    <a:masterClrMapping/>
+  </p:clrMapOvr>
+</p:sld>
+</file>
+
+<file path=ppt/slides/slide37.xml><?xml version="1.0" encoding="utf-8"?>
+<p:sld xmlns:a="http://schemas.openxmlformats.org/drawingml/2006/main" xmlns:r="http://schemas.openxmlformats.org/officeDocument/2006/relationships" xmlns:p="http://schemas.openxmlformats.org/presentationml/2006/main">
+  <p:cSld>
+    <p:spTree>
+      <p:nvGrpSpPr>
+        <p:cNvPr id="1" name=""/>
+        <p:cNvGrpSpPr/>
+        <p:nvPr/>
+      </p:nvGrpSpPr>
+      <p:grpSpPr>
+        <a:xfrm>
+          <a:off x="0" y="0"/>
+          <a:ext cx="0" cy="0"/>
+          <a:chOff x="0" y="0"/>
+          <a:chExt cx="0" cy="0"/>
+        </a:xfrm>
+      </p:grpSpPr>
+      <p:sp>
+        <p:nvSpPr>
+          <p:cNvPr id="2" name="Title 1">
+            <a:extLst>
+              <a:ext uri="{FF2B5EF4-FFF2-40B4-BE49-F238E27FC236}">
+                <a16:creationId xmlns:a16="http://schemas.microsoft.com/office/drawing/2014/main" id="{C8A0B070-A7DB-4CF6-97A7-15AA2FEF5A2D}"/>
+              </a:ext>
+            </a:extLst>
+          </p:cNvPr>
+          <p:cNvSpPr>
+            <a:spLocks noGrp="1"/>
+          </p:cNvSpPr>
+          <p:nvPr>
+            <p:ph type="title"/>
+          </p:nvPr>
+        </p:nvSpPr>
+        <p:spPr>
+          <a:xfrm>
+            <a:off x="0" y="18256"/>
+            <a:ext cx="10515600" cy="732516"/>
+          </a:xfrm>
+        </p:spPr>
+        <p:txBody>
+          <a:bodyPr/>
+          <a:lstStyle/>
+          <a:p>
+            <a:r>
+              <a:rPr lang="en-US" dirty="0"/>
+              <a:t>Specify the selection criteria</a:t>
+            </a:r>
+          </a:p>
+        </p:txBody>
+      </p:sp>
+      <p:sp>
+        <p:nvSpPr>
+          <p:cNvPr id="3" name="Content Placeholder 2">
+            <a:extLst>
+              <a:ext uri="{FF2B5EF4-FFF2-40B4-BE49-F238E27FC236}">
+                <a16:creationId xmlns:a16="http://schemas.microsoft.com/office/drawing/2014/main" id="{D5C65E4A-A8AA-485C-A84F-4800809AC51A}"/>
+              </a:ext>
+            </a:extLst>
+          </p:cNvPr>
+          <p:cNvSpPr>
+            <a:spLocks noGrp="1"/>
+          </p:cNvSpPr>
+          <p:nvPr>
+            <p:ph idx="1"/>
+          </p:nvPr>
+        </p:nvSpPr>
+        <p:spPr>
+          <a:xfrm>
+            <a:off x="0" y="750772"/>
+            <a:ext cx="12192000" cy="2774903"/>
+          </a:xfrm>
+        </p:spPr>
+        <p:txBody>
+          <a:bodyPr/>
+          <a:lstStyle/>
+          <a:p>
+            <a:r>
+              <a:rPr lang="en-US" dirty="0"/>
+              <a:t>To specify the data you want, create a combination of text expressions and variables that tell the provider which columns to search and values to find</a:t>
+            </a:r>
+          </a:p>
+          <a:p>
+            <a:r>
+              <a:rPr lang="en-US" dirty="0"/>
+              <a:t>For the text expression, define a constant that lists the search columns</a:t>
+            </a:r>
+          </a:p>
+          <a:p>
+            <a:pPr lvl="1"/>
+            <a:r>
+              <a:rPr lang="en-US" dirty="0"/>
+              <a:t>Preferred practice is to represent the values with a “?” placeholder</a:t>
+            </a:r>
+          </a:p>
+          <a:p>
+            <a:pPr lvl="1"/>
+            <a:r>
+              <a:rPr lang="en-US" dirty="0"/>
+              <a:t>During retrieval, the placeholder is replaced with values from an array</a:t>
+            </a:r>
+          </a:p>
+          <a:p>
+            <a:endParaRPr lang="en-US" dirty="0"/>
+          </a:p>
+          <a:p>
+            <a:endParaRPr lang="en-US" dirty="0"/>
+          </a:p>
+        </p:txBody>
+      </p:sp>
+      <p:sp>
+        <p:nvSpPr>
+          <p:cNvPr id="4" name="TextBox 3">
+            <a:extLst>
+              <a:ext uri="{FF2B5EF4-FFF2-40B4-BE49-F238E27FC236}">
+                <a16:creationId xmlns:a16="http://schemas.microsoft.com/office/drawing/2014/main" id="{485A1586-8E44-4D0E-8C95-2290C3E0E248}"/>
+              </a:ext>
+            </a:extLst>
+          </p:cNvPr>
+          <p:cNvSpPr txBox="1"/>
+          <p:nvPr/>
+        </p:nvSpPr>
+        <p:spPr>
+          <a:xfrm>
+            <a:off x="0" y="6439301"/>
+            <a:ext cx="7575082" cy="369332"/>
+          </a:xfrm>
+          <a:prstGeom prst="rect">
+            <a:avLst/>
+          </a:prstGeom>
+          <a:noFill/>
+        </p:spPr>
+        <p:txBody>
+          <a:bodyPr wrap="square" rtlCol="0">
+            <a:spAutoFit/>
+          </a:bodyPr>
+          <a:lstStyle/>
+          <a:p>
+            <a:r>
+              <a:rPr lang="en-US" dirty="0">
+                <a:hlinkClick r:id="rId2"/>
+              </a:rPr>
+              <a:t>https://developer.android.com/training/contacts-provider/retrieve-names</a:t>
+            </a:r>
+            <a:endParaRPr lang="en-US" dirty="0"/>
+          </a:p>
+        </p:txBody>
+      </p:sp>
+      <p:sp>
+        <p:nvSpPr>
+          <p:cNvPr id="5" name="Rectangle 1">
+            <a:extLst>
+              <a:ext uri="{FF2B5EF4-FFF2-40B4-BE49-F238E27FC236}">
+                <a16:creationId xmlns:a16="http://schemas.microsoft.com/office/drawing/2014/main" id="{31611A79-5722-45BF-972B-97BD9ECB38CD}"/>
+              </a:ext>
+            </a:extLst>
+          </p:cNvPr>
+          <p:cNvSpPr>
+            <a:spLocks noChangeArrowheads="1"/>
+          </p:cNvSpPr>
+          <p:nvPr/>
+        </p:nvSpPr>
+        <p:spPr bwMode="auto">
+          <a:xfrm>
+            <a:off x="587141" y="3525675"/>
+            <a:ext cx="7571303" cy="2400657"/>
+          </a:xfrm>
+          <a:prstGeom prst="rect">
+            <a:avLst/>
+          </a:prstGeom>
+          <a:solidFill>
+            <a:srgbClr val="FFFFFF"/>
+          </a:solidFill>
+          <a:ln>
+            <a:noFill/>
+          </a:ln>
+          <a:effectLst/>
+          <a:extLst>
+            <a:ext uri="{91240B29-F687-4F45-9708-019B960494DF}">
+              <a14:hiddenLine xmlns:a14="http://schemas.microsoft.com/office/drawing/2010/main" w="9525">
+                <a:solidFill>
+                  <a:schemeClr val="tx1"/>
+                </a:solidFill>
+                <a:miter lim="800000"/>
+                <a:headEnd/>
+                <a:tailEnd/>
+              </a14:hiddenLine>
+            </a:ext>
+            <a:ext uri="{AF507438-7753-43E0-B8FC-AC1667EBCBE1}">
+              <a14:hiddenEffects xmlns:a14="http://schemas.microsoft.com/office/drawing/2010/main">
+                <a:effectLst>
+                  <a:outerShdw dist="35921" dir="2700000" algn="ctr" rotWithShape="0">
+                    <a:schemeClr val="bg2"/>
+                  </a:outerShdw>
+                </a:effectLst>
+              </a14:hiddenEffects>
+            </a:ext>
+          </a:extLst>
+        </p:spPr>
+        <p:txBody>
+          <a:bodyPr vert="horz" wrap="none" lIns="91440" tIns="45720" rIns="91440" bIns="45720" numCol="1" anchor="ctr" anchorCtr="0" compatLnSpc="1">
+            <a:prstTxWarp prst="textNoShape">
+              <a:avLst/>
+            </a:prstTxWarp>
+            <a:spAutoFit/>
+          </a:bodyPr>
+          <a:lstStyle/>
+          <a:p>
+            <a:pPr marL="0" marR="0" lvl="0" indent="0" algn="l" defTabSz="914400" rtl="0" eaLnBrk="0" fontAlgn="base" latinLnBrk="0" hangingPunct="0">
+              <a:lnSpc>
+                <a:spcPct val="100000"/>
+              </a:lnSpc>
+              <a:spcBef>
+                <a:spcPct val="0"/>
+              </a:spcBef>
+              <a:spcAft>
+                <a:spcPct val="0"/>
+              </a:spcAft>
+              <a:buClrTx/>
+              <a:buSzTx/>
+              <a:buFontTx/>
+              <a:buNone/>
+              <a:tabLst/>
+            </a:pPr>
+            <a:r>
+              <a:rPr kumimoji="0" lang="en-US" altLang="en-US" sz="1500" b="0" i="1" u="none" strike="noStrike" cap="none" normalizeH="0" baseline="0">
+                <a:ln>
+                  <a:noFill/>
+                </a:ln>
+                <a:solidFill>
+                  <a:srgbClr val="808080"/>
+                </a:solidFill>
+                <a:effectLst/>
+                <a:latin typeface="Courier New" panose="02070309020205020404" pitchFamily="49" charset="0"/>
+                <a:cs typeface="Courier New" panose="02070309020205020404" pitchFamily="49" charset="0"/>
+              </a:rPr>
+              <a:t>// Defines the text expression</a:t>
+            </a:r>
+            <a:br>
+              <a:rPr kumimoji="0" lang="en-US" altLang="en-US" sz="1500" b="0" i="1" u="none" strike="noStrike" cap="none" normalizeH="0" baseline="0">
+                <a:ln>
+                  <a:noFill/>
+                </a:ln>
+                <a:solidFill>
+                  <a:srgbClr val="808080"/>
+                </a:solidFill>
+                <a:effectLst/>
+                <a:latin typeface="Courier New" panose="02070309020205020404" pitchFamily="49" charset="0"/>
+                <a:cs typeface="Courier New" panose="02070309020205020404" pitchFamily="49" charset="0"/>
+              </a:rPr>
+            </a:br>
+            <a:r>
+              <a:rPr kumimoji="0" lang="en-US" altLang="en-US" sz="1500" b="0" i="0" u="none" strike="noStrike" cap="none" normalizeH="0" baseline="0">
+                <a:ln>
+                  <a:noFill/>
+                </a:ln>
+                <a:solidFill>
+                  <a:srgbClr val="808000"/>
+                </a:solidFill>
+                <a:effectLst/>
+                <a:latin typeface="Courier New" panose="02070309020205020404" pitchFamily="49" charset="0"/>
+                <a:cs typeface="Courier New" panose="02070309020205020404" pitchFamily="49" charset="0"/>
+              </a:rPr>
+              <a:t>@SuppressLint</a:t>
+            </a:r>
+            <a:r>
+              <a:rPr kumimoji="0" lang="en-US" altLang="en-US" sz="1500" b="0" i="0" u="none" strike="noStrike" cap="none" normalizeH="0" baseline="0">
+                <a:ln>
+                  <a:noFill/>
+                </a:ln>
+                <a:solidFill>
+                  <a:srgbClr val="000000"/>
+                </a:solidFill>
+                <a:effectLst/>
+                <a:latin typeface="Courier New" panose="02070309020205020404" pitchFamily="49" charset="0"/>
+                <a:cs typeface="Courier New" panose="02070309020205020404" pitchFamily="49" charset="0"/>
+              </a:rPr>
+              <a:t>(</a:t>
+            </a:r>
+            <a:r>
+              <a:rPr kumimoji="0" lang="en-US" altLang="en-US" sz="1500" b="1" i="0" u="none" strike="noStrike" cap="none" normalizeH="0" baseline="0">
+                <a:ln>
+                  <a:noFill/>
+                </a:ln>
+                <a:solidFill>
+                  <a:srgbClr val="008000"/>
+                </a:solidFill>
+                <a:effectLst/>
+                <a:latin typeface="Courier New" panose="02070309020205020404" pitchFamily="49" charset="0"/>
+                <a:cs typeface="Courier New" panose="02070309020205020404" pitchFamily="49" charset="0"/>
+              </a:rPr>
+              <a:t>"InlinedApi"</a:t>
+            </a:r>
+            <a:r>
+              <a:rPr kumimoji="0" lang="en-US" altLang="en-US" sz="1500" b="0" i="0" u="none" strike="noStrike" cap="none" normalizeH="0" baseline="0">
+                <a:ln>
+                  <a:noFill/>
+                </a:ln>
+                <a:solidFill>
+                  <a:srgbClr val="000000"/>
+                </a:solidFill>
+                <a:effectLst/>
+                <a:latin typeface="Courier New" panose="02070309020205020404" pitchFamily="49" charset="0"/>
+                <a:cs typeface="Courier New" panose="02070309020205020404" pitchFamily="49" charset="0"/>
+              </a:rPr>
+              <a:t>)</a:t>
+            </a:r>
+            <a:br>
+              <a:rPr kumimoji="0" lang="en-US" altLang="en-US" sz="1500" b="0" i="0" u="none" strike="noStrike" cap="none" normalizeH="0" baseline="0">
+                <a:ln>
+                  <a:noFill/>
+                </a:ln>
+                <a:solidFill>
+                  <a:srgbClr val="000000"/>
+                </a:solidFill>
+                <a:effectLst/>
+                <a:latin typeface="Courier New" panose="02070309020205020404" pitchFamily="49" charset="0"/>
+                <a:cs typeface="Courier New" panose="02070309020205020404" pitchFamily="49" charset="0"/>
+              </a:rPr>
+            </a:br>
+            <a:r>
+              <a:rPr kumimoji="0" lang="en-US" altLang="en-US" sz="1500" b="1" i="0" u="none" strike="noStrike" cap="none" normalizeH="0" baseline="0">
+                <a:ln>
+                  <a:noFill/>
+                </a:ln>
+                <a:solidFill>
+                  <a:srgbClr val="000080"/>
+                </a:solidFill>
+                <a:effectLst/>
+                <a:latin typeface="Courier New" panose="02070309020205020404" pitchFamily="49" charset="0"/>
+                <a:cs typeface="Courier New" panose="02070309020205020404" pitchFamily="49" charset="0"/>
+              </a:rPr>
+              <a:t>private static final </a:t>
+            </a:r>
+            <a:r>
+              <a:rPr kumimoji="0" lang="en-US" altLang="en-US" sz="1500" b="0" i="0" u="none" strike="noStrike" cap="none" normalizeH="0" baseline="0">
+                <a:ln>
+                  <a:noFill/>
+                </a:ln>
+                <a:solidFill>
+                  <a:srgbClr val="000000"/>
+                </a:solidFill>
+                <a:effectLst/>
+                <a:latin typeface="Courier New" panose="02070309020205020404" pitchFamily="49" charset="0"/>
+                <a:cs typeface="Courier New" panose="02070309020205020404" pitchFamily="49" charset="0"/>
+              </a:rPr>
+              <a:t>String </a:t>
+            </a:r>
+            <a:r>
+              <a:rPr kumimoji="0" lang="en-US" altLang="en-US" sz="1500" b="1" i="1" u="none" strike="noStrike" cap="none" normalizeH="0" baseline="0">
+                <a:ln>
+                  <a:noFill/>
+                </a:ln>
+                <a:solidFill>
+                  <a:srgbClr val="660E7A"/>
+                </a:solidFill>
+                <a:effectLst/>
+                <a:latin typeface="Courier New" panose="02070309020205020404" pitchFamily="49" charset="0"/>
+                <a:cs typeface="Courier New" panose="02070309020205020404" pitchFamily="49" charset="0"/>
+              </a:rPr>
+              <a:t>SELECTION </a:t>
+            </a:r>
+            <a:r>
+              <a:rPr kumimoji="0" lang="en-US" altLang="en-US" sz="1500" b="0" i="0" u="none" strike="noStrike" cap="none" normalizeH="0" baseline="0">
+                <a:ln>
+                  <a:noFill/>
+                </a:ln>
+                <a:solidFill>
+                  <a:srgbClr val="000000"/>
+                </a:solidFill>
+                <a:effectLst/>
+                <a:latin typeface="Courier New" panose="02070309020205020404" pitchFamily="49" charset="0"/>
+                <a:cs typeface="Courier New" panose="02070309020205020404" pitchFamily="49" charset="0"/>
+              </a:rPr>
+              <a:t>=</a:t>
+            </a:r>
+            <a:br>
+              <a:rPr kumimoji="0" lang="en-US" altLang="en-US" sz="1500" b="0" i="0" u="none" strike="noStrike" cap="none" normalizeH="0" baseline="0">
+                <a:ln>
+                  <a:noFill/>
+                </a:ln>
+                <a:solidFill>
+                  <a:srgbClr val="000000"/>
+                </a:solidFill>
+                <a:effectLst/>
+                <a:latin typeface="Courier New" panose="02070309020205020404" pitchFamily="49" charset="0"/>
+                <a:cs typeface="Courier New" panose="02070309020205020404" pitchFamily="49" charset="0"/>
+              </a:rPr>
+            </a:br>
+            <a:r>
+              <a:rPr kumimoji="0" lang="en-US" altLang="en-US" sz="1500" b="0" i="0" u="none" strike="noStrike" cap="none" normalizeH="0" baseline="0">
+                <a:ln>
+                  <a:noFill/>
+                </a:ln>
+                <a:solidFill>
+                  <a:srgbClr val="000000"/>
+                </a:solidFill>
+                <a:effectLst/>
+                <a:latin typeface="Courier New" panose="02070309020205020404" pitchFamily="49" charset="0"/>
+                <a:cs typeface="Courier New" panose="02070309020205020404" pitchFamily="49" charset="0"/>
+              </a:rPr>
+              <a:t>        Build.VERSION.</a:t>
+            </a:r>
+            <a:r>
+              <a:rPr kumimoji="0" lang="en-US" altLang="en-US" sz="1500" b="1" i="1" u="none" strike="noStrike" cap="none" normalizeH="0" baseline="0">
+                <a:ln>
+                  <a:noFill/>
+                </a:ln>
+                <a:solidFill>
+                  <a:srgbClr val="660E7A"/>
+                </a:solidFill>
+                <a:effectLst/>
+                <a:latin typeface="Courier New" panose="02070309020205020404" pitchFamily="49" charset="0"/>
+                <a:cs typeface="Courier New" panose="02070309020205020404" pitchFamily="49" charset="0"/>
+              </a:rPr>
+              <a:t>SDK_INT </a:t>
+            </a:r>
+            <a:r>
+              <a:rPr kumimoji="0" lang="en-US" altLang="en-US" sz="1500" b="0" i="0" u="none" strike="noStrike" cap="none" normalizeH="0" baseline="0">
+                <a:ln>
+                  <a:noFill/>
+                </a:ln>
+                <a:solidFill>
+                  <a:srgbClr val="000000"/>
+                </a:solidFill>
+                <a:effectLst/>
+                <a:latin typeface="Courier New" panose="02070309020205020404" pitchFamily="49" charset="0"/>
+                <a:cs typeface="Courier New" panose="02070309020205020404" pitchFamily="49" charset="0"/>
+              </a:rPr>
+              <a:t>&gt;= Build.VERSION_CODES.</a:t>
+            </a:r>
+            <a:r>
+              <a:rPr kumimoji="0" lang="en-US" altLang="en-US" sz="1500" b="1" i="1" u="none" strike="noStrike" cap="none" normalizeH="0" baseline="0">
+                <a:ln>
+                  <a:noFill/>
+                </a:ln>
+                <a:solidFill>
+                  <a:srgbClr val="660E7A"/>
+                </a:solidFill>
+                <a:effectLst/>
+                <a:latin typeface="Courier New" panose="02070309020205020404" pitchFamily="49" charset="0"/>
+                <a:cs typeface="Courier New" panose="02070309020205020404" pitchFamily="49" charset="0"/>
+              </a:rPr>
+              <a:t>HONEYCOMB </a:t>
+            </a:r>
+            <a:r>
+              <a:rPr kumimoji="0" lang="en-US" altLang="en-US" sz="1500" b="0" i="0" u="none" strike="noStrike" cap="none" normalizeH="0" baseline="0">
+                <a:ln>
+                  <a:noFill/>
+                </a:ln>
+                <a:solidFill>
+                  <a:srgbClr val="000000"/>
+                </a:solidFill>
+                <a:effectLst/>
+                <a:latin typeface="Courier New" panose="02070309020205020404" pitchFamily="49" charset="0"/>
+                <a:cs typeface="Courier New" panose="02070309020205020404" pitchFamily="49" charset="0"/>
+              </a:rPr>
+              <a:t>?</a:t>
+            </a:r>
+            <a:br>
+              <a:rPr kumimoji="0" lang="en-US" altLang="en-US" sz="1500" b="0" i="0" u="none" strike="noStrike" cap="none" normalizeH="0" baseline="0">
+                <a:ln>
+                  <a:noFill/>
+                </a:ln>
+                <a:solidFill>
+                  <a:srgbClr val="000000"/>
+                </a:solidFill>
+                <a:effectLst/>
+                <a:latin typeface="Courier New" panose="02070309020205020404" pitchFamily="49" charset="0"/>
+                <a:cs typeface="Courier New" panose="02070309020205020404" pitchFamily="49" charset="0"/>
+              </a:rPr>
+            </a:br>
+            <a:r>
+              <a:rPr kumimoji="0" lang="en-US" altLang="en-US" sz="1500" b="0" i="0" u="none" strike="noStrike" cap="none" normalizeH="0" baseline="0">
+                <a:ln>
+                  <a:noFill/>
+                </a:ln>
+                <a:solidFill>
+                  <a:srgbClr val="000000"/>
+                </a:solidFill>
+                <a:effectLst/>
+                <a:latin typeface="Courier New" panose="02070309020205020404" pitchFamily="49" charset="0"/>
+                <a:cs typeface="Courier New" panose="02070309020205020404" pitchFamily="49" charset="0"/>
+              </a:rPr>
+              <a:t>                Contacts.DISPLAY_NAME_PRIMARY + </a:t>
+            </a:r>
+            <a:r>
+              <a:rPr kumimoji="0" lang="en-US" altLang="en-US" sz="1500" b="1" i="0" u="none" strike="noStrike" cap="none" normalizeH="0" baseline="0">
+                <a:ln>
+                  <a:noFill/>
+                </a:ln>
+                <a:solidFill>
+                  <a:srgbClr val="008000"/>
+                </a:solidFill>
+                <a:effectLst/>
+                <a:latin typeface="Courier New" panose="02070309020205020404" pitchFamily="49" charset="0"/>
+                <a:cs typeface="Courier New" panose="02070309020205020404" pitchFamily="49" charset="0"/>
+              </a:rPr>
+              <a:t>" LIKE ?" </a:t>
+            </a:r>
+            <a:r>
+              <a:rPr kumimoji="0" lang="en-US" altLang="en-US" sz="1500" b="0" i="0" u="none" strike="noStrike" cap="none" normalizeH="0" baseline="0">
+                <a:ln>
+                  <a:noFill/>
+                </a:ln>
+                <a:solidFill>
+                  <a:srgbClr val="000000"/>
+                </a:solidFill>
+                <a:effectLst/>
+                <a:latin typeface="Courier New" panose="02070309020205020404" pitchFamily="49" charset="0"/>
+                <a:cs typeface="Courier New" panose="02070309020205020404" pitchFamily="49" charset="0"/>
+              </a:rPr>
+              <a:t>:</a:t>
+            </a:r>
+            <a:br>
+              <a:rPr kumimoji="0" lang="en-US" altLang="en-US" sz="1500" b="0" i="0" u="none" strike="noStrike" cap="none" normalizeH="0" baseline="0">
+                <a:ln>
+                  <a:noFill/>
+                </a:ln>
+                <a:solidFill>
+                  <a:srgbClr val="000000"/>
+                </a:solidFill>
+                <a:effectLst/>
+                <a:latin typeface="Courier New" panose="02070309020205020404" pitchFamily="49" charset="0"/>
+                <a:cs typeface="Courier New" panose="02070309020205020404" pitchFamily="49" charset="0"/>
+              </a:rPr>
+            </a:br>
+            <a:r>
+              <a:rPr kumimoji="0" lang="en-US" altLang="en-US" sz="1500" b="0" i="0" u="none" strike="noStrike" cap="none" normalizeH="0" baseline="0">
+                <a:ln>
+                  <a:noFill/>
+                </a:ln>
+                <a:solidFill>
+                  <a:srgbClr val="000000"/>
+                </a:solidFill>
+                <a:effectLst/>
+                <a:latin typeface="Courier New" panose="02070309020205020404" pitchFamily="49" charset="0"/>
+                <a:cs typeface="Courier New" panose="02070309020205020404" pitchFamily="49" charset="0"/>
+              </a:rPr>
+              <a:t>                Contacts.DISPLAY_NAME + </a:t>
+            </a:r>
+            <a:r>
+              <a:rPr kumimoji="0" lang="en-US" altLang="en-US" sz="1500" b="1" i="0" u="none" strike="noStrike" cap="none" normalizeH="0" baseline="0">
+                <a:ln>
+                  <a:noFill/>
+                </a:ln>
+                <a:solidFill>
+                  <a:srgbClr val="008000"/>
+                </a:solidFill>
+                <a:effectLst/>
+                <a:latin typeface="Courier New" panose="02070309020205020404" pitchFamily="49" charset="0"/>
+                <a:cs typeface="Courier New" panose="02070309020205020404" pitchFamily="49" charset="0"/>
+              </a:rPr>
+              <a:t>" LIKE ?"</a:t>
+            </a:r>
+            <a:r>
+              <a:rPr kumimoji="0" lang="en-US" altLang="en-US" sz="1500" b="0" i="0" u="none" strike="noStrike" cap="none" normalizeH="0" baseline="0">
+                <a:ln>
+                  <a:noFill/>
+                </a:ln>
+                <a:solidFill>
+                  <a:srgbClr val="000000"/>
+                </a:solidFill>
+                <a:effectLst/>
+                <a:latin typeface="Courier New" panose="02070309020205020404" pitchFamily="49" charset="0"/>
+                <a:cs typeface="Courier New" panose="02070309020205020404" pitchFamily="49" charset="0"/>
+              </a:rPr>
+              <a:t>;</a:t>
+            </a:r>
+            <a:br>
+              <a:rPr kumimoji="0" lang="en-US" altLang="en-US" sz="1500" b="0" i="0" u="none" strike="noStrike" cap="none" normalizeH="0" baseline="0">
+                <a:ln>
+                  <a:noFill/>
+                </a:ln>
+                <a:solidFill>
+                  <a:srgbClr val="000000"/>
+                </a:solidFill>
+                <a:effectLst/>
+                <a:latin typeface="Courier New" panose="02070309020205020404" pitchFamily="49" charset="0"/>
+                <a:cs typeface="Courier New" panose="02070309020205020404" pitchFamily="49" charset="0"/>
+              </a:rPr>
+            </a:br>
+            <a:r>
+              <a:rPr kumimoji="0" lang="en-US" altLang="en-US" sz="1500" b="0" i="1" u="none" strike="noStrike" cap="none" normalizeH="0" baseline="0">
+                <a:ln>
+                  <a:noFill/>
+                </a:ln>
+                <a:solidFill>
+                  <a:srgbClr val="808080"/>
+                </a:solidFill>
+                <a:effectLst/>
+                <a:latin typeface="Courier New" panose="02070309020205020404" pitchFamily="49" charset="0"/>
+                <a:cs typeface="Courier New" panose="02070309020205020404" pitchFamily="49" charset="0"/>
+              </a:rPr>
+              <a:t>// Defines a variable for the search string</a:t>
+            </a:r>
+            <a:br>
+              <a:rPr kumimoji="0" lang="en-US" altLang="en-US" sz="1500" b="0" i="1" u="none" strike="noStrike" cap="none" normalizeH="0" baseline="0">
+                <a:ln>
+                  <a:noFill/>
+                </a:ln>
+                <a:solidFill>
+                  <a:srgbClr val="808080"/>
+                </a:solidFill>
+                <a:effectLst/>
+                <a:latin typeface="Courier New" panose="02070309020205020404" pitchFamily="49" charset="0"/>
+                <a:cs typeface="Courier New" panose="02070309020205020404" pitchFamily="49" charset="0"/>
+              </a:rPr>
+            </a:br>
+            <a:r>
+              <a:rPr kumimoji="0" lang="en-US" altLang="en-US" sz="1500" b="1" i="0" u="none" strike="noStrike" cap="none" normalizeH="0" baseline="0">
+                <a:ln>
+                  <a:noFill/>
+                </a:ln>
+                <a:solidFill>
+                  <a:srgbClr val="000080"/>
+                </a:solidFill>
+                <a:effectLst/>
+                <a:latin typeface="Courier New" panose="02070309020205020404" pitchFamily="49" charset="0"/>
+                <a:cs typeface="Courier New" panose="02070309020205020404" pitchFamily="49" charset="0"/>
+              </a:rPr>
+              <a:t>private </a:t>
+            </a:r>
+            <a:r>
+              <a:rPr kumimoji="0" lang="en-US" altLang="en-US" sz="1500" b="0" i="0" u="none" strike="noStrike" cap="none" normalizeH="0" baseline="0">
+                <a:ln>
+                  <a:noFill/>
+                </a:ln>
+                <a:solidFill>
+                  <a:srgbClr val="000000"/>
+                </a:solidFill>
+                <a:effectLst/>
+                <a:latin typeface="Courier New" panose="02070309020205020404" pitchFamily="49" charset="0"/>
+                <a:cs typeface="Courier New" panose="02070309020205020404" pitchFamily="49" charset="0"/>
+              </a:rPr>
+              <a:t>String </a:t>
+            </a:r>
+            <a:r>
+              <a:rPr kumimoji="0" lang="en-US" altLang="en-US" sz="1500" b="1" i="0" u="none" strike="noStrike" cap="none" normalizeH="0" baseline="0">
+                <a:ln>
+                  <a:noFill/>
+                </a:ln>
+                <a:solidFill>
+                  <a:srgbClr val="660E7A"/>
+                </a:solidFill>
+                <a:effectLst/>
+                <a:latin typeface="Courier New" panose="02070309020205020404" pitchFamily="49" charset="0"/>
+                <a:cs typeface="Courier New" panose="02070309020205020404" pitchFamily="49" charset="0"/>
+              </a:rPr>
+              <a:t>searchString</a:t>
+            </a:r>
+            <a:r>
+              <a:rPr kumimoji="0" lang="en-US" altLang="en-US" sz="1500" b="0" i="0" u="none" strike="noStrike" cap="none" normalizeH="0" baseline="0">
+                <a:ln>
+                  <a:noFill/>
+                </a:ln>
+                <a:solidFill>
+                  <a:srgbClr val="000000"/>
+                </a:solidFill>
+                <a:effectLst/>
+                <a:latin typeface="Courier New" panose="02070309020205020404" pitchFamily="49" charset="0"/>
+                <a:cs typeface="Courier New" panose="02070309020205020404" pitchFamily="49" charset="0"/>
+              </a:rPr>
+              <a:t>;</a:t>
+            </a:r>
+            <a:br>
+              <a:rPr kumimoji="0" lang="en-US" altLang="en-US" sz="1500" b="0" i="0" u="none" strike="noStrike" cap="none" normalizeH="0" baseline="0">
+                <a:ln>
+                  <a:noFill/>
+                </a:ln>
+                <a:solidFill>
+                  <a:srgbClr val="000000"/>
+                </a:solidFill>
+                <a:effectLst/>
+                <a:latin typeface="Courier New" panose="02070309020205020404" pitchFamily="49" charset="0"/>
+                <a:cs typeface="Courier New" panose="02070309020205020404" pitchFamily="49" charset="0"/>
+              </a:rPr>
+            </a:br>
+            <a:r>
+              <a:rPr kumimoji="0" lang="en-US" altLang="en-US" sz="1500" b="0" i="1" u="none" strike="noStrike" cap="none" normalizeH="0" baseline="0">
+                <a:ln>
+                  <a:noFill/>
+                </a:ln>
+                <a:solidFill>
+                  <a:srgbClr val="808080"/>
+                </a:solidFill>
+                <a:effectLst/>
+                <a:latin typeface="Courier New" panose="02070309020205020404" pitchFamily="49" charset="0"/>
+                <a:cs typeface="Courier New" panose="02070309020205020404" pitchFamily="49" charset="0"/>
+              </a:rPr>
+              <a:t>// Defines the array to hold values that replace the ?</a:t>
+            </a:r>
+            <a:br>
+              <a:rPr kumimoji="0" lang="en-US" altLang="en-US" sz="1500" b="0" i="1" u="none" strike="noStrike" cap="none" normalizeH="0" baseline="0">
+                <a:ln>
+                  <a:noFill/>
+                </a:ln>
+                <a:solidFill>
+                  <a:srgbClr val="808080"/>
+                </a:solidFill>
+                <a:effectLst/>
+                <a:latin typeface="Courier New" panose="02070309020205020404" pitchFamily="49" charset="0"/>
+                <a:cs typeface="Courier New" panose="02070309020205020404" pitchFamily="49" charset="0"/>
+              </a:rPr>
+            </a:br>
+            <a:r>
+              <a:rPr kumimoji="0" lang="en-US" altLang="en-US" sz="1500" b="1" i="0" u="none" strike="noStrike" cap="none" normalizeH="0" baseline="0">
+                <a:ln>
+                  <a:noFill/>
+                </a:ln>
+                <a:solidFill>
+                  <a:srgbClr val="000080"/>
+                </a:solidFill>
+                <a:effectLst/>
+                <a:latin typeface="Courier New" panose="02070309020205020404" pitchFamily="49" charset="0"/>
+                <a:cs typeface="Courier New" panose="02070309020205020404" pitchFamily="49" charset="0"/>
+              </a:rPr>
+              <a:t>private </a:t>
+            </a:r>
+            <a:r>
+              <a:rPr kumimoji="0" lang="en-US" altLang="en-US" sz="1500" b="0" i="0" u="none" strike="noStrike" cap="none" normalizeH="0" baseline="0">
+                <a:ln>
+                  <a:noFill/>
+                </a:ln>
+                <a:solidFill>
+                  <a:srgbClr val="000000"/>
+                </a:solidFill>
+                <a:effectLst/>
+                <a:latin typeface="Courier New" panose="02070309020205020404" pitchFamily="49" charset="0"/>
+                <a:cs typeface="Courier New" panose="02070309020205020404" pitchFamily="49" charset="0"/>
+              </a:rPr>
+              <a:t>String[] </a:t>
+            </a:r>
+            <a:r>
+              <a:rPr kumimoji="0" lang="en-US" altLang="en-US" sz="1500" b="1" i="0" u="none" strike="noStrike" cap="none" normalizeH="0" baseline="0">
+                <a:ln>
+                  <a:noFill/>
+                </a:ln>
+                <a:solidFill>
+                  <a:srgbClr val="660E7A"/>
+                </a:solidFill>
+                <a:effectLst/>
+                <a:latin typeface="Courier New" panose="02070309020205020404" pitchFamily="49" charset="0"/>
+                <a:cs typeface="Courier New" panose="02070309020205020404" pitchFamily="49" charset="0"/>
+              </a:rPr>
+              <a:t>selectionArgs </a:t>
+            </a:r>
+            <a:r>
+              <a:rPr kumimoji="0" lang="en-US" altLang="en-US" sz="1500" b="0" i="0" u="none" strike="noStrike" cap="none" normalizeH="0" baseline="0">
+                <a:ln>
+                  <a:noFill/>
+                </a:ln>
+                <a:solidFill>
+                  <a:srgbClr val="000000"/>
+                </a:solidFill>
+                <a:effectLst/>
+                <a:latin typeface="Courier New" panose="02070309020205020404" pitchFamily="49" charset="0"/>
+                <a:cs typeface="Courier New" panose="02070309020205020404" pitchFamily="49" charset="0"/>
+              </a:rPr>
+              <a:t>= { </a:t>
+            </a:r>
+            <a:r>
+              <a:rPr kumimoji="0" lang="en-US" altLang="en-US" sz="1500" b="1" i="0" u="none" strike="noStrike" cap="none" normalizeH="0" baseline="0">
+                <a:ln>
+                  <a:noFill/>
+                </a:ln>
+                <a:solidFill>
+                  <a:srgbClr val="660E7A"/>
+                </a:solidFill>
+                <a:effectLst/>
+                <a:latin typeface="Courier New" panose="02070309020205020404" pitchFamily="49" charset="0"/>
+                <a:cs typeface="Courier New" panose="02070309020205020404" pitchFamily="49" charset="0"/>
+              </a:rPr>
+              <a:t>searchString </a:t>
+            </a:r>
+            <a:r>
+              <a:rPr kumimoji="0" lang="en-US" altLang="en-US" sz="1500" b="0" i="0" u="none" strike="noStrike" cap="none" normalizeH="0" baseline="0">
+                <a:ln>
+                  <a:noFill/>
+                </a:ln>
+                <a:solidFill>
+                  <a:srgbClr val="000000"/>
+                </a:solidFill>
+                <a:effectLst/>
+                <a:latin typeface="Courier New" panose="02070309020205020404" pitchFamily="49" charset="0"/>
+                <a:cs typeface="Courier New" panose="02070309020205020404" pitchFamily="49" charset="0"/>
+              </a:rPr>
+              <a:t>};</a:t>
+            </a:r>
+            <a:endParaRPr kumimoji="0" lang="en-US" altLang="en-US" sz="1500" b="0" i="0" u="none" strike="noStrike" cap="none" normalizeH="0" baseline="0">
+              <a:ln>
+                <a:noFill/>
+              </a:ln>
+              <a:solidFill>
+                <a:schemeClr val="tx1"/>
+              </a:solidFill>
+              <a:effectLst/>
+              <a:latin typeface="Arial" panose="020B0604020202020204" pitchFamily="34" charset="0"/>
+            </a:endParaRPr>
+          </a:p>
+        </p:txBody>
+      </p:sp>
+    </p:spTree>
+    <p:extLst>
+      <p:ext uri="{BB962C8B-B14F-4D97-AF65-F5344CB8AC3E}">
+        <p14:creationId xmlns:p14="http://schemas.microsoft.com/office/powerpoint/2010/main" val="1411258200"/>
+      </p:ext>
+    </p:extLst>
+  </p:cSld>
+  <p:clrMapOvr>
+    <a:masterClrMapping/>
+  </p:clrMapOvr>
+</p:sld>
+</file>
+
+<file path=ppt/slides/slide38.xml><?xml version="1.0" encoding="utf-8"?>
+<p:sld xmlns:a="http://schemas.openxmlformats.org/drawingml/2006/main" xmlns:r="http://schemas.openxmlformats.org/officeDocument/2006/relationships" xmlns:p="http://schemas.openxmlformats.org/presentationml/2006/main">
+  <p:cSld>
+    <p:spTree>
+      <p:nvGrpSpPr>
+        <p:cNvPr id="1" name=""/>
+        <p:cNvGrpSpPr/>
+        <p:nvPr/>
+      </p:nvGrpSpPr>
+      <p:grpSpPr>
+        <a:xfrm>
+          <a:off x="0" y="0"/>
+          <a:ext cx="0" cy="0"/>
+          <a:chOff x="0" y="0"/>
+          <a:chExt cx="0" cy="0"/>
+        </a:xfrm>
+      </p:grpSpPr>
+      <p:sp>
+        <p:nvSpPr>
+          <p:cNvPr id="2" name="Title 1">
+            <a:extLst>
+              <a:ext uri="{FF2B5EF4-FFF2-40B4-BE49-F238E27FC236}">
+                <a16:creationId xmlns:a16="http://schemas.microsoft.com/office/drawing/2014/main" id="{C8A0B070-A7DB-4CF6-97A7-15AA2FEF5A2D}"/>
+              </a:ext>
+            </a:extLst>
+          </p:cNvPr>
+          <p:cNvSpPr>
+            <a:spLocks noGrp="1"/>
+          </p:cNvSpPr>
+          <p:nvPr>
+            <p:ph type="title"/>
+          </p:nvPr>
+        </p:nvSpPr>
+        <p:spPr>
+          <a:xfrm>
+            <a:off x="0" y="18256"/>
+            <a:ext cx="10515600" cy="732516"/>
+          </a:xfrm>
+        </p:spPr>
+        <p:txBody>
+          <a:bodyPr/>
+          <a:lstStyle/>
+          <a:p>
+            <a:r>
+              <a:rPr lang="en-US" dirty="0"/>
+              <a:t>Implement </a:t>
+            </a:r>
+            <a:r>
+              <a:rPr lang="en-US" dirty="0" err="1"/>
+              <a:t>onCreateLoader</a:t>
+            </a:r>
+            <a:r>
+              <a:rPr lang="en-US" dirty="0"/>
+              <a:t>()</a:t>
+            </a:r>
+          </a:p>
+        </p:txBody>
+      </p:sp>
+      <p:sp>
+        <p:nvSpPr>
+          <p:cNvPr id="3" name="Content Placeholder 2">
+            <a:extLst>
+              <a:ext uri="{FF2B5EF4-FFF2-40B4-BE49-F238E27FC236}">
+                <a16:creationId xmlns:a16="http://schemas.microsoft.com/office/drawing/2014/main" id="{D5C65E4A-A8AA-485C-A84F-4800809AC51A}"/>
+              </a:ext>
+            </a:extLst>
+          </p:cNvPr>
+          <p:cNvSpPr>
+            <a:spLocks noGrp="1"/>
+          </p:cNvSpPr>
+          <p:nvPr>
+            <p:ph idx="1"/>
+          </p:nvPr>
+        </p:nvSpPr>
+        <p:spPr>
+          <a:xfrm>
+            <a:off x="0" y="750772"/>
+            <a:ext cx="12192000" cy="5688529"/>
+          </a:xfrm>
+        </p:spPr>
+        <p:txBody>
+          <a:bodyPr/>
+          <a:lstStyle/>
+          <a:p>
+            <a:r>
+              <a:rPr lang="en-US" dirty="0"/>
+              <a:t>In </a:t>
+            </a:r>
+            <a:r>
+              <a:rPr lang="en-US" dirty="0" err="1"/>
+              <a:t>onCreateLoader</a:t>
+            </a:r>
+            <a:r>
+              <a:rPr lang="en-US" dirty="0"/>
+              <a:t>(), set up the search string pattern</a:t>
+            </a:r>
+          </a:p>
+          <a:p>
+            <a:r>
+              <a:rPr lang="en-US" dirty="0"/>
+              <a:t>To make a string into a pattern, insert “%” characters to represent a sequence of zero or more characters, or “_” to represent a single character</a:t>
+            </a:r>
+          </a:p>
+          <a:p>
+            <a:r>
+              <a:rPr lang="en-US" dirty="0"/>
+              <a:t>Example: %Jefferson% would match both “Thomas Jefferson”, “Jefferson Davis”</a:t>
+            </a:r>
+          </a:p>
+          <a:p>
+            <a:endParaRPr lang="en-US" dirty="0"/>
+          </a:p>
+          <a:p>
+            <a:endParaRPr lang="en-US" dirty="0"/>
+          </a:p>
+          <a:p>
+            <a:endParaRPr lang="en-US" dirty="0"/>
+          </a:p>
+          <a:p>
+            <a:endParaRPr lang="en-US" dirty="0"/>
+          </a:p>
+          <a:p>
+            <a:endParaRPr lang="en-US" dirty="0"/>
+          </a:p>
+          <a:p>
+            <a:endParaRPr lang="en-US" dirty="0"/>
+          </a:p>
+          <a:p>
+            <a:endParaRPr lang="en-US" dirty="0"/>
+          </a:p>
+          <a:p>
+            <a:endParaRPr lang="en-US" dirty="0"/>
+          </a:p>
+          <a:p>
+            <a:endParaRPr lang="en-US" dirty="0"/>
+          </a:p>
+        </p:txBody>
+      </p:sp>
+      <p:sp>
+        <p:nvSpPr>
+          <p:cNvPr id="4" name="TextBox 3">
+            <a:extLst>
+              <a:ext uri="{FF2B5EF4-FFF2-40B4-BE49-F238E27FC236}">
+                <a16:creationId xmlns:a16="http://schemas.microsoft.com/office/drawing/2014/main" id="{485A1586-8E44-4D0E-8C95-2290C3E0E248}"/>
+              </a:ext>
+            </a:extLst>
+          </p:cNvPr>
+          <p:cNvSpPr txBox="1"/>
+          <p:nvPr/>
+        </p:nvSpPr>
+        <p:spPr>
+          <a:xfrm>
+            <a:off x="0" y="6439301"/>
+            <a:ext cx="7575082" cy="369332"/>
+          </a:xfrm>
+          <a:prstGeom prst="rect">
+            <a:avLst/>
+          </a:prstGeom>
+          <a:noFill/>
+        </p:spPr>
+        <p:txBody>
+          <a:bodyPr wrap="square" rtlCol="0">
+            <a:spAutoFit/>
+          </a:bodyPr>
+          <a:lstStyle/>
+          <a:p>
+            <a:r>
+              <a:rPr lang="en-US" dirty="0">
+                <a:hlinkClick r:id="rId2"/>
+              </a:rPr>
+              <a:t>https://developer.android.com/training/contacts-provider/retrieve-names</a:t>
+            </a:r>
+            <a:endParaRPr lang="en-US" dirty="0"/>
+          </a:p>
+        </p:txBody>
+      </p:sp>
+      <p:sp>
+        <p:nvSpPr>
+          <p:cNvPr id="5" name="Rectangle 1">
+            <a:extLst>
+              <a:ext uri="{FF2B5EF4-FFF2-40B4-BE49-F238E27FC236}">
+                <a16:creationId xmlns:a16="http://schemas.microsoft.com/office/drawing/2014/main" id="{891069F4-AFD2-4DB0-AEBC-6F2C77BCD1A4}"/>
+              </a:ext>
+            </a:extLst>
+          </p:cNvPr>
+          <p:cNvSpPr>
+            <a:spLocks noChangeArrowheads="1"/>
+          </p:cNvSpPr>
+          <p:nvPr/>
+        </p:nvSpPr>
+        <p:spPr bwMode="auto">
+          <a:xfrm>
+            <a:off x="1819176" y="2613964"/>
+            <a:ext cx="6644768" cy="3493264"/>
+          </a:xfrm>
+          <a:prstGeom prst="rect">
+            <a:avLst/>
+          </a:prstGeom>
+          <a:solidFill>
+            <a:srgbClr val="FFFFFF"/>
+          </a:solidFill>
+          <a:ln>
+            <a:noFill/>
+          </a:ln>
+          <a:effectLst/>
+          <a:extLst>
+            <a:ext uri="{91240B29-F687-4F45-9708-019B960494DF}">
+              <a14:hiddenLine xmlns:a14="http://schemas.microsoft.com/office/drawing/2010/main" w="9525">
+                <a:solidFill>
+                  <a:schemeClr val="tx1"/>
+                </a:solidFill>
+                <a:miter lim="800000"/>
+                <a:headEnd/>
+                <a:tailEnd/>
+              </a14:hiddenLine>
+            </a:ext>
+            <a:ext uri="{AF507438-7753-43E0-B8FC-AC1667EBCBE1}">
+              <a14:hiddenEffects xmlns:a14="http://schemas.microsoft.com/office/drawing/2010/main">
+                <a:effectLst>
+                  <a:outerShdw dist="35921" dir="2700000" algn="ctr" rotWithShape="0">
+                    <a:schemeClr val="bg2"/>
+                  </a:outerShdw>
+                </a:effectLst>
+              </a14:hiddenEffects>
+            </a:ext>
+          </a:extLst>
+        </p:spPr>
+        <p:txBody>
+          <a:bodyPr vert="horz" wrap="none" lIns="91440" tIns="45720" rIns="91440" bIns="45720" numCol="1" anchor="ctr" anchorCtr="0" compatLnSpc="1">
+            <a:prstTxWarp prst="textNoShape">
+              <a:avLst/>
+            </a:prstTxWarp>
+            <a:spAutoFit/>
+          </a:bodyPr>
+          <a:lstStyle/>
+          <a:p>
+            <a:pPr marL="0" marR="0" lvl="0" indent="0" algn="l" defTabSz="914400" rtl="0" eaLnBrk="0" fontAlgn="base" latinLnBrk="0" hangingPunct="0">
+              <a:lnSpc>
+                <a:spcPct val="100000"/>
+              </a:lnSpc>
+              <a:spcBef>
+                <a:spcPct val="0"/>
+              </a:spcBef>
+              <a:spcAft>
+                <a:spcPct val="0"/>
+              </a:spcAft>
+              <a:buClrTx/>
+              <a:buSzTx/>
+              <a:buFontTx/>
+              <a:buNone/>
+              <a:tabLst/>
+            </a:pPr>
+            <a:r>
+              <a:rPr kumimoji="0" lang="en-US" altLang="en-US" sz="1300" b="0" i="0" u="none" strike="noStrike" cap="none" normalizeH="0" baseline="0" dirty="0">
+                <a:ln>
+                  <a:noFill/>
+                </a:ln>
+                <a:solidFill>
+                  <a:srgbClr val="808000"/>
+                </a:solidFill>
+                <a:effectLst/>
+                <a:latin typeface="Courier New" panose="02070309020205020404" pitchFamily="49" charset="0"/>
+                <a:cs typeface="Courier New" panose="02070309020205020404" pitchFamily="49" charset="0"/>
+              </a:rPr>
+              <a:t>@Override</a:t>
+            </a:r>
+            <a:br>
+              <a:rPr kumimoji="0" lang="en-US" altLang="en-US" sz="1300" b="0" i="0" u="none" strike="noStrike" cap="none" normalizeH="0" baseline="0" dirty="0">
+                <a:ln>
+                  <a:noFill/>
+                </a:ln>
+                <a:solidFill>
+                  <a:srgbClr val="808000"/>
+                </a:solidFill>
+                <a:effectLst/>
+                <a:latin typeface="Courier New" panose="02070309020205020404" pitchFamily="49" charset="0"/>
+                <a:cs typeface="Courier New" panose="02070309020205020404" pitchFamily="49" charset="0"/>
+              </a:rPr>
+            </a:br>
+            <a:r>
+              <a:rPr kumimoji="0" lang="en-US" altLang="en-US" sz="1300" b="1" i="0" u="none" strike="noStrike" cap="none" normalizeH="0" baseline="0" dirty="0">
+                <a:ln>
+                  <a:noFill/>
+                </a:ln>
+                <a:solidFill>
+                  <a:srgbClr val="000080"/>
+                </a:solidFill>
+                <a:effectLst/>
+                <a:latin typeface="Courier New" panose="02070309020205020404" pitchFamily="49" charset="0"/>
+                <a:cs typeface="Courier New" panose="02070309020205020404" pitchFamily="49" charset="0"/>
+              </a:rPr>
+              <a:t>public </a:t>
+            </a:r>
+            <a:r>
+              <a:rPr kumimoji="0" lang="en-US" altLang="en-US" sz="1300" b="0" i="0" u="none" strike="noStrike" cap="none" normalizeH="0" baseline="0" dirty="0">
+                <a:ln>
+                  <a:noFill/>
+                </a:ln>
+                <a:solidFill>
+                  <a:srgbClr val="000000"/>
+                </a:solidFill>
+                <a:effectLst/>
+                <a:latin typeface="Courier New" panose="02070309020205020404" pitchFamily="49" charset="0"/>
+                <a:cs typeface="Courier New" panose="02070309020205020404" pitchFamily="49" charset="0"/>
+              </a:rPr>
+              <a:t>Loader&lt;Cursor&gt; </a:t>
+            </a:r>
+            <a:r>
+              <a:rPr kumimoji="0" lang="en-US" altLang="en-US" sz="1300" b="0" i="0" u="none" strike="noStrike" cap="none" normalizeH="0" baseline="0" dirty="0" err="1">
+                <a:ln>
+                  <a:noFill/>
+                </a:ln>
+                <a:solidFill>
+                  <a:srgbClr val="000000"/>
+                </a:solidFill>
+                <a:effectLst/>
+                <a:latin typeface="Courier New" panose="02070309020205020404" pitchFamily="49" charset="0"/>
+                <a:cs typeface="Courier New" panose="02070309020205020404" pitchFamily="49" charset="0"/>
+              </a:rPr>
+              <a:t>onCreateLoader</a:t>
+            </a:r>
+            <a:r>
+              <a:rPr kumimoji="0" lang="en-US" altLang="en-US" sz="1300" b="0" i="0" u="none" strike="noStrike" cap="none" normalizeH="0" baseline="0" dirty="0">
+                <a:ln>
+                  <a:noFill/>
+                </a:ln>
+                <a:solidFill>
+                  <a:srgbClr val="000000"/>
+                </a:solidFill>
+                <a:effectLst/>
+                <a:latin typeface="Courier New" panose="02070309020205020404" pitchFamily="49" charset="0"/>
+                <a:cs typeface="Courier New" panose="02070309020205020404" pitchFamily="49" charset="0"/>
+              </a:rPr>
+              <a:t>(</a:t>
+            </a:r>
+            <a:r>
+              <a:rPr kumimoji="0" lang="en-US" altLang="en-US" sz="1300" b="1" i="0" u="none" strike="noStrike" cap="none" normalizeH="0" baseline="0" dirty="0">
+                <a:ln>
+                  <a:noFill/>
+                </a:ln>
+                <a:solidFill>
+                  <a:srgbClr val="000080"/>
+                </a:solidFill>
+                <a:effectLst/>
+                <a:latin typeface="Courier New" panose="02070309020205020404" pitchFamily="49" charset="0"/>
+                <a:cs typeface="Courier New" panose="02070309020205020404" pitchFamily="49" charset="0"/>
+              </a:rPr>
+              <a:t>int </a:t>
+            </a:r>
+            <a:r>
+              <a:rPr kumimoji="0" lang="en-US" altLang="en-US" sz="1300" b="0" i="0" u="none" strike="noStrike" cap="none" normalizeH="0" baseline="0" dirty="0" err="1">
+                <a:ln>
+                  <a:noFill/>
+                </a:ln>
+                <a:solidFill>
+                  <a:srgbClr val="000000"/>
+                </a:solidFill>
+                <a:effectLst/>
+                <a:latin typeface="Courier New" panose="02070309020205020404" pitchFamily="49" charset="0"/>
+                <a:cs typeface="Courier New" panose="02070309020205020404" pitchFamily="49" charset="0"/>
+              </a:rPr>
+              <a:t>loaderId</a:t>
+            </a:r>
+            <a:r>
+              <a:rPr kumimoji="0" lang="en-US" altLang="en-US" sz="1300" b="0" i="0" u="none" strike="noStrike" cap="none" normalizeH="0" baseline="0" dirty="0">
+                <a:ln>
+                  <a:noFill/>
+                </a:ln>
+                <a:solidFill>
+                  <a:srgbClr val="000000"/>
+                </a:solidFill>
+                <a:effectLst/>
+                <a:latin typeface="Courier New" panose="02070309020205020404" pitchFamily="49" charset="0"/>
+                <a:cs typeface="Courier New" panose="02070309020205020404" pitchFamily="49" charset="0"/>
+              </a:rPr>
+              <a:t>, Bundle </a:t>
+            </a:r>
+            <a:r>
+              <a:rPr kumimoji="0" lang="en-US" altLang="en-US" sz="1300" b="0" i="0" u="none" strike="noStrike" cap="none" normalizeH="0" baseline="0" dirty="0" err="1">
+                <a:ln>
+                  <a:noFill/>
+                </a:ln>
+                <a:solidFill>
+                  <a:srgbClr val="000000"/>
+                </a:solidFill>
+                <a:effectLst/>
+                <a:latin typeface="Courier New" panose="02070309020205020404" pitchFamily="49" charset="0"/>
+                <a:cs typeface="Courier New" panose="02070309020205020404" pitchFamily="49" charset="0"/>
+              </a:rPr>
+              <a:t>args</a:t>
+            </a:r>
+            <a:r>
+              <a:rPr kumimoji="0" lang="en-US" altLang="en-US" sz="1300" b="0" i="0" u="none" strike="noStrike" cap="none" normalizeH="0" baseline="0" dirty="0">
+                <a:ln>
+                  <a:noFill/>
+                </a:ln>
+                <a:solidFill>
+                  <a:srgbClr val="000000"/>
+                </a:solidFill>
+                <a:effectLst/>
+                <a:latin typeface="Courier New" panose="02070309020205020404" pitchFamily="49" charset="0"/>
+                <a:cs typeface="Courier New" panose="02070309020205020404" pitchFamily="49" charset="0"/>
+              </a:rPr>
+              <a:t>) {</a:t>
+            </a:r>
+            <a:br>
+              <a:rPr kumimoji="0" lang="en-US" altLang="en-US" sz="1300" b="0" i="0" u="none" strike="noStrike" cap="none" normalizeH="0" baseline="0" dirty="0">
+                <a:ln>
+                  <a:noFill/>
+                </a:ln>
+                <a:solidFill>
+                  <a:srgbClr val="000000"/>
+                </a:solidFill>
+                <a:effectLst/>
+                <a:latin typeface="Courier New" panose="02070309020205020404" pitchFamily="49" charset="0"/>
+                <a:cs typeface="Courier New" panose="02070309020205020404" pitchFamily="49" charset="0"/>
+              </a:rPr>
+            </a:br>
+            <a:r>
+              <a:rPr kumimoji="0" lang="en-US" altLang="en-US" sz="1300" b="0" i="0" u="none" strike="noStrike" cap="none" normalizeH="0" baseline="0" dirty="0">
+                <a:ln>
+                  <a:noFill/>
+                </a:ln>
+                <a:solidFill>
+                  <a:srgbClr val="000000"/>
+                </a:solidFill>
+                <a:effectLst/>
+                <a:latin typeface="Courier New" panose="02070309020205020404" pitchFamily="49" charset="0"/>
+                <a:cs typeface="Courier New" panose="02070309020205020404" pitchFamily="49" charset="0"/>
+              </a:rPr>
+              <a:t>    </a:t>
+            </a:r>
+            <a:r>
+              <a:rPr kumimoji="0" lang="en-US" altLang="en-US" sz="1300" b="0" i="1" u="none" strike="noStrike" cap="none" normalizeH="0" baseline="0" dirty="0">
+                <a:ln>
+                  <a:noFill/>
+                </a:ln>
+                <a:solidFill>
+                  <a:srgbClr val="808080"/>
+                </a:solidFill>
+                <a:effectLst/>
+                <a:latin typeface="Courier New" panose="02070309020205020404" pitchFamily="49" charset="0"/>
+                <a:cs typeface="Courier New" panose="02070309020205020404" pitchFamily="49" charset="0"/>
+              </a:rPr>
+              <a:t>/*</a:t>
+            </a:r>
+            <a:br>
+              <a:rPr kumimoji="0" lang="en-US" altLang="en-US" sz="1300" b="0" i="1" u="none" strike="noStrike" cap="none" normalizeH="0" baseline="0" dirty="0">
+                <a:ln>
+                  <a:noFill/>
+                </a:ln>
+                <a:solidFill>
+                  <a:srgbClr val="808080"/>
+                </a:solidFill>
+                <a:effectLst/>
+                <a:latin typeface="Courier New" panose="02070309020205020404" pitchFamily="49" charset="0"/>
+                <a:cs typeface="Courier New" panose="02070309020205020404" pitchFamily="49" charset="0"/>
+              </a:rPr>
+            </a:br>
+            <a:r>
+              <a:rPr kumimoji="0" lang="en-US" altLang="en-US" sz="1300" b="0" i="1" u="none" strike="noStrike" cap="none" normalizeH="0" baseline="0" dirty="0">
+                <a:ln>
+                  <a:noFill/>
+                </a:ln>
+                <a:solidFill>
+                  <a:srgbClr val="808080"/>
+                </a:solidFill>
+                <a:effectLst/>
+                <a:latin typeface="Courier New" panose="02070309020205020404" pitchFamily="49" charset="0"/>
+                <a:cs typeface="Courier New" panose="02070309020205020404" pitchFamily="49" charset="0"/>
+              </a:rPr>
+              <a:t>     * Makes search string into pattern and</a:t>
+            </a:r>
+            <a:br>
+              <a:rPr kumimoji="0" lang="en-US" altLang="en-US" sz="1300" b="0" i="1" u="none" strike="noStrike" cap="none" normalizeH="0" baseline="0" dirty="0">
+                <a:ln>
+                  <a:noFill/>
+                </a:ln>
+                <a:solidFill>
+                  <a:srgbClr val="808080"/>
+                </a:solidFill>
+                <a:effectLst/>
+                <a:latin typeface="Courier New" panose="02070309020205020404" pitchFamily="49" charset="0"/>
+                <a:cs typeface="Courier New" panose="02070309020205020404" pitchFamily="49" charset="0"/>
+              </a:rPr>
+            </a:br>
+            <a:r>
+              <a:rPr kumimoji="0" lang="en-US" altLang="en-US" sz="1300" b="0" i="1" u="none" strike="noStrike" cap="none" normalizeH="0" baseline="0" dirty="0">
+                <a:ln>
+                  <a:noFill/>
+                </a:ln>
+                <a:solidFill>
+                  <a:srgbClr val="808080"/>
+                </a:solidFill>
+                <a:effectLst/>
+                <a:latin typeface="Courier New" panose="02070309020205020404" pitchFamily="49" charset="0"/>
+                <a:cs typeface="Courier New" panose="02070309020205020404" pitchFamily="49" charset="0"/>
+              </a:rPr>
+              <a:t>     * stores it in the selection array</a:t>
+            </a:r>
+            <a:br>
+              <a:rPr kumimoji="0" lang="en-US" altLang="en-US" sz="1300" b="0" i="1" u="none" strike="noStrike" cap="none" normalizeH="0" baseline="0" dirty="0">
+                <a:ln>
+                  <a:noFill/>
+                </a:ln>
+                <a:solidFill>
+                  <a:srgbClr val="808080"/>
+                </a:solidFill>
+                <a:effectLst/>
+                <a:latin typeface="Courier New" panose="02070309020205020404" pitchFamily="49" charset="0"/>
+                <a:cs typeface="Courier New" panose="02070309020205020404" pitchFamily="49" charset="0"/>
+              </a:rPr>
+            </a:br>
+            <a:r>
+              <a:rPr kumimoji="0" lang="en-US" altLang="en-US" sz="1300" b="0" i="1" u="none" strike="noStrike" cap="none" normalizeH="0" baseline="0" dirty="0">
+                <a:ln>
+                  <a:noFill/>
+                </a:ln>
+                <a:solidFill>
+                  <a:srgbClr val="808080"/>
+                </a:solidFill>
+                <a:effectLst/>
+                <a:latin typeface="Courier New" panose="02070309020205020404" pitchFamily="49" charset="0"/>
+                <a:cs typeface="Courier New" panose="02070309020205020404" pitchFamily="49" charset="0"/>
+              </a:rPr>
+              <a:t>     */</a:t>
+            </a:r>
+            <a:br>
+              <a:rPr kumimoji="0" lang="en-US" altLang="en-US" sz="1300" b="0" i="1" u="none" strike="noStrike" cap="none" normalizeH="0" baseline="0" dirty="0">
+                <a:ln>
+                  <a:noFill/>
+                </a:ln>
+                <a:solidFill>
+                  <a:srgbClr val="808080"/>
+                </a:solidFill>
+                <a:effectLst/>
+                <a:latin typeface="Courier New" panose="02070309020205020404" pitchFamily="49" charset="0"/>
+                <a:cs typeface="Courier New" panose="02070309020205020404" pitchFamily="49" charset="0"/>
+              </a:rPr>
+            </a:br>
+            <a:r>
+              <a:rPr kumimoji="0" lang="en-US" altLang="en-US" sz="1300" b="0" i="1" u="none" strike="noStrike" cap="none" normalizeH="0" baseline="0" dirty="0">
+                <a:ln>
+                  <a:noFill/>
+                </a:ln>
+                <a:solidFill>
+                  <a:srgbClr val="808080"/>
+                </a:solidFill>
+                <a:effectLst/>
+                <a:latin typeface="Courier New" panose="02070309020205020404" pitchFamily="49" charset="0"/>
+                <a:cs typeface="Courier New" panose="02070309020205020404" pitchFamily="49" charset="0"/>
+              </a:rPr>
+              <a:t>    </a:t>
+            </a:r>
+            <a:r>
+              <a:rPr kumimoji="0" lang="en-US" altLang="en-US" sz="1300" b="0" i="0" u="none" strike="noStrike" cap="none" normalizeH="0" baseline="0" dirty="0" err="1">
+                <a:ln>
+                  <a:noFill/>
+                </a:ln>
+                <a:solidFill>
+                  <a:srgbClr val="000000"/>
+                </a:solidFill>
+                <a:effectLst/>
+                <a:latin typeface="Courier New" panose="02070309020205020404" pitchFamily="49" charset="0"/>
+                <a:cs typeface="Courier New" panose="02070309020205020404" pitchFamily="49" charset="0"/>
+              </a:rPr>
+              <a:t>selectionArgs</a:t>
+            </a:r>
+            <a:r>
+              <a:rPr kumimoji="0" lang="en-US" altLang="en-US" sz="1300" b="0" i="0" u="none" strike="noStrike" cap="none" normalizeH="0" baseline="0" dirty="0">
+                <a:ln>
+                  <a:noFill/>
+                </a:ln>
+                <a:solidFill>
+                  <a:srgbClr val="000000"/>
+                </a:solidFill>
+                <a:effectLst/>
+                <a:latin typeface="Courier New" panose="02070309020205020404" pitchFamily="49" charset="0"/>
+                <a:cs typeface="Courier New" panose="02070309020205020404" pitchFamily="49" charset="0"/>
+              </a:rPr>
+              <a:t>[</a:t>
+            </a:r>
+            <a:r>
+              <a:rPr kumimoji="0" lang="en-US" altLang="en-US" sz="1300" b="0" i="0" u="none" strike="noStrike" cap="none" normalizeH="0" baseline="0" dirty="0">
+                <a:ln>
+                  <a:noFill/>
+                </a:ln>
+                <a:solidFill>
+                  <a:srgbClr val="0000FF"/>
+                </a:solidFill>
+                <a:effectLst/>
+                <a:latin typeface="Courier New" panose="02070309020205020404" pitchFamily="49" charset="0"/>
+                <a:cs typeface="Courier New" panose="02070309020205020404" pitchFamily="49" charset="0"/>
+              </a:rPr>
+              <a:t>0</a:t>
+            </a:r>
+            <a:r>
+              <a:rPr kumimoji="0" lang="en-US" altLang="en-US" sz="1300" b="0" i="0" u="none" strike="noStrike" cap="none" normalizeH="0" baseline="0" dirty="0">
+                <a:ln>
+                  <a:noFill/>
+                </a:ln>
+                <a:solidFill>
+                  <a:srgbClr val="000000"/>
+                </a:solidFill>
+                <a:effectLst/>
+                <a:latin typeface="Courier New" panose="02070309020205020404" pitchFamily="49" charset="0"/>
+                <a:cs typeface="Courier New" panose="02070309020205020404" pitchFamily="49" charset="0"/>
+              </a:rPr>
+              <a:t>] = </a:t>
+            </a:r>
+            <a:r>
+              <a:rPr kumimoji="0" lang="en-US" altLang="en-US" sz="1300" b="1" i="0" u="none" strike="noStrike" cap="none" normalizeH="0" baseline="0" dirty="0">
+                <a:ln>
+                  <a:noFill/>
+                </a:ln>
+                <a:solidFill>
+                  <a:srgbClr val="008000"/>
+                </a:solidFill>
+                <a:effectLst/>
+                <a:latin typeface="Courier New" panose="02070309020205020404" pitchFamily="49" charset="0"/>
+                <a:cs typeface="Courier New" panose="02070309020205020404" pitchFamily="49" charset="0"/>
+              </a:rPr>
+              <a:t>"%" </a:t>
+            </a:r>
+            <a:r>
+              <a:rPr kumimoji="0" lang="en-US" altLang="en-US" sz="1300" b="0" i="0" u="none" strike="noStrike" cap="none" normalizeH="0" baseline="0" dirty="0">
+                <a:ln>
+                  <a:noFill/>
+                </a:ln>
+                <a:solidFill>
+                  <a:srgbClr val="000000"/>
+                </a:solidFill>
+                <a:effectLst/>
+                <a:latin typeface="Courier New" panose="02070309020205020404" pitchFamily="49" charset="0"/>
+                <a:cs typeface="Courier New" panose="02070309020205020404" pitchFamily="49" charset="0"/>
+              </a:rPr>
+              <a:t>+ </a:t>
+            </a:r>
+            <a:r>
+              <a:rPr kumimoji="0" lang="en-US" altLang="en-US" sz="1300" b="0" i="0" u="none" strike="noStrike" cap="none" normalizeH="0" baseline="0" dirty="0" err="1">
+                <a:ln>
+                  <a:noFill/>
+                </a:ln>
+                <a:solidFill>
+                  <a:srgbClr val="000000"/>
+                </a:solidFill>
+                <a:effectLst/>
+                <a:latin typeface="Courier New" panose="02070309020205020404" pitchFamily="49" charset="0"/>
+                <a:cs typeface="Courier New" panose="02070309020205020404" pitchFamily="49" charset="0"/>
+              </a:rPr>
+              <a:t>searchString</a:t>
+            </a:r>
+            <a:r>
+              <a:rPr kumimoji="0" lang="en-US" altLang="en-US" sz="1300" b="0" i="0" u="none" strike="noStrike" cap="none" normalizeH="0" baseline="0" dirty="0">
+                <a:ln>
+                  <a:noFill/>
+                </a:ln>
+                <a:solidFill>
+                  <a:srgbClr val="000000"/>
+                </a:solidFill>
+                <a:effectLst/>
+                <a:latin typeface="Courier New" panose="02070309020205020404" pitchFamily="49" charset="0"/>
+                <a:cs typeface="Courier New" panose="02070309020205020404" pitchFamily="49" charset="0"/>
+              </a:rPr>
+              <a:t> + </a:t>
+            </a:r>
+            <a:r>
+              <a:rPr kumimoji="0" lang="en-US" altLang="en-US" sz="1300" b="1" i="0" u="none" strike="noStrike" cap="none" normalizeH="0" baseline="0" dirty="0">
+                <a:ln>
+                  <a:noFill/>
+                </a:ln>
+                <a:solidFill>
+                  <a:srgbClr val="008000"/>
+                </a:solidFill>
+                <a:effectLst/>
+                <a:latin typeface="Courier New" panose="02070309020205020404" pitchFamily="49" charset="0"/>
+                <a:cs typeface="Courier New" panose="02070309020205020404" pitchFamily="49" charset="0"/>
+              </a:rPr>
+              <a:t>"%"</a:t>
+            </a:r>
+            <a:r>
+              <a:rPr kumimoji="0" lang="en-US" altLang="en-US" sz="1300" b="0" i="0" u="none" strike="noStrike" cap="none" normalizeH="0" baseline="0" dirty="0">
+                <a:ln>
+                  <a:noFill/>
+                </a:ln>
+                <a:solidFill>
+                  <a:srgbClr val="000000"/>
+                </a:solidFill>
+                <a:effectLst/>
+                <a:latin typeface="Courier New" panose="02070309020205020404" pitchFamily="49" charset="0"/>
+                <a:cs typeface="Courier New" panose="02070309020205020404" pitchFamily="49" charset="0"/>
+              </a:rPr>
+              <a:t>;</a:t>
+            </a:r>
+            <a:br>
+              <a:rPr kumimoji="0" lang="en-US" altLang="en-US" sz="1300" b="0" i="0" u="none" strike="noStrike" cap="none" normalizeH="0" baseline="0" dirty="0">
+                <a:ln>
+                  <a:noFill/>
+                </a:ln>
+                <a:solidFill>
+                  <a:srgbClr val="000000"/>
+                </a:solidFill>
+                <a:effectLst/>
+                <a:latin typeface="Courier New" panose="02070309020205020404" pitchFamily="49" charset="0"/>
+                <a:cs typeface="Courier New" panose="02070309020205020404" pitchFamily="49" charset="0"/>
+              </a:rPr>
+            </a:br>
+            <a:r>
+              <a:rPr kumimoji="0" lang="en-US" altLang="en-US" sz="1300" b="0" i="0" u="none" strike="noStrike" cap="none" normalizeH="0" baseline="0" dirty="0">
+                <a:ln>
+                  <a:noFill/>
+                </a:ln>
+                <a:solidFill>
+                  <a:srgbClr val="000000"/>
+                </a:solidFill>
+                <a:effectLst/>
+                <a:latin typeface="Courier New" panose="02070309020205020404" pitchFamily="49" charset="0"/>
+                <a:cs typeface="Courier New" panose="02070309020205020404" pitchFamily="49" charset="0"/>
+              </a:rPr>
+              <a:t>    </a:t>
+            </a:r>
+            <a:r>
+              <a:rPr kumimoji="0" lang="en-US" altLang="en-US" sz="1300" b="0" i="1" u="none" strike="noStrike" cap="none" normalizeH="0" baseline="0" dirty="0">
+                <a:ln>
+                  <a:noFill/>
+                </a:ln>
+                <a:solidFill>
+                  <a:srgbClr val="808080"/>
+                </a:solidFill>
+                <a:effectLst/>
+                <a:latin typeface="Courier New" panose="02070309020205020404" pitchFamily="49" charset="0"/>
+                <a:cs typeface="Courier New" panose="02070309020205020404" pitchFamily="49" charset="0"/>
+              </a:rPr>
+              <a:t>// Starts the query</a:t>
+            </a:r>
+            <a:br>
+              <a:rPr kumimoji="0" lang="en-US" altLang="en-US" sz="1300" b="0" i="1" u="none" strike="noStrike" cap="none" normalizeH="0" baseline="0" dirty="0">
+                <a:ln>
+                  <a:noFill/>
+                </a:ln>
+                <a:solidFill>
+                  <a:srgbClr val="808080"/>
+                </a:solidFill>
+                <a:effectLst/>
+                <a:latin typeface="Courier New" panose="02070309020205020404" pitchFamily="49" charset="0"/>
+                <a:cs typeface="Courier New" panose="02070309020205020404" pitchFamily="49" charset="0"/>
+              </a:rPr>
+            </a:br>
+            <a:r>
+              <a:rPr kumimoji="0" lang="en-US" altLang="en-US" sz="1300" b="0" i="1" u="none" strike="noStrike" cap="none" normalizeH="0" baseline="0" dirty="0">
+                <a:ln>
+                  <a:noFill/>
+                </a:ln>
+                <a:solidFill>
+                  <a:srgbClr val="808080"/>
+                </a:solidFill>
+                <a:effectLst/>
+                <a:latin typeface="Courier New" panose="02070309020205020404" pitchFamily="49" charset="0"/>
+                <a:cs typeface="Courier New" panose="02070309020205020404" pitchFamily="49" charset="0"/>
+              </a:rPr>
+              <a:t>    </a:t>
+            </a:r>
+            <a:r>
+              <a:rPr kumimoji="0" lang="en-US" altLang="en-US" sz="1300" b="1" i="0" u="none" strike="noStrike" cap="none" normalizeH="0" baseline="0" dirty="0">
+                <a:ln>
+                  <a:noFill/>
+                </a:ln>
+                <a:solidFill>
+                  <a:srgbClr val="000080"/>
+                </a:solidFill>
+                <a:effectLst/>
+                <a:latin typeface="Courier New" panose="02070309020205020404" pitchFamily="49" charset="0"/>
+                <a:cs typeface="Courier New" panose="02070309020205020404" pitchFamily="49" charset="0"/>
+              </a:rPr>
+              <a:t>return new </a:t>
+            </a:r>
+            <a:r>
+              <a:rPr kumimoji="0" lang="en-US" altLang="en-US" sz="1300" b="0" i="0" u="none" strike="noStrike" cap="none" normalizeH="0" baseline="0" dirty="0" err="1">
+                <a:ln>
+                  <a:noFill/>
+                </a:ln>
+                <a:solidFill>
+                  <a:srgbClr val="000000"/>
+                </a:solidFill>
+                <a:effectLst/>
+                <a:latin typeface="Courier New" panose="02070309020205020404" pitchFamily="49" charset="0"/>
+                <a:cs typeface="Courier New" panose="02070309020205020404" pitchFamily="49" charset="0"/>
+              </a:rPr>
+              <a:t>CursorLoader</a:t>
+            </a:r>
+            <a:r>
+              <a:rPr kumimoji="0" lang="en-US" altLang="en-US" sz="1300" b="0" i="0" u="none" strike="noStrike" cap="none" normalizeH="0" baseline="0" dirty="0">
+                <a:ln>
+                  <a:noFill/>
+                </a:ln>
+                <a:solidFill>
+                  <a:srgbClr val="000000"/>
+                </a:solidFill>
+                <a:effectLst/>
+                <a:latin typeface="Courier New" panose="02070309020205020404" pitchFamily="49" charset="0"/>
+                <a:cs typeface="Courier New" panose="02070309020205020404" pitchFamily="49" charset="0"/>
+              </a:rPr>
+              <a:t>(</a:t>
+            </a:r>
+            <a:br>
+              <a:rPr kumimoji="0" lang="en-US" altLang="en-US" sz="1300" b="0" i="0" u="none" strike="noStrike" cap="none" normalizeH="0" baseline="0" dirty="0">
+                <a:ln>
+                  <a:noFill/>
+                </a:ln>
+                <a:solidFill>
+                  <a:srgbClr val="000000"/>
+                </a:solidFill>
+                <a:effectLst/>
+                <a:latin typeface="Courier New" panose="02070309020205020404" pitchFamily="49" charset="0"/>
+                <a:cs typeface="Courier New" panose="02070309020205020404" pitchFamily="49" charset="0"/>
+              </a:rPr>
+            </a:br>
+            <a:r>
+              <a:rPr kumimoji="0" lang="en-US" altLang="en-US" sz="1300" b="0" i="0" u="none" strike="noStrike" cap="none" normalizeH="0" baseline="0" dirty="0">
+                <a:ln>
+                  <a:noFill/>
+                </a:ln>
+                <a:solidFill>
+                  <a:srgbClr val="000000"/>
+                </a:solidFill>
+                <a:effectLst/>
+                <a:latin typeface="Courier New" panose="02070309020205020404" pitchFamily="49" charset="0"/>
+                <a:cs typeface="Courier New" panose="02070309020205020404" pitchFamily="49" charset="0"/>
+              </a:rPr>
+              <a:t>            </a:t>
+            </a:r>
+            <a:r>
+              <a:rPr kumimoji="0" lang="en-US" altLang="en-US" sz="1300" b="0" i="0" u="none" strike="noStrike" cap="none" normalizeH="0" baseline="0" dirty="0" err="1">
+                <a:ln>
+                  <a:noFill/>
+                </a:ln>
+                <a:solidFill>
+                  <a:srgbClr val="000000"/>
+                </a:solidFill>
+                <a:effectLst/>
+                <a:latin typeface="Courier New" panose="02070309020205020404" pitchFamily="49" charset="0"/>
+                <a:cs typeface="Courier New" panose="02070309020205020404" pitchFamily="49" charset="0"/>
+              </a:rPr>
+              <a:t>getActivity</a:t>
+            </a:r>
+            <a:r>
+              <a:rPr kumimoji="0" lang="en-US" altLang="en-US" sz="1300" b="0" i="0" u="none" strike="noStrike" cap="none" normalizeH="0" baseline="0" dirty="0">
+                <a:ln>
+                  <a:noFill/>
+                </a:ln>
+                <a:solidFill>
+                  <a:srgbClr val="000000"/>
+                </a:solidFill>
+                <a:effectLst/>
+                <a:latin typeface="Courier New" panose="02070309020205020404" pitchFamily="49" charset="0"/>
+                <a:cs typeface="Courier New" panose="02070309020205020404" pitchFamily="49" charset="0"/>
+              </a:rPr>
+              <a:t>(),</a:t>
+            </a:r>
+            <a:br>
+              <a:rPr kumimoji="0" lang="en-US" altLang="en-US" sz="1300" b="0" i="0" u="none" strike="noStrike" cap="none" normalizeH="0" baseline="0" dirty="0">
+                <a:ln>
+                  <a:noFill/>
+                </a:ln>
+                <a:solidFill>
+                  <a:srgbClr val="000000"/>
+                </a:solidFill>
+                <a:effectLst/>
+                <a:latin typeface="Courier New" panose="02070309020205020404" pitchFamily="49" charset="0"/>
+                <a:cs typeface="Courier New" panose="02070309020205020404" pitchFamily="49" charset="0"/>
+              </a:rPr>
+            </a:br>
+            <a:r>
+              <a:rPr kumimoji="0" lang="en-US" altLang="en-US" sz="1300" b="0" i="0" u="none" strike="noStrike" cap="none" normalizeH="0" baseline="0" dirty="0">
+                <a:ln>
+                  <a:noFill/>
+                </a:ln>
+                <a:solidFill>
+                  <a:srgbClr val="000000"/>
+                </a:solidFill>
+                <a:effectLst/>
+                <a:latin typeface="Courier New" panose="02070309020205020404" pitchFamily="49" charset="0"/>
+                <a:cs typeface="Courier New" panose="02070309020205020404" pitchFamily="49" charset="0"/>
+              </a:rPr>
+              <a:t>            </a:t>
+            </a:r>
+            <a:r>
+              <a:rPr kumimoji="0" lang="en-US" altLang="en-US" sz="1300" b="0" i="0" u="none" strike="noStrike" cap="none" normalizeH="0" baseline="0" dirty="0" err="1">
+                <a:ln>
+                  <a:noFill/>
+                </a:ln>
+                <a:solidFill>
+                  <a:srgbClr val="000000"/>
+                </a:solidFill>
+                <a:effectLst/>
+                <a:latin typeface="Courier New" panose="02070309020205020404" pitchFamily="49" charset="0"/>
+                <a:cs typeface="Courier New" panose="02070309020205020404" pitchFamily="49" charset="0"/>
+              </a:rPr>
+              <a:t>ContactsContract.Contacts.</a:t>
+            </a:r>
+            <a:r>
+              <a:rPr kumimoji="0" lang="en-US" altLang="en-US" sz="1300" b="1" i="1" u="none" strike="noStrike" cap="none" normalizeH="0" baseline="0" dirty="0" err="1">
+                <a:ln>
+                  <a:noFill/>
+                </a:ln>
+                <a:solidFill>
+                  <a:srgbClr val="660E7A"/>
+                </a:solidFill>
+                <a:effectLst/>
+                <a:latin typeface="Courier New" panose="02070309020205020404" pitchFamily="49" charset="0"/>
+                <a:cs typeface="Courier New" panose="02070309020205020404" pitchFamily="49" charset="0"/>
+              </a:rPr>
+              <a:t>CONTENT_URI</a:t>
+            </a:r>
+            <a:r>
+              <a:rPr kumimoji="0" lang="en-US" altLang="en-US" sz="1300" b="0" i="0" u="none" strike="noStrike" cap="none" normalizeH="0" baseline="0" dirty="0">
+                <a:ln>
+                  <a:noFill/>
+                </a:ln>
+                <a:solidFill>
+                  <a:srgbClr val="000000"/>
+                </a:solidFill>
+                <a:effectLst/>
+                <a:latin typeface="Courier New" panose="02070309020205020404" pitchFamily="49" charset="0"/>
+                <a:cs typeface="Courier New" panose="02070309020205020404" pitchFamily="49" charset="0"/>
+              </a:rPr>
+              <a:t>,</a:t>
+            </a:r>
+            <a:br>
+              <a:rPr kumimoji="0" lang="en-US" altLang="en-US" sz="1300" b="0" i="0" u="none" strike="noStrike" cap="none" normalizeH="0" baseline="0" dirty="0">
+                <a:ln>
+                  <a:noFill/>
+                </a:ln>
+                <a:solidFill>
+                  <a:srgbClr val="000000"/>
+                </a:solidFill>
+                <a:effectLst/>
+                <a:latin typeface="Courier New" panose="02070309020205020404" pitchFamily="49" charset="0"/>
+                <a:cs typeface="Courier New" panose="02070309020205020404" pitchFamily="49" charset="0"/>
+              </a:rPr>
+            </a:br>
+            <a:r>
+              <a:rPr kumimoji="0" lang="en-US" altLang="en-US" sz="1300" b="0" i="0" u="none" strike="noStrike" cap="none" normalizeH="0" baseline="0" dirty="0">
+                <a:ln>
+                  <a:noFill/>
+                </a:ln>
+                <a:solidFill>
+                  <a:srgbClr val="000000"/>
+                </a:solidFill>
+                <a:effectLst/>
+                <a:latin typeface="Courier New" panose="02070309020205020404" pitchFamily="49" charset="0"/>
+                <a:cs typeface="Courier New" panose="02070309020205020404" pitchFamily="49" charset="0"/>
+              </a:rPr>
+              <a:t>            PROJECTION,</a:t>
+            </a:r>
+            <a:br>
+              <a:rPr kumimoji="0" lang="en-US" altLang="en-US" sz="1300" b="0" i="0" u="none" strike="noStrike" cap="none" normalizeH="0" baseline="0" dirty="0">
+                <a:ln>
+                  <a:noFill/>
+                </a:ln>
+                <a:solidFill>
+                  <a:srgbClr val="000000"/>
+                </a:solidFill>
+                <a:effectLst/>
+                <a:latin typeface="Courier New" panose="02070309020205020404" pitchFamily="49" charset="0"/>
+                <a:cs typeface="Courier New" panose="02070309020205020404" pitchFamily="49" charset="0"/>
+              </a:rPr>
+            </a:br>
+            <a:r>
+              <a:rPr kumimoji="0" lang="en-US" altLang="en-US" sz="1300" b="0" i="0" u="none" strike="noStrike" cap="none" normalizeH="0" baseline="0" dirty="0">
+                <a:ln>
+                  <a:noFill/>
+                </a:ln>
+                <a:solidFill>
+                  <a:srgbClr val="000000"/>
+                </a:solidFill>
+                <a:effectLst/>
+                <a:latin typeface="Courier New" panose="02070309020205020404" pitchFamily="49" charset="0"/>
+                <a:cs typeface="Courier New" panose="02070309020205020404" pitchFamily="49" charset="0"/>
+              </a:rPr>
+              <a:t>            SELECTION,</a:t>
+            </a:r>
+            <a:br>
+              <a:rPr kumimoji="0" lang="en-US" altLang="en-US" sz="1300" b="0" i="0" u="none" strike="noStrike" cap="none" normalizeH="0" baseline="0" dirty="0">
+                <a:ln>
+                  <a:noFill/>
+                </a:ln>
+                <a:solidFill>
+                  <a:srgbClr val="000000"/>
+                </a:solidFill>
+                <a:effectLst/>
+                <a:latin typeface="Courier New" panose="02070309020205020404" pitchFamily="49" charset="0"/>
+                <a:cs typeface="Courier New" panose="02070309020205020404" pitchFamily="49" charset="0"/>
+              </a:rPr>
+            </a:br>
+            <a:r>
+              <a:rPr kumimoji="0" lang="en-US" altLang="en-US" sz="1300" b="0" i="0" u="none" strike="noStrike" cap="none" normalizeH="0" baseline="0" dirty="0">
+                <a:ln>
+                  <a:noFill/>
+                </a:ln>
+                <a:solidFill>
+                  <a:srgbClr val="000000"/>
+                </a:solidFill>
+                <a:effectLst/>
+                <a:latin typeface="Courier New" panose="02070309020205020404" pitchFamily="49" charset="0"/>
+                <a:cs typeface="Courier New" panose="02070309020205020404" pitchFamily="49" charset="0"/>
+              </a:rPr>
+              <a:t>            </a:t>
+            </a:r>
+            <a:r>
+              <a:rPr kumimoji="0" lang="en-US" altLang="en-US" sz="1300" b="0" i="0" u="none" strike="noStrike" cap="none" normalizeH="0" baseline="0" dirty="0" err="1">
+                <a:ln>
+                  <a:noFill/>
+                </a:ln>
+                <a:solidFill>
+                  <a:srgbClr val="000000"/>
+                </a:solidFill>
+                <a:effectLst/>
+                <a:latin typeface="Courier New" panose="02070309020205020404" pitchFamily="49" charset="0"/>
+                <a:cs typeface="Courier New" panose="02070309020205020404" pitchFamily="49" charset="0"/>
+              </a:rPr>
+              <a:t>selectionArgs</a:t>
+            </a:r>
+            <a:r>
+              <a:rPr kumimoji="0" lang="en-US" altLang="en-US" sz="1300" b="0" i="0" u="none" strike="noStrike" cap="none" normalizeH="0" baseline="0" dirty="0">
+                <a:ln>
+                  <a:noFill/>
+                </a:ln>
+                <a:solidFill>
+                  <a:srgbClr val="000000"/>
+                </a:solidFill>
+                <a:effectLst/>
+                <a:latin typeface="Courier New" panose="02070309020205020404" pitchFamily="49" charset="0"/>
+                <a:cs typeface="Courier New" panose="02070309020205020404" pitchFamily="49" charset="0"/>
+              </a:rPr>
+              <a:t>,</a:t>
+            </a:r>
+            <a:br>
+              <a:rPr kumimoji="0" lang="en-US" altLang="en-US" sz="1300" b="0" i="0" u="none" strike="noStrike" cap="none" normalizeH="0" baseline="0" dirty="0">
+                <a:ln>
+                  <a:noFill/>
+                </a:ln>
+                <a:solidFill>
+                  <a:srgbClr val="000000"/>
+                </a:solidFill>
+                <a:effectLst/>
+                <a:latin typeface="Courier New" panose="02070309020205020404" pitchFamily="49" charset="0"/>
+                <a:cs typeface="Courier New" panose="02070309020205020404" pitchFamily="49" charset="0"/>
+              </a:rPr>
+            </a:br>
+            <a:r>
+              <a:rPr kumimoji="0" lang="en-US" altLang="en-US" sz="1300" b="0" i="0" u="none" strike="noStrike" cap="none" normalizeH="0" baseline="0" dirty="0">
+                <a:ln>
+                  <a:noFill/>
+                </a:ln>
+                <a:solidFill>
+                  <a:srgbClr val="000000"/>
+                </a:solidFill>
+                <a:effectLst/>
+                <a:latin typeface="Courier New" panose="02070309020205020404" pitchFamily="49" charset="0"/>
+                <a:cs typeface="Courier New" panose="02070309020205020404" pitchFamily="49" charset="0"/>
+              </a:rPr>
+              <a:t>            </a:t>
+            </a:r>
+            <a:r>
+              <a:rPr kumimoji="0" lang="en-US" altLang="en-US" sz="1300" b="1" i="0" u="none" strike="noStrike" cap="none" normalizeH="0" baseline="0" dirty="0">
+                <a:ln>
+                  <a:noFill/>
+                </a:ln>
+                <a:solidFill>
+                  <a:srgbClr val="000080"/>
+                </a:solidFill>
+                <a:effectLst/>
+                <a:latin typeface="Courier New" panose="02070309020205020404" pitchFamily="49" charset="0"/>
+                <a:cs typeface="Courier New" panose="02070309020205020404" pitchFamily="49" charset="0"/>
+              </a:rPr>
+              <a:t>null</a:t>
+            </a:r>
+            <a:br>
+              <a:rPr kumimoji="0" lang="en-US" altLang="en-US" sz="1300" b="1" i="0" u="none" strike="noStrike" cap="none" normalizeH="0" baseline="0" dirty="0">
+                <a:ln>
+                  <a:noFill/>
+                </a:ln>
+                <a:solidFill>
+                  <a:srgbClr val="000080"/>
+                </a:solidFill>
+                <a:effectLst/>
+                <a:latin typeface="Courier New" panose="02070309020205020404" pitchFamily="49" charset="0"/>
+                <a:cs typeface="Courier New" panose="02070309020205020404" pitchFamily="49" charset="0"/>
+              </a:rPr>
+            </a:br>
+            <a:r>
+              <a:rPr kumimoji="0" lang="en-US" altLang="en-US" sz="1300" b="1" i="0" u="none" strike="noStrike" cap="none" normalizeH="0" baseline="0" dirty="0">
+                <a:ln>
+                  <a:noFill/>
+                </a:ln>
+                <a:solidFill>
+                  <a:srgbClr val="000080"/>
+                </a:solidFill>
+                <a:effectLst/>
+                <a:latin typeface="Courier New" panose="02070309020205020404" pitchFamily="49" charset="0"/>
+                <a:cs typeface="Courier New" panose="02070309020205020404" pitchFamily="49" charset="0"/>
+              </a:rPr>
+              <a:t>    </a:t>
+            </a:r>
+            <a:r>
+              <a:rPr kumimoji="0" lang="en-US" altLang="en-US" sz="1300" b="0" i="0" u="none" strike="noStrike" cap="none" normalizeH="0" baseline="0" dirty="0">
+                <a:ln>
+                  <a:noFill/>
+                </a:ln>
+                <a:solidFill>
+                  <a:srgbClr val="000000"/>
+                </a:solidFill>
+                <a:effectLst/>
+                <a:latin typeface="Courier New" panose="02070309020205020404" pitchFamily="49" charset="0"/>
+                <a:cs typeface="Courier New" panose="02070309020205020404" pitchFamily="49" charset="0"/>
+              </a:rPr>
+              <a:t>);</a:t>
+            </a:r>
+            <a:br>
+              <a:rPr kumimoji="0" lang="en-US" altLang="en-US" sz="1300" b="0" i="0" u="none" strike="noStrike" cap="none" normalizeH="0" baseline="0" dirty="0">
+                <a:ln>
+                  <a:noFill/>
+                </a:ln>
+                <a:solidFill>
+                  <a:srgbClr val="000000"/>
+                </a:solidFill>
+                <a:effectLst/>
+                <a:latin typeface="Courier New" panose="02070309020205020404" pitchFamily="49" charset="0"/>
+                <a:cs typeface="Courier New" panose="02070309020205020404" pitchFamily="49" charset="0"/>
+              </a:rPr>
+            </a:br>
+            <a:r>
+              <a:rPr kumimoji="0" lang="en-US" altLang="en-US" sz="1300" b="0" i="0" u="none" strike="noStrike" cap="none" normalizeH="0" baseline="0" dirty="0">
+                <a:ln>
+                  <a:noFill/>
+                </a:ln>
+                <a:solidFill>
+                  <a:srgbClr val="000000"/>
+                </a:solidFill>
+                <a:effectLst/>
+                <a:latin typeface="Courier New" panose="02070309020205020404" pitchFamily="49" charset="0"/>
+                <a:cs typeface="Courier New" panose="02070309020205020404" pitchFamily="49" charset="0"/>
+              </a:rPr>
+              <a:t>}</a:t>
+            </a:r>
+            <a:endParaRPr kumimoji="0" lang="en-US" altLang="en-US" sz="1300" b="0" i="0" u="none" strike="noStrike" cap="none" normalizeH="0" baseline="0" dirty="0">
+              <a:ln>
+                <a:noFill/>
+              </a:ln>
+              <a:solidFill>
+                <a:schemeClr val="tx1"/>
+              </a:solidFill>
+              <a:effectLst/>
+              <a:latin typeface="Arial" panose="020B0604020202020204" pitchFamily="34" charset="0"/>
+            </a:endParaRPr>
+          </a:p>
+        </p:txBody>
+      </p:sp>
+    </p:spTree>
+    <p:extLst>
+      <p:ext uri="{BB962C8B-B14F-4D97-AF65-F5344CB8AC3E}">
+        <p14:creationId xmlns:p14="http://schemas.microsoft.com/office/powerpoint/2010/main" val="3719248490"/>
+      </p:ext>
+    </p:extLst>
+  </p:cSld>
+  <p:clrMapOvr>
+    <a:masterClrMapping/>
+  </p:clrMapOvr>
+</p:sld>
+</file>
+
+<file path=ppt/slides/slide39.xml><?xml version="1.0" encoding="utf-8"?>
+<p:sld xmlns:a="http://schemas.openxmlformats.org/drawingml/2006/main" xmlns:r="http://schemas.openxmlformats.org/officeDocument/2006/relationships" xmlns:p="http://schemas.openxmlformats.org/presentationml/2006/main">
+  <p:cSld>
+    <p:spTree>
+      <p:nvGrpSpPr>
+        <p:cNvPr id="1" name=""/>
+        <p:cNvGrpSpPr/>
+        <p:nvPr/>
+      </p:nvGrpSpPr>
+      <p:grpSpPr>
+        <a:xfrm>
+          <a:off x="0" y="0"/>
+          <a:ext cx="0" cy="0"/>
+          <a:chOff x="0" y="0"/>
+          <a:chExt cx="0" cy="0"/>
+        </a:xfrm>
+      </p:grpSpPr>
+      <p:sp>
+        <p:nvSpPr>
+          <p:cNvPr id="2" name="Title 1">
+            <a:extLst>
+              <a:ext uri="{FF2B5EF4-FFF2-40B4-BE49-F238E27FC236}">
+                <a16:creationId xmlns:a16="http://schemas.microsoft.com/office/drawing/2014/main" id="{C8A0B070-A7DB-4CF6-97A7-15AA2FEF5A2D}"/>
+              </a:ext>
+            </a:extLst>
+          </p:cNvPr>
+          <p:cNvSpPr>
+            <a:spLocks noGrp="1"/>
+          </p:cNvSpPr>
+          <p:nvPr>
+            <p:ph type="title"/>
+          </p:nvPr>
+        </p:nvSpPr>
+        <p:spPr>
+          <a:xfrm>
+            <a:off x="0" y="18256"/>
+            <a:ext cx="10515600" cy="732516"/>
+          </a:xfrm>
+        </p:spPr>
+        <p:txBody>
+          <a:bodyPr/>
+          <a:lstStyle/>
+          <a:p>
+            <a:r>
+              <a:rPr lang="en-US" dirty="0"/>
+              <a:t>Recap</a:t>
+            </a:r>
+          </a:p>
+        </p:txBody>
+      </p:sp>
+      <p:sp>
+        <p:nvSpPr>
+          <p:cNvPr id="3" name="Content Placeholder 2">
+            <a:extLst>
+              <a:ext uri="{FF2B5EF4-FFF2-40B4-BE49-F238E27FC236}">
+                <a16:creationId xmlns:a16="http://schemas.microsoft.com/office/drawing/2014/main" id="{D5C65E4A-A8AA-485C-A84F-4800809AC51A}"/>
+              </a:ext>
+            </a:extLst>
+          </p:cNvPr>
+          <p:cNvSpPr>
+            <a:spLocks noGrp="1"/>
+          </p:cNvSpPr>
+          <p:nvPr>
+            <p:ph idx="1"/>
+          </p:nvPr>
+        </p:nvSpPr>
+        <p:spPr>
+          <a:xfrm>
+            <a:off x="0" y="750772"/>
+            <a:ext cx="12192000" cy="5688529"/>
+          </a:xfrm>
+        </p:spPr>
+        <p:txBody>
+          <a:bodyPr/>
+          <a:lstStyle/>
+          <a:p>
+            <a:r>
+              <a:rPr lang="en-US" dirty="0"/>
+              <a:t>Contact provider helps app manage stored data and share data with other apps</a:t>
+            </a:r>
+          </a:p>
+          <a:p>
+            <a:r>
+              <a:rPr lang="en-US" dirty="0"/>
+              <a:t>Allows for granular control over data access permissions</a:t>
+            </a:r>
+          </a:p>
+          <a:p>
+            <a:endParaRPr lang="en-US" dirty="0"/>
+          </a:p>
+          <a:p>
+            <a:r>
+              <a:rPr lang="en-US" dirty="0"/>
+              <a:t>Lab 7 - </a:t>
+            </a:r>
+          </a:p>
+        </p:txBody>
+      </p:sp>
+      <p:sp>
+        <p:nvSpPr>
+          <p:cNvPr id="4" name="TextBox 3">
+            <a:extLst>
+              <a:ext uri="{FF2B5EF4-FFF2-40B4-BE49-F238E27FC236}">
+                <a16:creationId xmlns:a16="http://schemas.microsoft.com/office/drawing/2014/main" id="{485A1586-8E44-4D0E-8C95-2290C3E0E248}"/>
+              </a:ext>
+            </a:extLst>
+          </p:cNvPr>
+          <p:cNvSpPr txBox="1"/>
+          <p:nvPr/>
+        </p:nvSpPr>
+        <p:spPr>
+          <a:xfrm>
+            <a:off x="0" y="6439301"/>
+            <a:ext cx="7575082" cy="369332"/>
+          </a:xfrm>
+          <a:prstGeom prst="rect">
+            <a:avLst/>
+          </a:prstGeom>
+          <a:noFill/>
+        </p:spPr>
+        <p:txBody>
+          <a:bodyPr wrap="square" rtlCol="0">
+            <a:spAutoFit/>
+          </a:bodyPr>
+          <a:lstStyle/>
+          <a:p>
+            <a:r>
+              <a:rPr lang="en-US" dirty="0">
+                <a:hlinkClick r:id="rId2"/>
+              </a:rPr>
+              <a:t>https://developer.android.com/training/contacts-provider/retrieve-names</a:t>
+            </a:r>
+            <a:endParaRPr lang="en-US" dirty="0"/>
+          </a:p>
+        </p:txBody>
+      </p:sp>
+    </p:spTree>
+    <p:extLst>
+      <p:ext uri="{BB962C8B-B14F-4D97-AF65-F5344CB8AC3E}">
+        <p14:creationId xmlns:p14="http://schemas.microsoft.com/office/powerpoint/2010/main" val="277446101"/>
       </p:ext>
     </p:extLst>
   </p:cSld>
@@ -15630,10 +20536,149 @@
           </a:xfrm>
         </p:spPr>
         <p:txBody>
-          <a:bodyPr/>
+          <a:bodyPr>
+            <a:normAutofit lnSpcReduction="10000"/>
+          </a:bodyPr>
           <a:lstStyle/>
           <a:p>
-            <a:endParaRPr lang="en-US"/>
+            <a:r>
+              <a:rPr lang="en-US" dirty="0"/>
+              <a:t>Cursors contain the result set of a query made against a database in Android</a:t>
+            </a:r>
+          </a:p>
+          <a:p>
+            <a:r>
+              <a:rPr lang="en-US" dirty="0"/>
+              <a:t>Cursor class has an API that allows an app to read (in a type safe manner) the columns returned from the query, and iterate over rows of result set</a:t>
+            </a:r>
+          </a:p>
+          <a:p>
+            <a:r>
+              <a:rPr lang="en-US" b="1" dirty="0"/>
+              <a:t>Reading cursor data:</a:t>
+            </a:r>
+          </a:p>
+          <a:p>
+            <a:r>
+              <a:rPr lang="en-US" dirty="0"/>
+              <a:t>Once a cursor has been returned from database query, app needs to iterate over the result set and read column data from the cursor</a:t>
+            </a:r>
+          </a:p>
+          <a:p>
+            <a:r>
+              <a:rPr lang="en-US" dirty="0"/>
+              <a:t>Internally, the cursor stores the rows of data returned by query along with a position that points to current row of data in result set</a:t>
+            </a:r>
+          </a:p>
+          <a:p>
+            <a:r>
+              <a:rPr lang="en-US" dirty="0"/>
+              <a:t>Cursor class provides methods to manipulate its internal position:</a:t>
+            </a:r>
+          </a:p>
+          <a:p>
+            <a:pPr lvl="1"/>
+            <a:r>
+              <a:rPr lang="en-US" dirty="0" err="1"/>
+              <a:t>Cursor.move</a:t>
+            </a:r>
+            <a:r>
+              <a:rPr lang="en-US" dirty="0"/>
+              <a:t>(int offset)</a:t>
+            </a:r>
+          </a:p>
+          <a:p>
+            <a:pPr lvl="1"/>
+            <a:r>
+              <a:rPr lang="en-US" dirty="0" err="1"/>
+              <a:t>Cursor.moveToFirst</a:t>
+            </a:r>
+            <a:r>
+              <a:rPr lang="en-US" dirty="0"/>
+              <a:t>()</a:t>
+            </a:r>
+          </a:p>
+          <a:p>
+            <a:pPr lvl="1"/>
+            <a:r>
+              <a:rPr lang="en-US" dirty="0" err="1"/>
+              <a:t>Cursor.moveToLast</a:t>
+            </a:r>
+            <a:r>
+              <a:rPr lang="en-US" dirty="0"/>
+              <a:t>()</a:t>
+            </a:r>
+          </a:p>
+          <a:p>
+            <a:pPr lvl="1"/>
+            <a:r>
+              <a:rPr lang="en-US" dirty="0" err="1"/>
+              <a:t>Cursor.moveToNext</a:t>
+            </a:r>
+            <a:r>
+              <a:rPr lang="en-US" dirty="0"/>
+              <a:t>()</a:t>
+            </a:r>
+          </a:p>
+          <a:p>
+            <a:pPr lvl="1"/>
+            <a:r>
+              <a:rPr lang="en-US" dirty="0" err="1"/>
+              <a:t>Cursor.moveToPosition</a:t>
+            </a:r>
+            <a:r>
+              <a:rPr lang="en-US" dirty="0"/>
+              <a:t>(int position)</a:t>
+            </a:r>
+          </a:p>
+          <a:p>
+            <a:pPr lvl="1"/>
+            <a:r>
+              <a:rPr lang="en-US" dirty="0" err="1"/>
+              <a:t>Cursor.moveToPrevious</a:t>
+            </a:r>
+            <a:r>
+              <a:rPr lang="en-US" dirty="0"/>
+              <a:t>()</a:t>
+            </a:r>
+          </a:p>
+        </p:txBody>
+      </p:sp>
+      <p:sp>
+        <p:nvSpPr>
+          <p:cNvPr id="4" name="TextBox 3">
+            <a:extLst>
+              <a:ext uri="{FF2B5EF4-FFF2-40B4-BE49-F238E27FC236}">
+                <a16:creationId xmlns:a16="http://schemas.microsoft.com/office/drawing/2014/main" id="{9DCE90FC-DD72-49F2-8E91-6D7E2C86DF16}"/>
+              </a:ext>
+            </a:extLst>
+          </p:cNvPr>
+          <p:cNvSpPr txBox="1"/>
+          <p:nvPr/>
+        </p:nvSpPr>
+        <p:spPr>
+          <a:xfrm>
+            <a:off x="5378280" y="0"/>
+            <a:ext cx="6818533" cy="369332"/>
+          </a:xfrm>
+          <a:prstGeom prst="rect">
+            <a:avLst/>
+          </a:prstGeom>
+          <a:noFill/>
+        </p:spPr>
+        <p:txBody>
+          <a:bodyPr wrap="none" rtlCol="0">
+            <a:spAutoFit/>
+          </a:bodyPr>
+          <a:lstStyle/>
+          <a:p>
+            <a:r>
+              <a:rPr lang="en-US" dirty="0">
+                <a:hlinkClick r:id="rId2"/>
+              </a:rPr>
+              <a:t>http://www.informit.com/articles/article.aspx?p=2731932&amp;seqNum=4</a:t>
+            </a:r>
+            <a:endParaRPr lang="en-US" dirty="0"/>
           </a:p>
         </p:txBody>
       </p:sp>

--- a/Lecture_12.pptx
+++ b/Lecture_12.pptx
@@ -10,8 +10,8 @@
     <p:sldId id="258" r:id="rId4"/>
     <p:sldId id="259" r:id="rId5"/>
     <p:sldId id="260" r:id="rId6"/>
-    <p:sldId id="261" r:id="rId7"/>
-    <p:sldId id="282" r:id="rId8"/>
+    <p:sldId id="282" r:id="rId7"/>
+    <p:sldId id="261" r:id="rId8"/>
     <p:sldId id="262" r:id="rId9"/>
     <p:sldId id="263" r:id="rId10"/>
     <p:sldId id="264" r:id="rId11"/>
@@ -297,7 +297,7 @@
           <a:p>
             <a:fld id="{89DC749E-EFFB-4BCA-8424-1DE98FDB0618}" type="datetimeFigureOut">
               <a:rPr lang="en-US" smtClean="0"/>
-              <a:t>10/27/2019</a:t>
+              <a:t>10/28/2019</a:t>
             </a:fld>
             <a:endParaRPr lang="en-US"/>
           </a:p>
@@ -495,7 +495,7 @@
           <a:p>
             <a:fld id="{89DC749E-EFFB-4BCA-8424-1DE98FDB0618}" type="datetimeFigureOut">
               <a:rPr lang="en-US" smtClean="0"/>
-              <a:t>10/27/2019</a:t>
+              <a:t>10/28/2019</a:t>
             </a:fld>
             <a:endParaRPr lang="en-US"/>
           </a:p>
@@ -703,7 +703,7 @@
           <a:p>
             <a:fld id="{89DC749E-EFFB-4BCA-8424-1DE98FDB0618}" type="datetimeFigureOut">
               <a:rPr lang="en-US" smtClean="0"/>
-              <a:t>10/27/2019</a:t>
+              <a:t>10/28/2019</a:t>
             </a:fld>
             <a:endParaRPr lang="en-US"/>
           </a:p>
@@ -901,7 +901,7 @@
           <a:p>
             <a:fld id="{89DC749E-EFFB-4BCA-8424-1DE98FDB0618}" type="datetimeFigureOut">
               <a:rPr lang="en-US" smtClean="0"/>
-              <a:t>10/27/2019</a:t>
+              <a:t>10/28/2019</a:t>
             </a:fld>
             <a:endParaRPr lang="en-US"/>
           </a:p>
@@ -1176,7 +1176,7 @@
           <a:p>
             <a:fld id="{89DC749E-EFFB-4BCA-8424-1DE98FDB0618}" type="datetimeFigureOut">
               <a:rPr lang="en-US" smtClean="0"/>
-              <a:t>10/27/2019</a:t>
+              <a:t>10/28/2019</a:t>
             </a:fld>
             <a:endParaRPr lang="en-US"/>
           </a:p>
@@ -1441,7 +1441,7 @@
           <a:p>
             <a:fld id="{89DC749E-EFFB-4BCA-8424-1DE98FDB0618}" type="datetimeFigureOut">
               <a:rPr lang="en-US" smtClean="0"/>
-              <a:t>10/27/2019</a:t>
+              <a:t>10/28/2019</a:t>
             </a:fld>
             <a:endParaRPr lang="en-US"/>
           </a:p>
@@ -1853,7 +1853,7 @@
           <a:p>
             <a:fld id="{89DC749E-EFFB-4BCA-8424-1DE98FDB0618}" type="datetimeFigureOut">
               <a:rPr lang="en-US" smtClean="0"/>
-              <a:t>10/27/2019</a:t>
+              <a:t>10/28/2019</a:t>
             </a:fld>
             <a:endParaRPr lang="en-US"/>
           </a:p>
@@ -1994,7 +1994,7 @@
           <a:p>
             <a:fld id="{89DC749E-EFFB-4BCA-8424-1DE98FDB0618}" type="datetimeFigureOut">
               <a:rPr lang="en-US" smtClean="0"/>
-              <a:t>10/27/2019</a:t>
+              <a:t>10/28/2019</a:t>
             </a:fld>
             <a:endParaRPr lang="en-US"/>
           </a:p>
@@ -2107,7 +2107,7 @@
           <a:p>
             <a:fld id="{89DC749E-EFFB-4BCA-8424-1DE98FDB0618}" type="datetimeFigureOut">
               <a:rPr lang="en-US" smtClean="0"/>
-              <a:t>10/27/2019</a:t>
+              <a:t>10/28/2019</a:t>
             </a:fld>
             <a:endParaRPr lang="en-US"/>
           </a:p>
@@ -2418,7 +2418,7 @@
           <a:p>
             <a:fld id="{89DC749E-EFFB-4BCA-8424-1DE98FDB0618}" type="datetimeFigureOut">
               <a:rPr lang="en-US" smtClean="0"/>
-              <a:t>10/27/2019</a:t>
+              <a:t>10/28/2019</a:t>
             </a:fld>
             <a:endParaRPr lang="en-US"/>
           </a:p>
@@ -2706,7 +2706,7 @@
           <a:p>
             <a:fld id="{89DC749E-EFFB-4BCA-8424-1DE98FDB0618}" type="datetimeFigureOut">
               <a:rPr lang="en-US" smtClean="0"/>
-              <a:t>10/27/2019</a:t>
+              <a:t>10/28/2019</a:t>
             </a:fld>
             <a:endParaRPr lang="en-US"/>
           </a:p>
@@ -2947,7 +2947,7 @@
           <a:p>
             <a:fld id="{89DC749E-EFFB-4BCA-8424-1DE98FDB0618}" type="datetimeFigureOut">
               <a:rPr lang="en-US" smtClean="0"/>
-              <a:t>10/27/2019</a:t>
+              <a:t>10/28/2019</a:t>
             </a:fld>
             <a:endParaRPr lang="en-US"/>
           </a:p>
@@ -10840,7 +10840,7 @@
           <a:p>
             <a:r>
               <a:rPr lang="en-US" dirty="0"/>
-              <a:t>Cursor object provides rand read access to the rows and columns it contains</a:t>
+              <a:t>Cursor object provides random read access to the rows and columns it contains</a:t>
             </a:r>
           </a:p>
           <a:p>
@@ -13050,6 +13050,209 @@
           </a:p>
         </p:txBody>
       </p:sp>
+      <p:pic>
+        <p:nvPicPr>
+          <p:cNvPr id="1026" name="Picture 2" descr="Image result for thanos stones">
+            <a:extLst>
+              <a:ext uri="{FF2B5EF4-FFF2-40B4-BE49-F238E27FC236}">
+                <a16:creationId xmlns:a16="http://schemas.microsoft.com/office/drawing/2014/main" id="{0FF4A0D7-708C-4DE3-8079-678CD848CD8A}"/>
+              </a:ext>
+            </a:extLst>
+          </p:cNvPr>
+          <p:cNvPicPr>
+            <a:picLocks noChangeAspect="1" noChangeArrowheads="1"/>
+          </p:cNvPicPr>
+          <p:nvPr/>
+        </p:nvPicPr>
+        <p:blipFill>
+          <a:blip r:embed="rId3">
+            <a:extLst>
+              <a:ext uri="{28A0092B-C50C-407E-A947-70E740481C1C}">
+                <a14:useLocalDpi xmlns:a14="http://schemas.microsoft.com/office/drawing/2010/main" val="0"/>
+              </a:ext>
+            </a:extLst>
+          </a:blip>
+          <a:srcRect/>
+          <a:stretch>
+            <a:fillRect/>
+          </a:stretch>
+        </p:blipFill>
+        <p:spPr bwMode="auto">
+          <a:xfrm>
+            <a:off x="7323660" y="640691"/>
+            <a:ext cx="4353687" cy="2291414"/>
+          </a:xfrm>
+          <a:prstGeom prst="rect">
+            <a:avLst/>
+          </a:prstGeom>
+          <a:noFill/>
+          <a:extLst>
+            <a:ext uri="{909E8E84-426E-40DD-AFC4-6F175D3DCCD1}">
+              <a14:hiddenFill xmlns:a14="http://schemas.microsoft.com/office/drawing/2010/main">
+                <a:solidFill>
+                  <a:srgbClr val="FFFFFF"/>
+                </a:solidFill>
+              </a14:hiddenFill>
+            </a:ext>
+          </a:extLst>
+        </p:spPr>
+      </p:pic>
+      <p:sp>
+        <p:nvSpPr>
+          <p:cNvPr id="7" name="TextBox 6">
+            <a:extLst>
+              <a:ext uri="{FF2B5EF4-FFF2-40B4-BE49-F238E27FC236}">
+                <a16:creationId xmlns:a16="http://schemas.microsoft.com/office/drawing/2014/main" id="{DFECCFEE-C4DC-4443-BF70-23E724D2472D}"/>
+              </a:ext>
+            </a:extLst>
+          </p:cNvPr>
+          <p:cNvSpPr txBox="1"/>
+          <p:nvPr/>
+        </p:nvSpPr>
+        <p:spPr>
+          <a:xfrm>
+            <a:off x="8240212" y="1718623"/>
+            <a:ext cx="1718568" cy="369332"/>
+          </a:xfrm>
+          <a:prstGeom prst="rect">
+            <a:avLst/>
+          </a:prstGeom>
+          <a:noFill/>
+        </p:spPr>
+        <p:txBody>
+          <a:bodyPr wrap="square" rtlCol="0">
+            <a:spAutoFit/>
+          </a:bodyPr>
+          <a:lstStyle/>
+          <a:p>
+            <a:r>
+              <a:rPr lang="en-US" b="1" dirty="0">
+                <a:solidFill>
+                  <a:srgbClr val="FFFF00"/>
+                </a:solidFill>
+              </a:rPr>
+              <a:t>service</a:t>
+            </a:r>
+          </a:p>
+        </p:txBody>
+      </p:sp>
+      <p:sp>
+        <p:nvSpPr>
+          <p:cNvPr id="12" name="TextBox 11">
+            <a:extLst>
+              <a:ext uri="{FF2B5EF4-FFF2-40B4-BE49-F238E27FC236}">
+                <a16:creationId xmlns:a16="http://schemas.microsoft.com/office/drawing/2014/main" id="{B355D8CD-E692-4424-9F80-DD83446A2301}"/>
+              </a:ext>
+            </a:extLst>
+          </p:cNvPr>
+          <p:cNvSpPr txBox="1"/>
+          <p:nvPr/>
+        </p:nvSpPr>
+        <p:spPr>
+          <a:xfrm>
+            <a:off x="7917551" y="1962542"/>
+            <a:ext cx="1718568" cy="369332"/>
+          </a:xfrm>
+          <a:prstGeom prst="rect">
+            <a:avLst/>
+          </a:prstGeom>
+          <a:noFill/>
+        </p:spPr>
+        <p:txBody>
+          <a:bodyPr wrap="square" rtlCol="0">
+            <a:spAutoFit/>
+          </a:bodyPr>
+          <a:lstStyle/>
+          <a:p>
+            <a:r>
+              <a:rPr lang="en-US" b="1" dirty="0">
+                <a:solidFill>
+                  <a:srgbClr val="FFFF00"/>
+                </a:solidFill>
+              </a:rPr>
+              <a:t>activity</a:t>
+            </a:r>
+          </a:p>
+        </p:txBody>
+      </p:sp>
+      <p:sp>
+        <p:nvSpPr>
+          <p:cNvPr id="13" name="TextBox 12">
+            <a:extLst>
+              <a:ext uri="{FF2B5EF4-FFF2-40B4-BE49-F238E27FC236}">
+                <a16:creationId xmlns:a16="http://schemas.microsoft.com/office/drawing/2014/main" id="{EA811384-A210-4517-8BD9-9FB0A1B1C3A7}"/>
+              </a:ext>
+            </a:extLst>
+          </p:cNvPr>
+          <p:cNvSpPr txBox="1"/>
+          <p:nvPr/>
+        </p:nvSpPr>
+        <p:spPr>
+          <a:xfrm>
+            <a:off x="8992666" y="1544440"/>
+            <a:ext cx="1718568" cy="369332"/>
+          </a:xfrm>
+          <a:prstGeom prst="rect">
+            <a:avLst/>
+          </a:prstGeom>
+          <a:noFill/>
+        </p:spPr>
+        <p:txBody>
+          <a:bodyPr wrap="square" rtlCol="0">
+            <a:spAutoFit/>
+          </a:bodyPr>
+          <a:lstStyle/>
+          <a:p>
+            <a:r>
+              <a:rPr lang="en-US" b="1" dirty="0">
+                <a:solidFill>
+                  <a:srgbClr val="FFFF00"/>
+                </a:solidFill>
+              </a:rPr>
+              <a:t>broadcast</a:t>
+            </a:r>
+          </a:p>
+        </p:txBody>
+      </p:sp>
+      <p:sp>
+        <p:nvSpPr>
+          <p:cNvPr id="14" name="TextBox 13">
+            <a:extLst>
+              <a:ext uri="{FF2B5EF4-FFF2-40B4-BE49-F238E27FC236}">
+                <a16:creationId xmlns:a16="http://schemas.microsoft.com/office/drawing/2014/main" id="{65C8C4AC-E50C-4C8F-88C5-50E840FC60C3}"/>
+              </a:ext>
+            </a:extLst>
+          </p:cNvPr>
+          <p:cNvSpPr txBox="1"/>
+          <p:nvPr/>
+        </p:nvSpPr>
+        <p:spPr>
+          <a:xfrm>
+            <a:off x="9438897" y="1216581"/>
+            <a:ext cx="2024791" cy="369332"/>
+          </a:xfrm>
+          <a:prstGeom prst="rect">
+            <a:avLst/>
+          </a:prstGeom>
+          <a:noFill/>
+        </p:spPr>
+        <p:txBody>
+          <a:bodyPr wrap="square" rtlCol="0">
+            <a:spAutoFit/>
+          </a:bodyPr>
+          <a:lstStyle/>
+          <a:p>
+            <a:r>
+              <a:rPr lang="en-US" b="1" dirty="0">
+                <a:solidFill>
+                  <a:srgbClr val="FFFF00"/>
+                </a:solidFill>
+              </a:rPr>
+              <a:t>content provider</a:t>
+            </a:r>
+          </a:p>
+        </p:txBody>
+      </p:sp>
     </p:spTree>
     <p:extLst>
       <p:ext uri="{BB962C8B-B14F-4D97-AF65-F5344CB8AC3E}">
@@ -13362,6 +13565,231 @@
                       </p:childTnLst>
                     </p:cTn>
                   </p:par>
+                  <p:par>
+                    <p:cTn id="27" fill="hold">
+                      <p:stCondLst>
+                        <p:cond delay="indefinite"/>
+                      </p:stCondLst>
+                      <p:childTnLst>
+                        <p:par>
+                          <p:cTn id="28" fill="hold">
+                            <p:stCondLst>
+                              <p:cond delay="0"/>
+                            </p:stCondLst>
+                            <p:childTnLst>
+                              <p:par>
+                                <p:cTn id="29" presetID="1" presetClass="entr" presetSubtype="0" fill="hold" nodeType="clickEffect">
+                                  <p:stCondLst>
+                                    <p:cond delay="0"/>
+                                  </p:stCondLst>
+                                  <p:childTnLst>
+                                    <p:set>
+                                      <p:cBhvr>
+                                        <p:cTn id="30" dur="1" fill="hold">
+                                          <p:stCondLst>
+                                            <p:cond delay="0"/>
+                                          </p:stCondLst>
+                                        </p:cTn>
+                                        <p:tgtEl>
+                                          <p:spTgt spid="1026"/>
+                                        </p:tgtEl>
+                                        <p:attrNameLst>
+                                          <p:attrName>style.visibility</p:attrName>
+                                        </p:attrNameLst>
+                                      </p:cBhvr>
+                                      <p:to>
+                                        <p:strVal val="visible"/>
+                                      </p:to>
+                                    </p:set>
+                                  </p:childTnLst>
+                                </p:cTn>
+                              </p:par>
+                            </p:childTnLst>
+                          </p:cTn>
+                        </p:par>
+                      </p:childTnLst>
+                    </p:cTn>
+                  </p:par>
+                  <p:par>
+                    <p:cTn id="31" fill="hold">
+                      <p:stCondLst>
+                        <p:cond delay="indefinite"/>
+                      </p:stCondLst>
+                      <p:childTnLst>
+                        <p:par>
+                          <p:cTn id="32" fill="hold">
+                            <p:stCondLst>
+                              <p:cond delay="0"/>
+                            </p:stCondLst>
+                            <p:childTnLst>
+                              <p:par>
+                                <p:cTn id="33" presetID="1" presetClass="entr" presetSubtype="0" fill="hold" grpId="0" nodeType="clickEffect">
+                                  <p:stCondLst>
+                                    <p:cond delay="0"/>
+                                  </p:stCondLst>
+                                  <p:childTnLst>
+                                    <p:set>
+                                      <p:cBhvr>
+                                        <p:cTn id="34" dur="1" fill="hold">
+                                          <p:stCondLst>
+                                            <p:cond delay="0"/>
+                                          </p:stCondLst>
+                                        </p:cTn>
+                                        <p:tgtEl>
+                                          <p:spTgt spid="12"/>
+                                        </p:tgtEl>
+                                        <p:attrNameLst>
+                                          <p:attrName>style.visibility</p:attrName>
+                                        </p:attrNameLst>
+                                      </p:cBhvr>
+                                      <p:to>
+                                        <p:strVal val="visible"/>
+                                      </p:to>
+                                    </p:set>
+                                  </p:childTnLst>
+                                </p:cTn>
+                              </p:par>
+                            </p:childTnLst>
+                          </p:cTn>
+                        </p:par>
+                      </p:childTnLst>
+                    </p:cTn>
+                  </p:par>
+                  <p:par>
+                    <p:cTn id="35" fill="hold">
+                      <p:stCondLst>
+                        <p:cond delay="indefinite"/>
+                      </p:stCondLst>
+                      <p:childTnLst>
+                        <p:par>
+                          <p:cTn id="36" fill="hold">
+                            <p:stCondLst>
+                              <p:cond delay="0"/>
+                            </p:stCondLst>
+                            <p:childTnLst>
+                              <p:par>
+                                <p:cTn id="37" presetID="1" presetClass="entr" presetSubtype="0" fill="hold" grpId="0" nodeType="clickEffect">
+                                  <p:stCondLst>
+                                    <p:cond delay="0"/>
+                                  </p:stCondLst>
+                                  <p:childTnLst>
+                                    <p:set>
+                                      <p:cBhvr>
+                                        <p:cTn id="38" dur="1" fill="hold">
+                                          <p:stCondLst>
+                                            <p:cond delay="0"/>
+                                          </p:stCondLst>
+                                        </p:cTn>
+                                        <p:tgtEl>
+                                          <p:spTgt spid="7"/>
+                                        </p:tgtEl>
+                                        <p:attrNameLst>
+                                          <p:attrName>style.visibility</p:attrName>
+                                        </p:attrNameLst>
+                                      </p:cBhvr>
+                                      <p:to>
+                                        <p:strVal val="visible"/>
+                                      </p:to>
+                                    </p:set>
+                                  </p:childTnLst>
+                                </p:cTn>
+                              </p:par>
+                            </p:childTnLst>
+                          </p:cTn>
+                        </p:par>
+                      </p:childTnLst>
+                    </p:cTn>
+                  </p:par>
+                  <p:par>
+                    <p:cTn id="39" fill="hold">
+                      <p:stCondLst>
+                        <p:cond delay="indefinite"/>
+                      </p:stCondLst>
+                      <p:childTnLst>
+                        <p:par>
+                          <p:cTn id="40" fill="hold">
+                            <p:stCondLst>
+                              <p:cond delay="0"/>
+                            </p:stCondLst>
+                            <p:childTnLst>
+                              <p:par>
+                                <p:cTn id="41" presetID="1" presetClass="entr" presetSubtype="0" fill="hold" grpId="0" nodeType="clickEffect">
+                                  <p:stCondLst>
+                                    <p:cond delay="0"/>
+                                  </p:stCondLst>
+                                  <p:childTnLst>
+                                    <p:set>
+                                      <p:cBhvr>
+                                        <p:cTn id="42" dur="1" fill="hold">
+                                          <p:stCondLst>
+                                            <p:cond delay="0"/>
+                                          </p:stCondLst>
+                                        </p:cTn>
+                                        <p:tgtEl>
+                                          <p:spTgt spid="13"/>
+                                        </p:tgtEl>
+                                        <p:attrNameLst>
+                                          <p:attrName>style.visibility</p:attrName>
+                                        </p:attrNameLst>
+                                      </p:cBhvr>
+                                      <p:to>
+                                        <p:strVal val="visible"/>
+                                      </p:to>
+                                    </p:set>
+                                  </p:childTnLst>
+                                </p:cTn>
+                              </p:par>
+                            </p:childTnLst>
+                          </p:cTn>
+                        </p:par>
+                      </p:childTnLst>
+                    </p:cTn>
+                  </p:par>
+                  <p:par>
+                    <p:cTn id="43" fill="hold">
+                      <p:stCondLst>
+                        <p:cond delay="indefinite"/>
+                      </p:stCondLst>
+                      <p:childTnLst>
+                        <p:par>
+                          <p:cTn id="44" fill="hold">
+                            <p:stCondLst>
+                              <p:cond delay="0"/>
+                            </p:stCondLst>
+                            <p:childTnLst>
+                              <p:par>
+                                <p:cTn id="45" presetID="1" presetClass="entr" presetSubtype="0" fill="hold" grpId="0" nodeType="clickEffect">
+                                  <p:stCondLst>
+                                    <p:cond delay="0"/>
+                                  </p:stCondLst>
+                                  <p:childTnLst>
+                                    <p:set>
+                                      <p:cBhvr>
+                                        <p:cTn id="46" dur="1" fill="hold">
+                                          <p:stCondLst>
+                                            <p:cond delay="0"/>
+                                          </p:stCondLst>
+                                        </p:cTn>
+                                        <p:tgtEl>
+                                          <p:spTgt spid="14"/>
+                                        </p:tgtEl>
+                                        <p:attrNameLst>
+                                          <p:attrName>style.visibility</p:attrName>
+                                        </p:attrNameLst>
+                                      </p:cBhvr>
+                                      <p:to>
+                                        <p:strVal val="visible"/>
+                                      </p:to>
+                                    </p:set>
+                                  </p:childTnLst>
+                                </p:cTn>
+                              </p:par>
+                            </p:childTnLst>
+                          </p:cTn>
+                        </p:par>
+                      </p:childTnLst>
+                    </p:cTn>
+                  </p:par>
                 </p:childTnLst>
               </p:cTn>
               <p:prevCondLst>
@@ -13385,6 +13813,10 @@
     </p:tnLst>
     <p:bldLst>
       <p:bldP spid="3" grpId="0" build="p"/>
+      <p:bldP spid="7" grpId="0"/>
+      <p:bldP spid="12" grpId="0"/>
+      <p:bldP spid="13" grpId="0"/>
+      <p:bldP spid="14" grpId="0"/>
     </p:bldLst>
   </p:timing>
 </p:sld>
@@ -14152,6 +14584,51 @@
                       </p:childTnLst>
                     </p:cTn>
                   </p:par>
+                  <p:par>
+                    <p:cTn id="35" fill="hold">
+                      <p:stCondLst>
+                        <p:cond delay="indefinite"/>
+                      </p:stCondLst>
+                      <p:childTnLst>
+                        <p:par>
+                          <p:cTn id="36" fill="hold">
+                            <p:stCondLst>
+                              <p:cond delay="0"/>
+                            </p:stCondLst>
+                            <p:childTnLst>
+                              <p:par>
+                                <p:cTn id="37" presetID="1" presetClass="entr" presetSubtype="0" fill="hold" grpId="0" nodeType="clickEffect">
+                                  <p:stCondLst>
+                                    <p:cond delay="0"/>
+                                  </p:stCondLst>
+                                  <p:childTnLst>
+                                    <p:set>
+                                      <p:cBhvr>
+                                        <p:cTn id="38" dur="1" fill="hold">
+                                          <p:stCondLst>
+                                            <p:cond delay="0"/>
+                                          </p:stCondLst>
+                                        </p:cTn>
+                                        <p:tgtEl>
+                                          <p:spTgt spid="5"/>
+                                        </p:tgtEl>
+                                        <p:attrNameLst>
+                                          <p:attrName>style.visibility</p:attrName>
+                                        </p:attrNameLst>
+                                      </p:cBhvr>
+                                      <p:to>
+                                        <p:strVal val="visible"/>
+                                      </p:to>
+                                    </p:set>
+                                  </p:childTnLst>
+                                </p:cTn>
+                              </p:par>
+                            </p:childTnLst>
+                          </p:cTn>
+                        </p:par>
+                      </p:childTnLst>
+                    </p:cTn>
+                  </p:par>
                 </p:childTnLst>
               </p:cTn>
               <p:prevCondLst>
@@ -14175,6 +14652,7 @@
     </p:tnLst>
     <p:bldLst>
       <p:bldP spid="3" grpId="0" build="p"/>
+      <p:bldP spid="5" grpId="0" animBg="1"/>
     </p:bldLst>
   </p:timing>
 </p:sld>
@@ -21012,7 +21490,7 @@
           <a:lstStyle/>
           <a:p>
             <a:r>
-              <a:rPr lang="en-US" dirty="0"/>
+              <a:rPr lang="en-US" b="1" dirty="0"/>
               <a:t>Lab 7 Contacts provider</a:t>
             </a:r>
           </a:p>
@@ -23798,7 +24276,7 @@
             <a:pPr lvl="1"/>
             <a:r>
               <a:rPr lang="en-US" dirty="0"/>
-              <a:t>MIMETPYE – type of data stored in this row expressed as custom MIME type</a:t>
+              <a:t>MIMETYPE – type of data stored in this row expressed as custom MIME type</a:t>
             </a:r>
           </a:p>
           <a:p>
@@ -29844,12 +30322,32 @@
             </a:r>
           </a:p>
           <a:p>
+            <a:r>
+              <a:rPr lang="en-US" dirty="0"/>
+              <a:t>Allows for abstraction of app’s data </a:t>
+            </a:r>
+          </a:p>
+          <a:p>
+            <a:r>
+              <a:rPr lang="en-US" dirty="0"/>
+              <a:t>Fourth component of 4 main components in Android development</a:t>
+            </a:r>
+          </a:p>
+          <a:p>
             <a:endParaRPr lang="en-US" dirty="0"/>
           </a:p>
           <a:p>
             <a:r>
               <a:rPr lang="en-US" dirty="0"/>
-              <a:t>Lab 7 - </a:t>
+              <a:t>Lab 7 – retrieve list of contacts using </a:t>
+            </a:r>
+            <a:r>
+              <a:rPr lang="en-US" dirty="0" err="1"/>
+              <a:t>ContactsContract</a:t>
+            </a:r>
+            <a:r>
+              <a:rPr lang="en-US" dirty="0"/>
+              <a:t> and display </a:t>
             </a:r>
           </a:p>
         </p:txBody>
@@ -31042,724 +31540,6 @@
           <p:cNvPr id="2" name="Title 1">
             <a:extLst>
               <a:ext uri="{FF2B5EF4-FFF2-40B4-BE49-F238E27FC236}">
-                <a16:creationId xmlns:a16="http://schemas.microsoft.com/office/drawing/2014/main" id="{397FB617-DB41-4EB4-8CFF-75F77C67EEF2}"/>
-              </a:ext>
-            </a:extLst>
-          </p:cNvPr>
-          <p:cNvSpPr>
-            <a:spLocks noGrp="1"/>
-          </p:cNvSpPr>
-          <p:nvPr>
-            <p:ph type="title"/>
-          </p:nvPr>
-        </p:nvSpPr>
-        <p:spPr>
-          <a:xfrm>
-            <a:off x="0" y="1"/>
-            <a:ext cx="12192000" cy="945222"/>
-          </a:xfrm>
-        </p:spPr>
-        <p:txBody>
-          <a:bodyPr/>
-          <a:lstStyle/>
-          <a:p>
-            <a:r>
-              <a:rPr lang="en-US" dirty="0"/>
-              <a:t>Advantages of content provider</a:t>
-            </a:r>
-          </a:p>
-        </p:txBody>
-      </p:sp>
-      <p:sp>
-        <p:nvSpPr>
-          <p:cNvPr id="3" name="Content Placeholder 2">
-            <a:extLst>
-              <a:ext uri="{FF2B5EF4-FFF2-40B4-BE49-F238E27FC236}">
-                <a16:creationId xmlns:a16="http://schemas.microsoft.com/office/drawing/2014/main" id="{71060DFE-49AF-4700-A99B-071F9377A9EF}"/>
-              </a:ext>
-            </a:extLst>
-          </p:cNvPr>
-          <p:cNvSpPr>
-            <a:spLocks noGrp="1"/>
-          </p:cNvSpPr>
-          <p:nvPr>
-            <p:ph idx="1"/>
-          </p:nvPr>
-        </p:nvSpPr>
-        <p:spPr>
-          <a:xfrm>
-            <a:off x="0" y="983145"/>
-            <a:ext cx="12192000" cy="5530671"/>
-          </a:xfrm>
-        </p:spPr>
-        <p:txBody>
-          <a:bodyPr/>
-          <a:lstStyle/>
-          <a:p>
-            <a:r>
-              <a:rPr lang="en-US" dirty="0"/>
-              <a:t>Content providers offer granular control over permissions for accessing data</a:t>
-            </a:r>
-          </a:p>
-          <a:p>
-            <a:r>
-              <a:rPr lang="en-US" dirty="0"/>
-              <a:t>Can choose to restrict access to content provider to your app only</a:t>
-            </a:r>
-          </a:p>
-          <a:p>
-            <a:r>
-              <a:rPr lang="en-US" dirty="0"/>
-              <a:t>Can grant blanket permission to access data from other apps</a:t>
-            </a:r>
-          </a:p>
-          <a:p>
-            <a:r>
-              <a:rPr lang="en-US" dirty="0"/>
-              <a:t>Can configure different permissions for reading/writing data</a:t>
-            </a:r>
-          </a:p>
-          <a:p>
-            <a:r>
-              <a:rPr lang="en-US" dirty="0"/>
-              <a:t>Use content provider to abstract away details for accessing different data sources</a:t>
-            </a:r>
-          </a:p>
-          <a:p>
-            <a:r>
-              <a:rPr lang="en-US" dirty="0"/>
-              <a:t>Example: your app stores structured records in SQLite database, as well as video and audio files. Use a content provider to access all of this data in the same way</a:t>
-            </a:r>
-          </a:p>
-          <a:p>
-            <a:r>
-              <a:rPr lang="en-US" dirty="0"/>
-              <a:t>We will cover:</a:t>
-            </a:r>
-          </a:p>
-          <a:p>
-            <a:pPr lvl="1"/>
-            <a:r>
-              <a:rPr lang="en-US" b="1" dirty="0"/>
-              <a:t>Content provider basics – </a:t>
-            </a:r>
-            <a:r>
-              <a:rPr lang="en-US" b="1" i="1" dirty="0"/>
-              <a:t>access/update data using existing content provider</a:t>
-            </a:r>
-            <a:endParaRPr lang="en-US" b="1" dirty="0"/>
-          </a:p>
-          <a:p>
-            <a:pPr lvl="1"/>
-            <a:r>
-              <a:rPr lang="en-US" dirty="0"/>
-              <a:t>Creating a content provider – </a:t>
-            </a:r>
-            <a:r>
-              <a:rPr lang="en-US" i="1" dirty="0"/>
-              <a:t>design and implement your own content provider</a:t>
-            </a:r>
-            <a:endParaRPr lang="en-US" dirty="0"/>
-          </a:p>
-          <a:p>
-            <a:pPr lvl="1"/>
-            <a:r>
-              <a:rPr lang="en-US" dirty="0"/>
-              <a:t>Calendar provider – </a:t>
-            </a:r>
-            <a:r>
-              <a:rPr lang="en-US" i="1" dirty="0"/>
-              <a:t>access calendar provider (part of Android platform)</a:t>
-            </a:r>
-            <a:endParaRPr lang="en-US" dirty="0"/>
-          </a:p>
-          <a:p>
-            <a:pPr lvl="1"/>
-            <a:r>
-              <a:rPr lang="en-US" dirty="0"/>
-              <a:t>Contacts provider – </a:t>
-            </a:r>
-            <a:r>
-              <a:rPr lang="en-US" i="1" dirty="0"/>
-              <a:t>access contacts provider (part of Android platform)</a:t>
-            </a:r>
-            <a:endParaRPr lang="en-US" dirty="0"/>
-          </a:p>
-        </p:txBody>
-      </p:sp>
-      <p:sp>
-        <p:nvSpPr>
-          <p:cNvPr id="4" name="TextBox 3">
-            <a:extLst>
-              <a:ext uri="{FF2B5EF4-FFF2-40B4-BE49-F238E27FC236}">
-                <a16:creationId xmlns:a16="http://schemas.microsoft.com/office/drawing/2014/main" id="{BF21CA05-4FBC-493A-85E9-48C8B10B76F1}"/>
-              </a:ext>
-            </a:extLst>
-          </p:cNvPr>
-          <p:cNvSpPr txBox="1"/>
-          <p:nvPr/>
-        </p:nvSpPr>
-        <p:spPr>
-          <a:xfrm>
-            <a:off x="0" y="6513816"/>
-            <a:ext cx="12192000" cy="369332"/>
-          </a:xfrm>
-          <a:prstGeom prst="rect">
-            <a:avLst/>
-          </a:prstGeom>
-          <a:noFill/>
-        </p:spPr>
-        <p:txBody>
-          <a:bodyPr wrap="square" rtlCol="0">
-            <a:spAutoFit/>
-          </a:bodyPr>
-          <a:lstStyle/>
-          <a:p>
-            <a:r>
-              <a:rPr lang="en-US">
-                <a:hlinkClick r:id="rId2"/>
-              </a:rPr>
-              <a:t>https://developer.android.com/guide/topics/providers/content-providers</a:t>
-            </a:r>
-            <a:endParaRPr lang="en-US" dirty="0"/>
-          </a:p>
-        </p:txBody>
-      </p:sp>
-    </p:spTree>
-    <p:extLst>
-      <p:ext uri="{BB962C8B-B14F-4D97-AF65-F5344CB8AC3E}">
-        <p14:creationId xmlns:p14="http://schemas.microsoft.com/office/powerpoint/2010/main" val="1795439309"/>
-      </p:ext>
-    </p:extLst>
-  </p:cSld>
-  <p:clrMapOvr>
-    <a:masterClrMapping/>
-  </p:clrMapOvr>
-  <p:timing>
-    <p:tnLst>
-      <p:par>
-        <p:cTn id="1" dur="indefinite" restart="never" nodeType="tmRoot">
-          <p:childTnLst>
-            <p:seq concurrent="1" nextAc="seek">
-              <p:cTn id="2" dur="indefinite" nodeType="mainSeq">
-                <p:childTnLst>
-                  <p:par>
-                    <p:cTn id="3" fill="hold">
-                      <p:stCondLst>
-                        <p:cond delay="indefinite"/>
-                      </p:stCondLst>
-                      <p:childTnLst>
-                        <p:par>
-                          <p:cTn id="4" fill="hold">
-                            <p:stCondLst>
-                              <p:cond delay="0"/>
-                            </p:stCondLst>
-                            <p:childTnLst>
-                              <p:par>
-                                <p:cTn id="5" presetID="1" presetClass="entr" presetSubtype="0" fill="hold" grpId="0" nodeType="clickEffect">
-                                  <p:stCondLst>
-                                    <p:cond delay="0"/>
-                                  </p:stCondLst>
-                                  <p:childTnLst>
-                                    <p:set>
-                                      <p:cBhvr>
-                                        <p:cTn id="6" dur="1" fill="hold">
-                                          <p:stCondLst>
-                                            <p:cond delay="0"/>
-                                          </p:stCondLst>
-                                        </p:cTn>
-                                        <p:tgtEl>
-                                          <p:spTgt spid="3">
-                                            <p:txEl>
-                                              <p:pRg st="0" end="0"/>
-                                            </p:txEl>
-                                          </p:spTgt>
-                                        </p:tgtEl>
-                                        <p:attrNameLst>
-                                          <p:attrName>style.visibility</p:attrName>
-                                        </p:attrNameLst>
-                                      </p:cBhvr>
-                                      <p:to>
-                                        <p:strVal val="visible"/>
-                                      </p:to>
-                                    </p:set>
-                                  </p:childTnLst>
-                                </p:cTn>
-                              </p:par>
-                            </p:childTnLst>
-                          </p:cTn>
-                        </p:par>
-                      </p:childTnLst>
-                    </p:cTn>
-                  </p:par>
-                  <p:par>
-                    <p:cTn id="7" fill="hold">
-                      <p:stCondLst>
-                        <p:cond delay="indefinite"/>
-                      </p:stCondLst>
-                      <p:childTnLst>
-                        <p:par>
-                          <p:cTn id="8" fill="hold">
-                            <p:stCondLst>
-                              <p:cond delay="0"/>
-                            </p:stCondLst>
-                            <p:childTnLst>
-                              <p:par>
-                                <p:cTn id="9" presetID="1" presetClass="entr" presetSubtype="0" fill="hold" grpId="0" nodeType="clickEffect">
-                                  <p:stCondLst>
-                                    <p:cond delay="0"/>
-                                  </p:stCondLst>
-                                  <p:childTnLst>
-                                    <p:set>
-                                      <p:cBhvr>
-                                        <p:cTn id="10" dur="1" fill="hold">
-                                          <p:stCondLst>
-                                            <p:cond delay="0"/>
-                                          </p:stCondLst>
-                                        </p:cTn>
-                                        <p:tgtEl>
-                                          <p:spTgt spid="3">
-                                            <p:txEl>
-                                              <p:pRg st="1" end="1"/>
-                                            </p:txEl>
-                                          </p:spTgt>
-                                        </p:tgtEl>
-                                        <p:attrNameLst>
-                                          <p:attrName>style.visibility</p:attrName>
-                                        </p:attrNameLst>
-                                      </p:cBhvr>
-                                      <p:to>
-                                        <p:strVal val="visible"/>
-                                      </p:to>
-                                    </p:set>
-                                  </p:childTnLst>
-                                </p:cTn>
-                              </p:par>
-                            </p:childTnLst>
-                          </p:cTn>
-                        </p:par>
-                      </p:childTnLst>
-                    </p:cTn>
-                  </p:par>
-                  <p:par>
-                    <p:cTn id="11" fill="hold">
-                      <p:stCondLst>
-                        <p:cond delay="indefinite"/>
-                      </p:stCondLst>
-                      <p:childTnLst>
-                        <p:par>
-                          <p:cTn id="12" fill="hold">
-                            <p:stCondLst>
-                              <p:cond delay="0"/>
-                            </p:stCondLst>
-                            <p:childTnLst>
-                              <p:par>
-                                <p:cTn id="13" presetID="1" presetClass="entr" presetSubtype="0" fill="hold" grpId="0" nodeType="clickEffect">
-                                  <p:stCondLst>
-                                    <p:cond delay="0"/>
-                                  </p:stCondLst>
-                                  <p:childTnLst>
-                                    <p:set>
-                                      <p:cBhvr>
-                                        <p:cTn id="14" dur="1" fill="hold">
-                                          <p:stCondLst>
-                                            <p:cond delay="0"/>
-                                          </p:stCondLst>
-                                        </p:cTn>
-                                        <p:tgtEl>
-                                          <p:spTgt spid="3">
-                                            <p:txEl>
-                                              <p:pRg st="2" end="2"/>
-                                            </p:txEl>
-                                          </p:spTgt>
-                                        </p:tgtEl>
-                                        <p:attrNameLst>
-                                          <p:attrName>style.visibility</p:attrName>
-                                        </p:attrNameLst>
-                                      </p:cBhvr>
-                                      <p:to>
-                                        <p:strVal val="visible"/>
-                                      </p:to>
-                                    </p:set>
-                                  </p:childTnLst>
-                                </p:cTn>
-                              </p:par>
-                            </p:childTnLst>
-                          </p:cTn>
-                        </p:par>
-                      </p:childTnLst>
-                    </p:cTn>
-                  </p:par>
-                  <p:par>
-                    <p:cTn id="15" fill="hold">
-                      <p:stCondLst>
-                        <p:cond delay="indefinite"/>
-                      </p:stCondLst>
-                      <p:childTnLst>
-                        <p:par>
-                          <p:cTn id="16" fill="hold">
-                            <p:stCondLst>
-                              <p:cond delay="0"/>
-                            </p:stCondLst>
-                            <p:childTnLst>
-                              <p:par>
-                                <p:cTn id="17" presetID="1" presetClass="entr" presetSubtype="0" fill="hold" grpId="0" nodeType="clickEffect">
-                                  <p:stCondLst>
-                                    <p:cond delay="0"/>
-                                  </p:stCondLst>
-                                  <p:childTnLst>
-                                    <p:set>
-                                      <p:cBhvr>
-                                        <p:cTn id="18" dur="1" fill="hold">
-                                          <p:stCondLst>
-                                            <p:cond delay="0"/>
-                                          </p:stCondLst>
-                                        </p:cTn>
-                                        <p:tgtEl>
-                                          <p:spTgt spid="3">
-                                            <p:txEl>
-                                              <p:pRg st="3" end="3"/>
-                                            </p:txEl>
-                                          </p:spTgt>
-                                        </p:tgtEl>
-                                        <p:attrNameLst>
-                                          <p:attrName>style.visibility</p:attrName>
-                                        </p:attrNameLst>
-                                      </p:cBhvr>
-                                      <p:to>
-                                        <p:strVal val="visible"/>
-                                      </p:to>
-                                    </p:set>
-                                  </p:childTnLst>
-                                </p:cTn>
-                              </p:par>
-                            </p:childTnLst>
-                          </p:cTn>
-                        </p:par>
-                      </p:childTnLst>
-                    </p:cTn>
-                  </p:par>
-                  <p:par>
-                    <p:cTn id="19" fill="hold">
-                      <p:stCondLst>
-                        <p:cond delay="indefinite"/>
-                      </p:stCondLst>
-                      <p:childTnLst>
-                        <p:par>
-                          <p:cTn id="20" fill="hold">
-                            <p:stCondLst>
-                              <p:cond delay="0"/>
-                            </p:stCondLst>
-                            <p:childTnLst>
-                              <p:par>
-                                <p:cTn id="21" presetID="1" presetClass="entr" presetSubtype="0" fill="hold" grpId="0" nodeType="clickEffect">
-                                  <p:stCondLst>
-                                    <p:cond delay="0"/>
-                                  </p:stCondLst>
-                                  <p:childTnLst>
-                                    <p:set>
-                                      <p:cBhvr>
-                                        <p:cTn id="22" dur="1" fill="hold">
-                                          <p:stCondLst>
-                                            <p:cond delay="0"/>
-                                          </p:stCondLst>
-                                        </p:cTn>
-                                        <p:tgtEl>
-                                          <p:spTgt spid="3">
-                                            <p:txEl>
-                                              <p:pRg st="4" end="4"/>
-                                            </p:txEl>
-                                          </p:spTgt>
-                                        </p:tgtEl>
-                                        <p:attrNameLst>
-                                          <p:attrName>style.visibility</p:attrName>
-                                        </p:attrNameLst>
-                                      </p:cBhvr>
-                                      <p:to>
-                                        <p:strVal val="visible"/>
-                                      </p:to>
-                                    </p:set>
-                                  </p:childTnLst>
-                                </p:cTn>
-                              </p:par>
-                            </p:childTnLst>
-                          </p:cTn>
-                        </p:par>
-                      </p:childTnLst>
-                    </p:cTn>
-                  </p:par>
-                  <p:par>
-                    <p:cTn id="23" fill="hold">
-                      <p:stCondLst>
-                        <p:cond delay="indefinite"/>
-                      </p:stCondLst>
-                      <p:childTnLst>
-                        <p:par>
-                          <p:cTn id="24" fill="hold">
-                            <p:stCondLst>
-                              <p:cond delay="0"/>
-                            </p:stCondLst>
-                            <p:childTnLst>
-                              <p:par>
-                                <p:cTn id="25" presetID="1" presetClass="entr" presetSubtype="0" fill="hold" grpId="0" nodeType="clickEffect">
-                                  <p:stCondLst>
-                                    <p:cond delay="0"/>
-                                  </p:stCondLst>
-                                  <p:childTnLst>
-                                    <p:set>
-                                      <p:cBhvr>
-                                        <p:cTn id="26" dur="1" fill="hold">
-                                          <p:stCondLst>
-                                            <p:cond delay="0"/>
-                                          </p:stCondLst>
-                                        </p:cTn>
-                                        <p:tgtEl>
-                                          <p:spTgt spid="3">
-                                            <p:txEl>
-                                              <p:pRg st="5" end="5"/>
-                                            </p:txEl>
-                                          </p:spTgt>
-                                        </p:tgtEl>
-                                        <p:attrNameLst>
-                                          <p:attrName>style.visibility</p:attrName>
-                                        </p:attrNameLst>
-                                      </p:cBhvr>
-                                      <p:to>
-                                        <p:strVal val="visible"/>
-                                      </p:to>
-                                    </p:set>
-                                  </p:childTnLst>
-                                </p:cTn>
-                              </p:par>
-                            </p:childTnLst>
-                          </p:cTn>
-                        </p:par>
-                      </p:childTnLst>
-                    </p:cTn>
-                  </p:par>
-                  <p:par>
-                    <p:cTn id="27" fill="hold">
-                      <p:stCondLst>
-                        <p:cond delay="indefinite"/>
-                      </p:stCondLst>
-                      <p:childTnLst>
-                        <p:par>
-                          <p:cTn id="28" fill="hold">
-                            <p:stCondLst>
-                              <p:cond delay="0"/>
-                            </p:stCondLst>
-                            <p:childTnLst>
-                              <p:par>
-                                <p:cTn id="29" presetID="1" presetClass="entr" presetSubtype="0" fill="hold" grpId="0" nodeType="clickEffect">
-                                  <p:stCondLst>
-                                    <p:cond delay="0"/>
-                                  </p:stCondLst>
-                                  <p:childTnLst>
-                                    <p:set>
-                                      <p:cBhvr>
-                                        <p:cTn id="30" dur="1" fill="hold">
-                                          <p:stCondLst>
-                                            <p:cond delay="0"/>
-                                          </p:stCondLst>
-                                        </p:cTn>
-                                        <p:tgtEl>
-                                          <p:spTgt spid="3">
-                                            <p:txEl>
-                                              <p:pRg st="6" end="6"/>
-                                            </p:txEl>
-                                          </p:spTgt>
-                                        </p:tgtEl>
-                                        <p:attrNameLst>
-                                          <p:attrName>style.visibility</p:attrName>
-                                        </p:attrNameLst>
-                                      </p:cBhvr>
-                                      <p:to>
-                                        <p:strVal val="visible"/>
-                                      </p:to>
-                                    </p:set>
-                                  </p:childTnLst>
-                                </p:cTn>
-                              </p:par>
-                              <p:par>
-                                <p:cTn id="31" presetID="1" presetClass="entr" presetSubtype="0" fill="hold" grpId="0" nodeType="withEffect">
-                                  <p:stCondLst>
-                                    <p:cond delay="0"/>
-                                  </p:stCondLst>
-                                  <p:childTnLst>
-                                    <p:set>
-                                      <p:cBhvr>
-                                        <p:cTn id="32" dur="1" fill="hold">
-                                          <p:stCondLst>
-                                            <p:cond delay="0"/>
-                                          </p:stCondLst>
-                                        </p:cTn>
-                                        <p:tgtEl>
-                                          <p:spTgt spid="3">
-                                            <p:txEl>
-                                              <p:pRg st="7" end="7"/>
-                                            </p:txEl>
-                                          </p:spTgt>
-                                        </p:tgtEl>
-                                        <p:attrNameLst>
-                                          <p:attrName>style.visibility</p:attrName>
-                                        </p:attrNameLst>
-                                      </p:cBhvr>
-                                      <p:to>
-                                        <p:strVal val="visible"/>
-                                      </p:to>
-                                    </p:set>
-                                  </p:childTnLst>
-                                </p:cTn>
-                              </p:par>
-                              <p:par>
-                                <p:cTn id="33" presetID="1" presetClass="entr" presetSubtype="0" fill="hold" grpId="0" nodeType="withEffect">
-                                  <p:stCondLst>
-                                    <p:cond delay="0"/>
-                                  </p:stCondLst>
-                                  <p:childTnLst>
-                                    <p:set>
-                                      <p:cBhvr>
-                                        <p:cTn id="34" dur="1" fill="hold">
-                                          <p:stCondLst>
-                                            <p:cond delay="0"/>
-                                          </p:stCondLst>
-                                        </p:cTn>
-                                        <p:tgtEl>
-                                          <p:spTgt spid="3">
-                                            <p:txEl>
-                                              <p:pRg st="8" end="8"/>
-                                            </p:txEl>
-                                          </p:spTgt>
-                                        </p:tgtEl>
-                                        <p:attrNameLst>
-                                          <p:attrName>style.visibility</p:attrName>
-                                        </p:attrNameLst>
-                                      </p:cBhvr>
-                                      <p:to>
-                                        <p:strVal val="visible"/>
-                                      </p:to>
-                                    </p:set>
-                                  </p:childTnLst>
-                                </p:cTn>
-                              </p:par>
-                              <p:par>
-                                <p:cTn id="35" presetID="1" presetClass="entr" presetSubtype="0" fill="hold" grpId="0" nodeType="withEffect">
-                                  <p:stCondLst>
-                                    <p:cond delay="0"/>
-                                  </p:stCondLst>
-                                  <p:childTnLst>
-                                    <p:set>
-                                      <p:cBhvr>
-                                        <p:cTn id="36" dur="1" fill="hold">
-                                          <p:stCondLst>
-                                            <p:cond delay="0"/>
-                                          </p:stCondLst>
-                                        </p:cTn>
-                                        <p:tgtEl>
-                                          <p:spTgt spid="3">
-                                            <p:txEl>
-                                              <p:pRg st="9" end="9"/>
-                                            </p:txEl>
-                                          </p:spTgt>
-                                        </p:tgtEl>
-                                        <p:attrNameLst>
-                                          <p:attrName>style.visibility</p:attrName>
-                                        </p:attrNameLst>
-                                      </p:cBhvr>
-                                      <p:to>
-                                        <p:strVal val="visible"/>
-                                      </p:to>
-                                    </p:set>
-                                  </p:childTnLst>
-                                </p:cTn>
-                              </p:par>
-                              <p:par>
-                                <p:cTn id="37" presetID="1" presetClass="entr" presetSubtype="0" fill="hold" grpId="0" nodeType="withEffect">
-                                  <p:stCondLst>
-                                    <p:cond delay="0"/>
-                                  </p:stCondLst>
-                                  <p:childTnLst>
-                                    <p:set>
-                                      <p:cBhvr>
-                                        <p:cTn id="38" dur="1" fill="hold">
-                                          <p:stCondLst>
-                                            <p:cond delay="0"/>
-                                          </p:stCondLst>
-                                        </p:cTn>
-                                        <p:tgtEl>
-                                          <p:spTgt spid="3">
-                                            <p:txEl>
-                                              <p:pRg st="10" end="10"/>
-                                            </p:txEl>
-                                          </p:spTgt>
-                                        </p:tgtEl>
-                                        <p:attrNameLst>
-                                          <p:attrName>style.visibility</p:attrName>
-                                        </p:attrNameLst>
-                                      </p:cBhvr>
-                                      <p:to>
-                                        <p:strVal val="visible"/>
-                                      </p:to>
-                                    </p:set>
-                                  </p:childTnLst>
-                                </p:cTn>
-                              </p:par>
-                            </p:childTnLst>
-                          </p:cTn>
-                        </p:par>
-                      </p:childTnLst>
-                    </p:cTn>
-                  </p:par>
-                </p:childTnLst>
-              </p:cTn>
-              <p:prevCondLst>
-                <p:cond evt="onPrev" delay="0">
-                  <p:tgtEl>
-                    <p:sldTgt/>
-                  </p:tgtEl>
-                </p:cond>
-              </p:prevCondLst>
-              <p:nextCondLst>
-                <p:cond evt="onNext" delay="0">
-                  <p:tgtEl>
-                    <p:sldTgt/>
-                  </p:tgtEl>
-                </p:cond>
-              </p:nextCondLst>
-            </p:seq>
-          </p:childTnLst>
-        </p:cTn>
-      </p:par>
-    </p:tnLst>
-    <p:bldLst>
-      <p:bldP spid="3" grpId="0" build="p"/>
-    </p:bldLst>
-  </p:timing>
-</p:sld>
-</file>
-
-<file path=ppt/slides/slide7.xml><?xml version="1.0" encoding="utf-8"?>
-<p:sld xmlns:a="http://schemas.openxmlformats.org/drawingml/2006/main" xmlns:r="http://schemas.openxmlformats.org/officeDocument/2006/relationships" xmlns:p="http://schemas.openxmlformats.org/presentationml/2006/main">
-  <p:cSld>
-    <p:spTree>
-      <p:nvGrpSpPr>
-        <p:cNvPr id="1" name=""/>
-        <p:cNvGrpSpPr/>
-        <p:nvPr/>
-      </p:nvGrpSpPr>
-      <p:grpSpPr>
-        <a:xfrm>
-          <a:off x="0" y="0"/>
-          <a:ext cx="0" cy="0"/>
-          <a:chOff x="0" y="0"/>
-          <a:chExt cx="0" cy="0"/>
-        </a:xfrm>
-      </p:grpSpPr>
-      <p:sp>
-        <p:nvSpPr>
-          <p:cNvPr id="2" name="Title 1">
-            <a:extLst>
-              <a:ext uri="{FF2B5EF4-FFF2-40B4-BE49-F238E27FC236}">
                 <a16:creationId xmlns:a16="http://schemas.microsoft.com/office/drawing/2014/main" id="{A5D8148A-98B9-495C-8963-9158B8B26F42}"/>
               </a:ext>
             </a:extLst>
@@ -32435,6 +32215,724 @@
                                           <p:spTgt spid="3">
                                             <p:txEl>
                                               <p:pRg st="11" end="11"/>
+                                            </p:txEl>
+                                          </p:spTgt>
+                                        </p:tgtEl>
+                                        <p:attrNameLst>
+                                          <p:attrName>style.visibility</p:attrName>
+                                        </p:attrNameLst>
+                                      </p:cBhvr>
+                                      <p:to>
+                                        <p:strVal val="visible"/>
+                                      </p:to>
+                                    </p:set>
+                                  </p:childTnLst>
+                                </p:cTn>
+                              </p:par>
+                            </p:childTnLst>
+                          </p:cTn>
+                        </p:par>
+                      </p:childTnLst>
+                    </p:cTn>
+                  </p:par>
+                </p:childTnLst>
+              </p:cTn>
+              <p:prevCondLst>
+                <p:cond evt="onPrev" delay="0">
+                  <p:tgtEl>
+                    <p:sldTgt/>
+                  </p:tgtEl>
+                </p:cond>
+              </p:prevCondLst>
+              <p:nextCondLst>
+                <p:cond evt="onNext" delay="0">
+                  <p:tgtEl>
+                    <p:sldTgt/>
+                  </p:tgtEl>
+                </p:cond>
+              </p:nextCondLst>
+            </p:seq>
+          </p:childTnLst>
+        </p:cTn>
+      </p:par>
+    </p:tnLst>
+    <p:bldLst>
+      <p:bldP spid="3" grpId="0" build="p"/>
+    </p:bldLst>
+  </p:timing>
+</p:sld>
+</file>
+
+<file path=ppt/slides/slide7.xml><?xml version="1.0" encoding="utf-8"?>
+<p:sld xmlns:a="http://schemas.openxmlformats.org/drawingml/2006/main" xmlns:r="http://schemas.openxmlformats.org/officeDocument/2006/relationships" xmlns:p="http://schemas.openxmlformats.org/presentationml/2006/main">
+  <p:cSld>
+    <p:spTree>
+      <p:nvGrpSpPr>
+        <p:cNvPr id="1" name=""/>
+        <p:cNvGrpSpPr/>
+        <p:nvPr/>
+      </p:nvGrpSpPr>
+      <p:grpSpPr>
+        <a:xfrm>
+          <a:off x="0" y="0"/>
+          <a:ext cx="0" cy="0"/>
+          <a:chOff x="0" y="0"/>
+          <a:chExt cx="0" cy="0"/>
+        </a:xfrm>
+      </p:grpSpPr>
+      <p:sp>
+        <p:nvSpPr>
+          <p:cNvPr id="2" name="Title 1">
+            <a:extLst>
+              <a:ext uri="{FF2B5EF4-FFF2-40B4-BE49-F238E27FC236}">
+                <a16:creationId xmlns:a16="http://schemas.microsoft.com/office/drawing/2014/main" id="{397FB617-DB41-4EB4-8CFF-75F77C67EEF2}"/>
+              </a:ext>
+            </a:extLst>
+          </p:cNvPr>
+          <p:cNvSpPr>
+            <a:spLocks noGrp="1"/>
+          </p:cNvSpPr>
+          <p:nvPr>
+            <p:ph type="title"/>
+          </p:nvPr>
+        </p:nvSpPr>
+        <p:spPr>
+          <a:xfrm>
+            <a:off x="0" y="1"/>
+            <a:ext cx="12192000" cy="945222"/>
+          </a:xfrm>
+        </p:spPr>
+        <p:txBody>
+          <a:bodyPr/>
+          <a:lstStyle/>
+          <a:p>
+            <a:r>
+              <a:rPr lang="en-US" dirty="0"/>
+              <a:t>Advantages of content provider</a:t>
+            </a:r>
+          </a:p>
+        </p:txBody>
+      </p:sp>
+      <p:sp>
+        <p:nvSpPr>
+          <p:cNvPr id="3" name="Content Placeholder 2">
+            <a:extLst>
+              <a:ext uri="{FF2B5EF4-FFF2-40B4-BE49-F238E27FC236}">
+                <a16:creationId xmlns:a16="http://schemas.microsoft.com/office/drawing/2014/main" id="{71060DFE-49AF-4700-A99B-071F9377A9EF}"/>
+              </a:ext>
+            </a:extLst>
+          </p:cNvPr>
+          <p:cNvSpPr>
+            <a:spLocks noGrp="1"/>
+          </p:cNvSpPr>
+          <p:nvPr>
+            <p:ph idx="1"/>
+          </p:nvPr>
+        </p:nvSpPr>
+        <p:spPr>
+          <a:xfrm>
+            <a:off x="0" y="983145"/>
+            <a:ext cx="12192000" cy="5530671"/>
+          </a:xfrm>
+        </p:spPr>
+        <p:txBody>
+          <a:bodyPr/>
+          <a:lstStyle/>
+          <a:p>
+            <a:r>
+              <a:rPr lang="en-US" dirty="0"/>
+              <a:t>Content providers offer granular control over permissions for accessing data</a:t>
+            </a:r>
+          </a:p>
+          <a:p>
+            <a:r>
+              <a:rPr lang="en-US" dirty="0"/>
+              <a:t>Can choose to restrict access to content provider to your app only</a:t>
+            </a:r>
+          </a:p>
+          <a:p>
+            <a:r>
+              <a:rPr lang="en-US" dirty="0"/>
+              <a:t>Can grant blanket permission to access data from other apps</a:t>
+            </a:r>
+          </a:p>
+          <a:p>
+            <a:r>
+              <a:rPr lang="en-US" dirty="0"/>
+              <a:t>Can configure different permissions for reading/writing data</a:t>
+            </a:r>
+          </a:p>
+          <a:p>
+            <a:r>
+              <a:rPr lang="en-US" dirty="0"/>
+              <a:t>Use content provider to abstract away details for accessing different data sources</a:t>
+            </a:r>
+          </a:p>
+          <a:p>
+            <a:r>
+              <a:rPr lang="en-US" dirty="0"/>
+              <a:t>Example: your app stores structured records in SQLite database, as well as video and audio files. Use a content provider to access all of this data in the same way</a:t>
+            </a:r>
+          </a:p>
+          <a:p>
+            <a:r>
+              <a:rPr lang="en-US" dirty="0"/>
+              <a:t>We will cover:</a:t>
+            </a:r>
+          </a:p>
+          <a:p>
+            <a:pPr lvl="1"/>
+            <a:r>
+              <a:rPr lang="en-US" b="1" dirty="0"/>
+              <a:t>Content provider basics – </a:t>
+            </a:r>
+            <a:r>
+              <a:rPr lang="en-US" b="1" i="1" dirty="0"/>
+              <a:t>access/update data using existing content provider</a:t>
+            </a:r>
+            <a:endParaRPr lang="en-US" b="1" dirty="0"/>
+          </a:p>
+          <a:p>
+            <a:pPr lvl="1"/>
+            <a:r>
+              <a:rPr lang="en-US" dirty="0"/>
+              <a:t>Creating a content provider – </a:t>
+            </a:r>
+            <a:r>
+              <a:rPr lang="en-US" i="1" dirty="0"/>
+              <a:t>design and implement your own content provider</a:t>
+            </a:r>
+            <a:endParaRPr lang="en-US" dirty="0"/>
+          </a:p>
+          <a:p>
+            <a:pPr lvl="1"/>
+            <a:r>
+              <a:rPr lang="en-US" dirty="0"/>
+              <a:t>Calendar provider – </a:t>
+            </a:r>
+            <a:r>
+              <a:rPr lang="en-US" i="1" dirty="0"/>
+              <a:t>access calendar provider (part of Android platform)</a:t>
+            </a:r>
+            <a:endParaRPr lang="en-US" dirty="0"/>
+          </a:p>
+          <a:p>
+            <a:pPr lvl="1"/>
+            <a:r>
+              <a:rPr lang="en-US" b="1" dirty="0"/>
+              <a:t>Contacts provider – </a:t>
+            </a:r>
+            <a:r>
+              <a:rPr lang="en-US" b="1" i="1" dirty="0"/>
+              <a:t>access contacts provider (part of Android platform)</a:t>
+            </a:r>
+            <a:endParaRPr lang="en-US" b="1" dirty="0"/>
+          </a:p>
+        </p:txBody>
+      </p:sp>
+      <p:sp>
+        <p:nvSpPr>
+          <p:cNvPr id="4" name="TextBox 3">
+            <a:extLst>
+              <a:ext uri="{FF2B5EF4-FFF2-40B4-BE49-F238E27FC236}">
+                <a16:creationId xmlns:a16="http://schemas.microsoft.com/office/drawing/2014/main" id="{BF21CA05-4FBC-493A-85E9-48C8B10B76F1}"/>
+              </a:ext>
+            </a:extLst>
+          </p:cNvPr>
+          <p:cNvSpPr txBox="1"/>
+          <p:nvPr/>
+        </p:nvSpPr>
+        <p:spPr>
+          <a:xfrm>
+            <a:off x="0" y="6513816"/>
+            <a:ext cx="12192000" cy="369332"/>
+          </a:xfrm>
+          <a:prstGeom prst="rect">
+            <a:avLst/>
+          </a:prstGeom>
+          <a:noFill/>
+        </p:spPr>
+        <p:txBody>
+          <a:bodyPr wrap="square" rtlCol="0">
+            <a:spAutoFit/>
+          </a:bodyPr>
+          <a:lstStyle/>
+          <a:p>
+            <a:r>
+              <a:rPr lang="en-US">
+                <a:hlinkClick r:id="rId2"/>
+              </a:rPr>
+              <a:t>https://developer.android.com/guide/topics/providers/content-providers</a:t>
+            </a:r>
+            <a:endParaRPr lang="en-US" dirty="0"/>
+          </a:p>
+        </p:txBody>
+      </p:sp>
+    </p:spTree>
+    <p:extLst>
+      <p:ext uri="{BB962C8B-B14F-4D97-AF65-F5344CB8AC3E}">
+        <p14:creationId xmlns:p14="http://schemas.microsoft.com/office/powerpoint/2010/main" val="1795439309"/>
+      </p:ext>
+    </p:extLst>
+  </p:cSld>
+  <p:clrMapOvr>
+    <a:masterClrMapping/>
+  </p:clrMapOvr>
+  <p:timing>
+    <p:tnLst>
+      <p:par>
+        <p:cTn id="1" dur="indefinite" restart="never" nodeType="tmRoot">
+          <p:childTnLst>
+            <p:seq concurrent="1" nextAc="seek">
+              <p:cTn id="2" dur="indefinite" nodeType="mainSeq">
+                <p:childTnLst>
+                  <p:par>
+                    <p:cTn id="3" fill="hold">
+                      <p:stCondLst>
+                        <p:cond delay="indefinite"/>
+                      </p:stCondLst>
+                      <p:childTnLst>
+                        <p:par>
+                          <p:cTn id="4" fill="hold">
+                            <p:stCondLst>
+                              <p:cond delay="0"/>
+                            </p:stCondLst>
+                            <p:childTnLst>
+                              <p:par>
+                                <p:cTn id="5" presetID="1" presetClass="entr" presetSubtype="0" fill="hold" grpId="0" nodeType="clickEffect">
+                                  <p:stCondLst>
+                                    <p:cond delay="0"/>
+                                  </p:stCondLst>
+                                  <p:childTnLst>
+                                    <p:set>
+                                      <p:cBhvr>
+                                        <p:cTn id="6" dur="1" fill="hold">
+                                          <p:stCondLst>
+                                            <p:cond delay="0"/>
+                                          </p:stCondLst>
+                                        </p:cTn>
+                                        <p:tgtEl>
+                                          <p:spTgt spid="3">
+                                            <p:txEl>
+                                              <p:pRg st="0" end="0"/>
+                                            </p:txEl>
+                                          </p:spTgt>
+                                        </p:tgtEl>
+                                        <p:attrNameLst>
+                                          <p:attrName>style.visibility</p:attrName>
+                                        </p:attrNameLst>
+                                      </p:cBhvr>
+                                      <p:to>
+                                        <p:strVal val="visible"/>
+                                      </p:to>
+                                    </p:set>
+                                  </p:childTnLst>
+                                </p:cTn>
+                              </p:par>
+                            </p:childTnLst>
+                          </p:cTn>
+                        </p:par>
+                      </p:childTnLst>
+                    </p:cTn>
+                  </p:par>
+                  <p:par>
+                    <p:cTn id="7" fill="hold">
+                      <p:stCondLst>
+                        <p:cond delay="indefinite"/>
+                      </p:stCondLst>
+                      <p:childTnLst>
+                        <p:par>
+                          <p:cTn id="8" fill="hold">
+                            <p:stCondLst>
+                              <p:cond delay="0"/>
+                            </p:stCondLst>
+                            <p:childTnLst>
+                              <p:par>
+                                <p:cTn id="9" presetID="1" presetClass="entr" presetSubtype="0" fill="hold" grpId="0" nodeType="clickEffect">
+                                  <p:stCondLst>
+                                    <p:cond delay="0"/>
+                                  </p:stCondLst>
+                                  <p:childTnLst>
+                                    <p:set>
+                                      <p:cBhvr>
+                                        <p:cTn id="10" dur="1" fill="hold">
+                                          <p:stCondLst>
+                                            <p:cond delay="0"/>
+                                          </p:stCondLst>
+                                        </p:cTn>
+                                        <p:tgtEl>
+                                          <p:spTgt spid="3">
+                                            <p:txEl>
+                                              <p:pRg st="1" end="1"/>
+                                            </p:txEl>
+                                          </p:spTgt>
+                                        </p:tgtEl>
+                                        <p:attrNameLst>
+                                          <p:attrName>style.visibility</p:attrName>
+                                        </p:attrNameLst>
+                                      </p:cBhvr>
+                                      <p:to>
+                                        <p:strVal val="visible"/>
+                                      </p:to>
+                                    </p:set>
+                                  </p:childTnLst>
+                                </p:cTn>
+                              </p:par>
+                            </p:childTnLst>
+                          </p:cTn>
+                        </p:par>
+                      </p:childTnLst>
+                    </p:cTn>
+                  </p:par>
+                  <p:par>
+                    <p:cTn id="11" fill="hold">
+                      <p:stCondLst>
+                        <p:cond delay="indefinite"/>
+                      </p:stCondLst>
+                      <p:childTnLst>
+                        <p:par>
+                          <p:cTn id="12" fill="hold">
+                            <p:stCondLst>
+                              <p:cond delay="0"/>
+                            </p:stCondLst>
+                            <p:childTnLst>
+                              <p:par>
+                                <p:cTn id="13" presetID="1" presetClass="entr" presetSubtype="0" fill="hold" grpId="0" nodeType="clickEffect">
+                                  <p:stCondLst>
+                                    <p:cond delay="0"/>
+                                  </p:stCondLst>
+                                  <p:childTnLst>
+                                    <p:set>
+                                      <p:cBhvr>
+                                        <p:cTn id="14" dur="1" fill="hold">
+                                          <p:stCondLst>
+                                            <p:cond delay="0"/>
+                                          </p:stCondLst>
+                                        </p:cTn>
+                                        <p:tgtEl>
+                                          <p:spTgt spid="3">
+                                            <p:txEl>
+                                              <p:pRg st="2" end="2"/>
+                                            </p:txEl>
+                                          </p:spTgt>
+                                        </p:tgtEl>
+                                        <p:attrNameLst>
+                                          <p:attrName>style.visibility</p:attrName>
+                                        </p:attrNameLst>
+                                      </p:cBhvr>
+                                      <p:to>
+                                        <p:strVal val="visible"/>
+                                      </p:to>
+                                    </p:set>
+                                  </p:childTnLst>
+                                </p:cTn>
+                              </p:par>
+                            </p:childTnLst>
+                          </p:cTn>
+                        </p:par>
+                      </p:childTnLst>
+                    </p:cTn>
+                  </p:par>
+                  <p:par>
+                    <p:cTn id="15" fill="hold">
+                      <p:stCondLst>
+                        <p:cond delay="indefinite"/>
+                      </p:stCondLst>
+                      <p:childTnLst>
+                        <p:par>
+                          <p:cTn id="16" fill="hold">
+                            <p:stCondLst>
+                              <p:cond delay="0"/>
+                            </p:stCondLst>
+                            <p:childTnLst>
+                              <p:par>
+                                <p:cTn id="17" presetID="1" presetClass="entr" presetSubtype="0" fill="hold" grpId="0" nodeType="clickEffect">
+                                  <p:stCondLst>
+                                    <p:cond delay="0"/>
+                                  </p:stCondLst>
+                                  <p:childTnLst>
+                                    <p:set>
+                                      <p:cBhvr>
+                                        <p:cTn id="18" dur="1" fill="hold">
+                                          <p:stCondLst>
+                                            <p:cond delay="0"/>
+                                          </p:stCondLst>
+                                        </p:cTn>
+                                        <p:tgtEl>
+                                          <p:spTgt spid="3">
+                                            <p:txEl>
+                                              <p:pRg st="3" end="3"/>
+                                            </p:txEl>
+                                          </p:spTgt>
+                                        </p:tgtEl>
+                                        <p:attrNameLst>
+                                          <p:attrName>style.visibility</p:attrName>
+                                        </p:attrNameLst>
+                                      </p:cBhvr>
+                                      <p:to>
+                                        <p:strVal val="visible"/>
+                                      </p:to>
+                                    </p:set>
+                                  </p:childTnLst>
+                                </p:cTn>
+                              </p:par>
+                            </p:childTnLst>
+                          </p:cTn>
+                        </p:par>
+                      </p:childTnLst>
+                    </p:cTn>
+                  </p:par>
+                  <p:par>
+                    <p:cTn id="19" fill="hold">
+                      <p:stCondLst>
+                        <p:cond delay="indefinite"/>
+                      </p:stCondLst>
+                      <p:childTnLst>
+                        <p:par>
+                          <p:cTn id="20" fill="hold">
+                            <p:stCondLst>
+                              <p:cond delay="0"/>
+                            </p:stCondLst>
+                            <p:childTnLst>
+                              <p:par>
+                                <p:cTn id="21" presetID="1" presetClass="entr" presetSubtype="0" fill="hold" grpId="0" nodeType="clickEffect">
+                                  <p:stCondLst>
+                                    <p:cond delay="0"/>
+                                  </p:stCondLst>
+                                  <p:childTnLst>
+                                    <p:set>
+                                      <p:cBhvr>
+                                        <p:cTn id="22" dur="1" fill="hold">
+                                          <p:stCondLst>
+                                            <p:cond delay="0"/>
+                                          </p:stCondLst>
+                                        </p:cTn>
+                                        <p:tgtEl>
+                                          <p:spTgt spid="3">
+                                            <p:txEl>
+                                              <p:pRg st="4" end="4"/>
+                                            </p:txEl>
+                                          </p:spTgt>
+                                        </p:tgtEl>
+                                        <p:attrNameLst>
+                                          <p:attrName>style.visibility</p:attrName>
+                                        </p:attrNameLst>
+                                      </p:cBhvr>
+                                      <p:to>
+                                        <p:strVal val="visible"/>
+                                      </p:to>
+                                    </p:set>
+                                  </p:childTnLst>
+                                </p:cTn>
+                              </p:par>
+                            </p:childTnLst>
+                          </p:cTn>
+                        </p:par>
+                      </p:childTnLst>
+                    </p:cTn>
+                  </p:par>
+                  <p:par>
+                    <p:cTn id="23" fill="hold">
+                      <p:stCondLst>
+                        <p:cond delay="indefinite"/>
+                      </p:stCondLst>
+                      <p:childTnLst>
+                        <p:par>
+                          <p:cTn id="24" fill="hold">
+                            <p:stCondLst>
+                              <p:cond delay="0"/>
+                            </p:stCondLst>
+                            <p:childTnLst>
+                              <p:par>
+                                <p:cTn id="25" presetID="1" presetClass="entr" presetSubtype="0" fill="hold" grpId="0" nodeType="clickEffect">
+                                  <p:stCondLst>
+                                    <p:cond delay="0"/>
+                                  </p:stCondLst>
+                                  <p:childTnLst>
+                                    <p:set>
+                                      <p:cBhvr>
+                                        <p:cTn id="26" dur="1" fill="hold">
+                                          <p:stCondLst>
+                                            <p:cond delay="0"/>
+                                          </p:stCondLst>
+                                        </p:cTn>
+                                        <p:tgtEl>
+                                          <p:spTgt spid="3">
+                                            <p:txEl>
+                                              <p:pRg st="5" end="5"/>
+                                            </p:txEl>
+                                          </p:spTgt>
+                                        </p:tgtEl>
+                                        <p:attrNameLst>
+                                          <p:attrName>style.visibility</p:attrName>
+                                        </p:attrNameLst>
+                                      </p:cBhvr>
+                                      <p:to>
+                                        <p:strVal val="visible"/>
+                                      </p:to>
+                                    </p:set>
+                                  </p:childTnLst>
+                                </p:cTn>
+                              </p:par>
+                            </p:childTnLst>
+                          </p:cTn>
+                        </p:par>
+                      </p:childTnLst>
+                    </p:cTn>
+                  </p:par>
+                  <p:par>
+                    <p:cTn id="27" fill="hold">
+                      <p:stCondLst>
+                        <p:cond delay="indefinite"/>
+                      </p:stCondLst>
+                      <p:childTnLst>
+                        <p:par>
+                          <p:cTn id="28" fill="hold">
+                            <p:stCondLst>
+                              <p:cond delay="0"/>
+                            </p:stCondLst>
+                            <p:childTnLst>
+                              <p:par>
+                                <p:cTn id="29" presetID="1" presetClass="entr" presetSubtype="0" fill="hold" grpId="0" nodeType="clickEffect">
+                                  <p:stCondLst>
+                                    <p:cond delay="0"/>
+                                  </p:stCondLst>
+                                  <p:childTnLst>
+                                    <p:set>
+                                      <p:cBhvr>
+                                        <p:cTn id="30" dur="1" fill="hold">
+                                          <p:stCondLst>
+                                            <p:cond delay="0"/>
+                                          </p:stCondLst>
+                                        </p:cTn>
+                                        <p:tgtEl>
+                                          <p:spTgt spid="3">
+                                            <p:txEl>
+                                              <p:pRg st="6" end="6"/>
+                                            </p:txEl>
+                                          </p:spTgt>
+                                        </p:tgtEl>
+                                        <p:attrNameLst>
+                                          <p:attrName>style.visibility</p:attrName>
+                                        </p:attrNameLst>
+                                      </p:cBhvr>
+                                      <p:to>
+                                        <p:strVal val="visible"/>
+                                      </p:to>
+                                    </p:set>
+                                  </p:childTnLst>
+                                </p:cTn>
+                              </p:par>
+                              <p:par>
+                                <p:cTn id="31" presetID="1" presetClass="entr" presetSubtype="0" fill="hold" grpId="0" nodeType="withEffect">
+                                  <p:stCondLst>
+                                    <p:cond delay="0"/>
+                                  </p:stCondLst>
+                                  <p:childTnLst>
+                                    <p:set>
+                                      <p:cBhvr>
+                                        <p:cTn id="32" dur="1" fill="hold">
+                                          <p:stCondLst>
+                                            <p:cond delay="0"/>
+                                          </p:stCondLst>
+                                        </p:cTn>
+                                        <p:tgtEl>
+                                          <p:spTgt spid="3">
+                                            <p:txEl>
+                                              <p:pRg st="7" end="7"/>
+                                            </p:txEl>
+                                          </p:spTgt>
+                                        </p:tgtEl>
+                                        <p:attrNameLst>
+                                          <p:attrName>style.visibility</p:attrName>
+                                        </p:attrNameLst>
+                                      </p:cBhvr>
+                                      <p:to>
+                                        <p:strVal val="visible"/>
+                                      </p:to>
+                                    </p:set>
+                                  </p:childTnLst>
+                                </p:cTn>
+                              </p:par>
+                              <p:par>
+                                <p:cTn id="33" presetID="1" presetClass="entr" presetSubtype="0" fill="hold" grpId="0" nodeType="withEffect">
+                                  <p:stCondLst>
+                                    <p:cond delay="0"/>
+                                  </p:stCondLst>
+                                  <p:childTnLst>
+                                    <p:set>
+                                      <p:cBhvr>
+                                        <p:cTn id="34" dur="1" fill="hold">
+                                          <p:stCondLst>
+                                            <p:cond delay="0"/>
+                                          </p:stCondLst>
+                                        </p:cTn>
+                                        <p:tgtEl>
+                                          <p:spTgt spid="3">
+                                            <p:txEl>
+                                              <p:pRg st="8" end="8"/>
+                                            </p:txEl>
+                                          </p:spTgt>
+                                        </p:tgtEl>
+                                        <p:attrNameLst>
+                                          <p:attrName>style.visibility</p:attrName>
+                                        </p:attrNameLst>
+                                      </p:cBhvr>
+                                      <p:to>
+                                        <p:strVal val="visible"/>
+                                      </p:to>
+                                    </p:set>
+                                  </p:childTnLst>
+                                </p:cTn>
+                              </p:par>
+                              <p:par>
+                                <p:cTn id="35" presetID="1" presetClass="entr" presetSubtype="0" fill="hold" grpId="0" nodeType="withEffect">
+                                  <p:stCondLst>
+                                    <p:cond delay="0"/>
+                                  </p:stCondLst>
+                                  <p:childTnLst>
+                                    <p:set>
+                                      <p:cBhvr>
+                                        <p:cTn id="36" dur="1" fill="hold">
+                                          <p:stCondLst>
+                                            <p:cond delay="0"/>
+                                          </p:stCondLst>
+                                        </p:cTn>
+                                        <p:tgtEl>
+                                          <p:spTgt spid="3">
+                                            <p:txEl>
+                                              <p:pRg st="9" end="9"/>
+                                            </p:txEl>
+                                          </p:spTgt>
+                                        </p:tgtEl>
+                                        <p:attrNameLst>
+                                          <p:attrName>style.visibility</p:attrName>
+                                        </p:attrNameLst>
+                                      </p:cBhvr>
+                                      <p:to>
+                                        <p:strVal val="visible"/>
+                                      </p:to>
+                                    </p:set>
+                                  </p:childTnLst>
+                                </p:cTn>
+                              </p:par>
+                              <p:par>
+                                <p:cTn id="37" presetID="1" presetClass="entr" presetSubtype="0" fill="hold" grpId="0" nodeType="withEffect">
+                                  <p:stCondLst>
+                                    <p:cond delay="0"/>
+                                  </p:stCondLst>
+                                  <p:childTnLst>
+                                    <p:set>
+                                      <p:cBhvr>
+                                        <p:cTn id="38" dur="1" fill="hold">
+                                          <p:stCondLst>
+                                            <p:cond delay="0"/>
+                                          </p:stCondLst>
+                                        </p:cTn>
+                                        <p:tgtEl>
+                                          <p:spTgt spid="3">
+                                            <p:txEl>
+                                              <p:pRg st="10" end="10"/>
                                             </p:txEl>
                                           </p:spTgt>
                                         </p:tgtEl>
